--- a/ch1.pptx
+++ b/ch1.pptx
@@ -5,7 +5,7 @@
     <p:sldMasterId id="2147483648" r:id="rId1"/>
   </p:sldMasterIdLst>
   <p:notesMasterIdLst>
-    <p:notesMasterId r:id="rId15"/>
+    <p:notesMasterId r:id="rId20"/>
   </p:notesMasterIdLst>
   <p:sldIdLst>
     <p:sldId id="257" r:id="rId2"/>
@@ -21,6 +21,11 @@
     <p:sldId id="268" r:id="rId12"/>
     <p:sldId id="269" r:id="rId13"/>
     <p:sldId id="270" r:id="rId14"/>
+    <p:sldId id="271" r:id="rId15"/>
+    <p:sldId id="272" r:id="rId16"/>
+    <p:sldId id="274" r:id="rId17"/>
+    <p:sldId id="273" r:id="rId18"/>
+    <p:sldId id="275" r:id="rId19"/>
   </p:sldIdLst>
   <p:sldSz cx="12192000" cy="6858000"/>
   <p:notesSz cx="6858000" cy="9144000"/>
@@ -1899,6 +1904,14 @@
         </dgm:presLayoutVars>
       </dgm:prSet>
       <dgm:spPr/>
+      <dgm:t>
+        <a:bodyPr/>
+        <a:lstStyle/>
+        <a:p>
+          <a:pPr latinLnBrk="1"/>
+          <a:endParaRPr lang="ko-KR" altLang="en-US"/>
+        </a:p>
+      </dgm:t>
     </dgm:pt>
     <dgm:pt modelId="{885835B1-6E3F-4D30-937E-214E0D6685FA}" type="pres">
       <dgm:prSet presAssocID="{3B1EF632-3B8C-48D6-8694-25A4D866702E}" presName="hierRoot1" presStyleCnt="0">
@@ -1919,10 +1932,26 @@
         </dgm:presLayoutVars>
       </dgm:prSet>
       <dgm:spPr/>
+      <dgm:t>
+        <a:bodyPr/>
+        <a:lstStyle/>
+        <a:p>
+          <a:pPr latinLnBrk="1"/>
+          <a:endParaRPr lang="ko-KR" altLang="en-US"/>
+        </a:p>
+      </dgm:t>
     </dgm:pt>
     <dgm:pt modelId="{499B7F78-33DC-45DB-BBCE-C2C5C7394BA2}" type="pres">
       <dgm:prSet presAssocID="{3B1EF632-3B8C-48D6-8694-25A4D866702E}" presName="rootConnector1" presStyleLbl="node1" presStyleIdx="0" presStyleCnt="0"/>
       <dgm:spPr/>
+      <dgm:t>
+        <a:bodyPr/>
+        <a:lstStyle/>
+        <a:p>
+          <a:pPr latinLnBrk="1"/>
+          <a:endParaRPr lang="ko-KR" altLang="en-US"/>
+        </a:p>
+      </dgm:t>
     </dgm:pt>
     <dgm:pt modelId="{C49F22DA-0157-4944-A3B0-C9B995E9CE8D}" type="pres">
       <dgm:prSet presAssocID="{3B1EF632-3B8C-48D6-8694-25A4D866702E}" presName="hierChild2" presStyleCnt="0"/>
@@ -1931,6 +1960,14 @@
     <dgm:pt modelId="{5842CEF0-BB6E-4BD8-88CB-7045198317AB}" type="pres">
       <dgm:prSet presAssocID="{A8A3C88A-71FE-49DF-938E-27E1965A8AFD}" presName="Name64" presStyleLbl="parChTrans1D2" presStyleIdx="0" presStyleCnt="5"/>
       <dgm:spPr/>
+      <dgm:t>
+        <a:bodyPr/>
+        <a:lstStyle/>
+        <a:p>
+          <a:pPr latinLnBrk="1"/>
+          <a:endParaRPr lang="ko-KR" altLang="en-US"/>
+        </a:p>
+      </dgm:t>
     </dgm:pt>
     <dgm:pt modelId="{2144F70A-C7D9-4833-898B-9366698CB034}" type="pres">
       <dgm:prSet presAssocID="{C332E6FE-8582-480E-AA9A-FFFF557A97D0}" presName="hierRoot2" presStyleCnt="0">
@@ -1963,6 +2000,14 @@
     <dgm:pt modelId="{037F7785-C35E-4351-A504-CF2FFAC7B0F7}" type="pres">
       <dgm:prSet presAssocID="{C332E6FE-8582-480E-AA9A-FFFF557A97D0}" presName="rootConnector" presStyleLbl="node2" presStyleIdx="0" presStyleCnt="5"/>
       <dgm:spPr/>
+      <dgm:t>
+        <a:bodyPr/>
+        <a:lstStyle/>
+        <a:p>
+          <a:pPr latinLnBrk="1"/>
+          <a:endParaRPr lang="ko-KR" altLang="en-US"/>
+        </a:p>
+      </dgm:t>
     </dgm:pt>
     <dgm:pt modelId="{7E1BFE8D-43F5-4D7B-8E9F-D67083980B46}" type="pres">
       <dgm:prSet presAssocID="{C332E6FE-8582-480E-AA9A-FFFF557A97D0}" presName="hierChild4" presStyleCnt="0"/>
@@ -1975,6 +2020,14 @@
     <dgm:pt modelId="{4FAEA62B-7696-43AC-B20D-BC008DCE9AD6}" type="pres">
       <dgm:prSet presAssocID="{99E45807-1D0D-4631-8253-9E1219CC22B7}" presName="Name64" presStyleLbl="parChTrans1D2" presStyleIdx="1" presStyleCnt="5"/>
       <dgm:spPr/>
+      <dgm:t>
+        <a:bodyPr/>
+        <a:lstStyle/>
+        <a:p>
+          <a:pPr latinLnBrk="1"/>
+          <a:endParaRPr lang="ko-KR" altLang="en-US"/>
+        </a:p>
+      </dgm:t>
     </dgm:pt>
     <dgm:pt modelId="{3C0C7A9B-4161-4634-ACC3-60BBF2F8F941}" type="pres">
       <dgm:prSet presAssocID="{DEF1B195-498E-4131-968E-2A580784196F}" presName="hierRoot2" presStyleCnt="0">
@@ -1995,10 +2048,26 @@
         </dgm:presLayoutVars>
       </dgm:prSet>
       <dgm:spPr/>
+      <dgm:t>
+        <a:bodyPr/>
+        <a:lstStyle/>
+        <a:p>
+          <a:pPr latinLnBrk="1"/>
+          <a:endParaRPr lang="ko-KR" altLang="en-US"/>
+        </a:p>
+      </dgm:t>
     </dgm:pt>
     <dgm:pt modelId="{AD65F987-2D30-4AD1-B354-65A88CBF42CB}" type="pres">
       <dgm:prSet presAssocID="{DEF1B195-498E-4131-968E-2A580784196F}" presName="rootConnector" presStyleLbl="node2" presStyleIdx="1" presStyleCnt="5"/>
       <dgm:spPr/>
+      <dgm:t>
+        <a:bodyPr/>
+        <a:lstStyle/>
+        <a:p>
+          <a:pPr latinLnBrk="1"/>
+          <a:endParaRPr lang="ko-KR" altLang="en-US"/>
+        </a:p>
+      </dgm:t>
     </dgm:pt>
     <dgm:pt modelId="{2D0998E9-6AEE-4D1E-A105-EFEA84ED34EE}" type="pres">
       <dgm:prSet presAssocID="{DEF1B195-498E-4131-968E-2A580784196F}" presName="hierChild4" presStyleCnt="0"/>
@@ -2011,6 +2080,14 @@
     <dgm:pt modelId="{7694C825-4D0A-4E2D-BE0A-5568802C7D29}" type="pres">
       <dgm:prSet presAssocID="{63C7CAD5-A88C-4C74-AEBB-F3D015BA31E4}" presName="Name64" presStyleLbl="parChTrans1D2" presStyleIdx="2" presStyleCnt="5"/>
       <dgm:spPr/>
+      <dgm:t>
+        <a:bodyPr/>
+        <a:lstStyle/>
+        <a:p>
+          <a:pPr latinLnBrk="1"/>
+          <a:endParaRPr lang="ko-KR" altLang="en-US"/>
+        </a:p>
+      </dgm:t>
     </dgm:pt>
     <dgm:pt modelId="{3B545796-14D9-41DB-9E9C-1D692BD83CCE}" type="pres">
       <dgm:prSet presAssocID="{034425B7-64D3-4CD7-9C6F-C2740366128D}" presName="hierRoot2" presStyleCnt="0">
@@ -2031,10 +2108,26 @@
         </dgm:presLayoutVars>
       </dgm:prSet>
       <dgm:spPr/>
+      <dgm:t>
+        <a:bodyPr/>
+        <a:lstStyle/>
+        <a:p>
+          <a:pPr latinLnBrk="1"/>
+          <a:endParaRPr lang="ko-KR" altLang="en-US"/>
+        </a:p>
+      </dgm:t>
     </dgm:pt>
     <dgm:pt modelId="{884A0E91-917D-422E-AF11-99E4845FD974}" type="pres">
       <dgm:prSet presAssocID="{034425B7-64D3-4CD7-9C6F-C2740366128D}" presName="rootConnector" presStyleLbl="node2" presStyleIdx="2" presStyleCnt="5"/>
       <dgm:spPr/>
+      <dgm:t>
+        <a:bodyPr/>
+        <a:lstStyle/>
+        <a:p>
+          <a:pPr latinLnBrk="1"/>
+          <a:endParaRPr lang="ko-KR" altLang="en-US"/>
+        </a:p>
+      </dgm:t>
     </dgm:pt>
     <dgm:pt modelId="{788F48B1-96D6-4048-9B4F-FFF002B2F958}" type="pres">
       <dgm:prSet presAssocID="{034425B7-64D3-4CD7-9C6F-C2740366128D}" presName="hierChild4" presStyleCnt="0"/>
@@ -2047,6 +2140,14 @@
     <dgm:pt modelId="{4CDC03B2-E9D9-41D2-91AB-334222BF2D0E}" type="pres">
       <dgm:prSet presAssocID="{E84F442D-F7B3-49FD-9412-134C37388061}" presName="Name64" presStyleLbl="parChTrans1D2" presStyleIdx="3" presStyleCnt="5"/>
       <dgm:spPr/>
+      <dgm:t>
+        <a:bodyPr/>
+        <a:lstStyle/>
+        <a:p>
+          <a:pPr latinLnBrk="1"/>
+          <a:endParaRPr lang="ko-KR" altLang="en-US"/>
+        </a:p>
+      </dgm:t>
     </dgm:pt>
     <dgm:pt modelId="{32D8048B-E9CD-41AB-A0EB-EB7788E1A49D}" type="pres">
       <dgm:prSet presAssocID="{1ECDE30A-706A-43D8-8566-CB0F5D48C4E9}" presName="hierRoot2" presStyleCnt="0">
@@ -2079,6 +2180,14 @@
     <dgm:pt modelId="{1469D514-DACE-478F-8439-84085FA37CF9}" type="pres">
       <dgm:prSet presAssocID="{1ECDE30A-706A-43D8-8566-CB0F5D48C4E9}" presName="rootConnector" presStyleLbl="node2" presStyleIdx="3" presStyleCnt="5"/>
       <dgm:spPr/>
+      <dgm:t>
+        <a:bodyPr/>
+        <a:lstStyle/>
+        <a:p>
+          <a:pPr latinLnBrk="1"/>
+          <a:endParaRPr lang="ko-KR" altLang="en-US"/>
+        </a:p>
+      </dgm:t>
     </dgm:pt>
     <dgm:pt modelId="{318A6A97-1BC5-4637-B053-2559CFD8025E}" type="pres">
       <dgm:prSet presAssocID="{1ECDE30A-706A-43D8-8566-CB0F5D48C4E9}" presName="hierChild4" presStyleCnt="0"/>
@@ -2091,6 +2200,14 @@
     <dgm:pt modelId="{ADC5DC0D-F8FA-4B0D-9E32-BB39CC5F58AA}" type="pres">
       <dgm:prSet presAssocID="{B516C944-F036-4D2C-8BD9-9DB6906C5875}" presName="Name64" presStyleLbl="parChTrans1D2" presStyleIdx="4" presStyleCnt="5"/>
       <dgm:spPr/>
+      <dgm:t>
+        <a:bodyPr/>
+        <a:lstStyle/>
+        <a:p>
+          <a:pPr latinLnBrk="1"/>
+          <a:endParaRPr lang="ko-KR" altLang="en-US"/>
+        </a:p>
+      </dgm:t>
     </dgm:pt>
     <dgm:pt modelId="{62560E80-791E-494D-8E4B-83C106369842}" type="pres">
       <dgm:prSet presAssocID="{C3295146-9C6F-47A4-BB7C-C7E29B4BB41D}" presName="hierRoot2" presStyleCnt="0">
@@ -2111,10 +2228,26 @@
         </dgm:presLayoutVars>
       </dgm:prSet>
       <dgm:spPr/>
+      <dgm:t>
+        <a:bodyPr/>
+        <a:lstStyle/>
+        <a:p>
+          <a:pPr latinLnBrk="1"/>
+          <a:endParaRPr lang="ko-KR" altLang="en-US"/>
+        </a:p>
+      </dgm:t>
     </dgm:pt>
     <dgm:pt modelId="{BCE5895E-7354-418B-9D4E-21538C6A3A54}" type="pres">
       <dgm:prSet presAssocID="{C3295146-9C6F-47A4-BB7C-C7E29B4BB41D}" presName="rootConnector" presStyleLbl="node2" presStyleIdx="4" presStyleCnt="5"/>
       <dgm:spPr/>
+      <dgm:t>
+        <a:bodyPr/>
+        <a:lstStyle/>
+        <a:p>
+          <a:pPr latinLnBrk="1"/>
+          <a:endParaRPr lang="ko-KR" altLang="en-US"/>
+        </a:p>
+      </dgm:t>
     </dgm:pt>
     <dgm:pt modelId="{2A21B69F-187F-43C2-9CA7-FE0519353103}" type="pres">
       <dgm:prSet presAssocID="{C3295146-9C6F-47A4-BB7C-C7E29B4BB41D}" presName="hierChild4" presStyleCnt="0"/>
@@ -2130,30 +2263,30 @@
     </dgm:pt>
   </dgm:ptLst>
   <dgm:cxnLst>
-    <dgm:cxn modelId="{8F8D5875-A530-4FBE-BFEE-AF918440470B}" type="presOf" srcId="{1ECDE30A-706A-43D8-8566-CB0F5D48C4E9}" destId="{65A07F3B-CCF5-4947-B8E4-32CCB6AC328D}" srcOrd="0" destOrd="0" presId="urn:microsoft.com/office/officeart/2009/3/layout/HorizontalOrganizationChart"/>
-    <dgm:cxn modelId="{A671CD57-539D-4596-971D-8282A3EF882F}" type="presOf" srcId="{C332E6FE-8582-480E-AA9A-FFFF557A97D0}" destId="{037F7785-C35E-4351-A504-CF2FFAC7B0F7}" srcOrd="1" destOrd="0" presId="urn:microsoft.com/office/officeart/2009/3/layout/HorizontalOrganizationChart"/>
+    <dgm:cxn modelId="{5721F62B-0334-499B-A32E-1288CECF50FB}" type="presOf" srcId="{E84F442D-F7B3-49FD-9412-134C37388061}" destId="{4CDC03B2-E9D9-41D2-91AB-334222BF2D0E}" srcOrd="0" destOrd="0" presId="urn:microsoft.com/office/officeart/2009/3/layout/HorizontalOrganizationChart"/>
+    <dgm:cxn modelId="{A0490C01-EF1E-46AD-87B6-14DA4ADCB1FF}" type="presOf" srcId="{DEF1B195-498E-4131-968E-2A580784196F}" destId="{E920F2AB-32EF-40AF-A2A0-CEF269CAD2BE}" srcOrd="0" destOrd="0" presId="urn:microsoft.com/office/officeart/2009/3/layout/HorizontalOrganizationChart"/>
+    <dgm:cxn modelId="{ABF85C54-454D-46FE-B3CB-17170B47896E}" type="presOf" srcId="{034425B7-64D3-4CD7-9C6F-C2740366128D}" destId="{884A0E91-917D-422E-AF11-99E4845FD974}" srcOrd="1" destOrd="0" presId="urn:microsoft.com/office/officeart/2009/3/layout/HorizontalOrganizationChart"/>
+    <dgm:cxn modelId="{8E6C5669-0798-4FB7-B96E-8A1DDF9A90C1}" type="presOf" srcId="{99E45807-1D0D-4631-8253-9E1219CC22B7}" destId="{4FAEA62B-7696-43AC-B20D-BC008DCE9AD6}" srcOrd="0" destOrd="0" presId="urn:microsoft.com/office/officeart/2009/3/layout/HorizontalOrganizationChart"/>
+    <dgm:cxn modelId="{2964912F-4574-4160-BD06-BE2AAEEFB084}" type="presOf" srcId="{C3295146-9C6F-47A4-BB7C-C7E29B4BB41D}" destId="{BCE5895E-7354-418B-9D4E-21538C6A3A54}" srcOrd="1" destOrd="0" presId="urn:microsoft.com/office/officeart/2009/3/layout/HorizontalOrganizationChart"/>
     <dgm:cxn modelId="{8816B2A8-C1AC-4097-A533-14231AF10599}" type="presOf" srcId="{63C7CAD5-A88C-4C74-AEBB-F3D015BA31E4}" destId="{7694C825-4D0A-4E2D-BE0A-5568802C7D29}" srcOrd="0" destOrd="0" presId="urn:microsoft.com/office/officeart/2009/3/layout/HorizontalOrganizationChart"/>
-    <dgm:cxn modelId="{8E6C5669-0798-4FB7-B96E-8A1DDF9A90C1}" type="presOf" srcId="{99E45807-1D0D-4631-8253-9E1219CC22B7}" destId="{4FAEA62B-7696-43AC-B20D-BC008DCE9AD6}" srcOrd="0" destOrd="0" presId="urn:microsoft.com/office/officeart/2009/3/layout/HorizontalOrganizationChart"/>
+    <dgm:cxn modelId="{698B333A-39BC-4618-9326-8BD6FB9F6BB5}" srcId="{3B1EF632-3B8C-48D6-8694-25A4D866702E}" destId="{DEF1B195-498E-4131-968E-2A580784196F}" srcOrd="1" destOrd="0" parTransId="{99E45807-1D0D-4631-8253-9E1219CC22B7}" sibTransId="{DC0BBE91-722D-470D-BC86-000399EB7CFA}"/>
+    <dgm:cxn modelId="{336771D2-C034-4483-94AD-71335EBF7D09}" type="presOf" srcId="{C3295146-9C6F-47A4-BB7C-C7E29B4BB41D}" destId="{34C09ECF-4EFF-49C6-821D-370DC0A2A19B}" srcOrd="0" destOrd="0" presId="urn:microsoft.com/office/officeart/2009/3/layout/HorizontalOrganizationChart"/>
+    <dgm:cxn modelId="{28E091F7-3513-45C4-95F9-9F41C18B7139}" type="presOf" srcId="{3B1EF632-3B8C-48D6-8694-25A4D866702E}" destId="{81170B77-D5E0-45EE-B59E-80D61E1F2DC5}" srcOrd="0" destOrd="0" presId="urn:microsoft.com/office/officeart/2009/3/layout/HorizontalOrganizationChart"/>
+    <dgm:cxn modelId="{473A28C4-F149-4FFC-B7AB-3E0AA3A6E80D}" type="presOf" srcId="{3B1EF632-3B8C-48D6-8694-25A4D866702E}" destId="{499B7F78-33DC-45DB-BBCE-C2C5C7394BA2}" srcOrd="1" destOrd="0" presId="urn:microsoft.com/office/officeart/2009/3/layout/HorizontalOrganizationChart"/>
+    <dgm:cxn modelId="{38BD9C58-5E0B-4935-9CED-34D741F677FC}" srcId="{3B1EF632-3B8C-48D6-8694-25A4D866702E}" destId="{034425B7-64D3-4CD7-9C6F-C2740366128D}" srcOrd="2" destOrd="0" parTransId="{63C7CAD5-A88C-4C74-AEBB-F3D015BA31E4}" sibTransId="{B27B8703-C1FF-4BD4-BC9A-B0875171D00F}"/>
+    <dgm:cxn modelId="{147DB206-EF7F-413D-BDA9-A680634FF79B}" type="presOf" srcId="{5C5C8ECE-0C3D-4DB2-839F-AA8DF67FA8D7}" destId="{3F733AFF-992C-40B6-AD18-7A06CFD718EC}" srcOrd="0" destOrd="0" presId="urn:microsoft.com/office/officeart/2009/3/layout/HorizontalOrganizationChart"/>
     <dgm:cxn modelId="{90CB3BB6-2CAE-4812-A383-E900B29AC0D4}" srcId="{5C5C8ECE-0C3D-4DB2-839F-AA8DF67FA8D7}" destId="{3B1EF632-3B8C-48D6-8694-25A4D866702E}" srcOrd="0" destOrd="0" parTransId="{0DF1D8C9-82F8-4680-B7A3-CF637AC12D8F}" sibTransId="{996F0356-6A31-4759-84EB-F27D997539BA}"/>
     <dgm:cxn modelId="{54CD58D4-22EF-449F-A466-C4131ABA9905}" srcId="{3B1EF632-3B8C-48D6-8694-25A4D866702E}" destId="{C332E6FE-8582-480E-AA9A-FFFF557A97D0}" srcOrd="0" destOrd="0" parTransId="{A8A3C88A-71FE-49DF-938E-27E1965A8AFD}" sibTransId="{2F96B0E2-AA2C-456D-8C16-ACE1CD096EF5}"/>
-    <dgm:cxn modelId="{38BD9C58-5E0B-4935-9CED-34D741F677FC}" srcId="{3B1EF632-3B8C-48D6-8694-25A4D866702E}" destId="{034425B7-64D3-4CD7-9C6F-C2740366128D}" srcOrd="2" destOrd="0" parTransId="{63C7CAD5-A88C-4C74-AEBB-F3D015BA31E4}" sibTransId="{B27B8703-C1FF-4BD4-BC9A-B0875171D00F}"/>
+    <dgm:cxn modelId="{100A5F30-1953-4235-83B6-A698904EC6DB}" type="presOf" srcId="{034425B7-64D3-4CD7-9C6F-C2740366128D}" destId="{007CA835-F66D-4208-9D11-AC1BC18DC2AC}" srcOrd="0" destOrd="0" presId="urn:microsoft.com/office/officeart/2009/3/layout/HorizontalOrganizationChart"/>
+    <dgm:cxn modelId="{8F8D5875-A530-4FBE-BFEE-AF918440470B}" type="presOf" srcId="{1ECDE30A-706A-43D8-8566-CB0F5D48C4E9}" destId="{65A07F3B-CCF5-4947-B8E4-32CCB6AC328D}" srcOrd="0" destOrd="0" presId="urn:microsoft.com/office/officeart/2009/3/layout/HorizontalOrganizationChart"/>
+    <dgm:cxn modelId="{61B97963-E2E6-4231-AE0C-8044D85FFE45}" type="presOf" srcId="{B516C944-F036-4D2C-8BD9-9DB6906C5875}" destId="{ADC5DC0D-F8FA-4B0D-9E32-BB39CC5F58AA}" srcOrd="0" destOrd="0" presId="urn:microsoft.com/office/officeart/2009/3/layout/HorizontalOrganizationChart"/>
+    <dgm:cxn modelId="{BDBBD520-2139-4F64-9442-FA38CB9BF487}" srcId="{3B1EF632-3B8C-48D6-8694-25A4D866702E}" destId="{C3295146-9C6F-47A4-BB7C-C7E29B4BB41D}" srcOrd="4" destOrd="0" parTransId="{B516C944-F036-4D2C-8BD9-9DB6906C5875}" sibTransId="{51265953-5606-4FDB-832C-D1F9F710C2CB}"/>
+    <dgm:cxn modelId="{A671CD57-539D-4596-971D-8282A3EF882F}" type="presOf" srcId="{C332E6FE-8582-480E-AA9A-FFFF557A97D0}" destId="{037F7785-C35E-4351-A504-CF2FFAC7B0F7}" srcOrd="1" destOrd="0" presId="urn:microsoft.com/office/officeart/2009/3/layout/HorizontalOrganizationChart"/>
+    <dgm:cxn modelId="{F3C53582-B9AF-4B1B-A024-0A8D343BC1B6}" srcId="{3B1EF632-3B8C-48D6-8694-25A4D866702E}" destId="{1ECDE30A-706A-43D8-8566-CB0F5D48C4E9}" srcOrd="3" destOrd="0" parTransId="{E84F442D-F7B3-49FD-9412-134C37388061}" sibTransId="{B74F34A4-ABCA-471E-9E4A-9529D6A60609}"/>
+    <dgm:cxn modelId="{25EF3AA5-5606-44D8-8508-BA6BFA3C45A1}" type="presOf" srcId="{1ECDE30A-706A-43D8-8566-CB0F5D48C4E9}" destId="{1469D514-DACE-478F-8439-84085FA37CF9}" srcOrd="1" destOrd="0" presId="urn:microsoft.com/office/officeart/2009/3/layout/HorizontalOrganizationChart"/>
+    <dgm:cxn modelId="{6C433655-226C-422A-99BB-A65333BE3263}" type="presOf" srcId="{C332E6FE-8582-480E-AA9A-FFFF557A97D0}" destId="{FCE28136-66D6-4C75-861A-A17F3BD1452B}" srcOrd="0" destOrd="0" presId="urn:microsoft.com/office/officeart/2009/3/layout/HorizontalOrganizationChart"/>
     <dgm:cxn modelId="{C7737FBB-CDB7-4172-8DF0-5F4EB420A1F2}" type="presOf" srcId="{DEF1B195-498E-4131-968E-2A580784196F}" destId="{AD65F987-2D30-4AD1-B354-65A88CBF42CB}" srcOrd="1" destOrd="0" presId="urn:microsoft.com/office/officeart/2009/3/layout/HorizontalOrganizationChart"/>
-    <dgm:cxn modelId="{2964912F-4574-4160-BD06-BE2AAEEFB084}" type="presOf" srcId="{C3295146-9C6F-47A4-BB7C-C7E29B4BB41D}" destId="{BCE5895E-7354-418B-9D4E-21538C6A3A54}" srcOrd="1" destOrd="0" presId="urn:microsoft.com/office/officeart/2009/3/layout/HorizontalOrganizationChart"/>
-    <dgm:cxn modelId="{5721F62B-0334-499B-A32E-1288CECF50FB}" type="presOf" srcId="{E84F442D-F7B3-49FD-9412-134C37388061}" destId="{4CDC03B2-E9D9-41D2-91AB-334222BF2D0E}" srcOrd="0" destOrd="0" presId="urn:microsoft.com/office/officeart/2009/3/layout/HorizontalOrganizationChart"/>
-    <dgm:cxn modelId="{A0490C01-EF1E-46AD-87B6-14DA4ADCB1FF}" type="presOf" srcId="{DEF1B195-498E-4131-968E-2A580784196F}" destId="{E920F2AB-32EF-40AF-A2A0-CEF269CAD2BE}" srcOrd="0" destOrd="0" presId="urn:microsoft.com/office/officeart/2009/3/layout/HorizontalOrganizationChart"/>
-    <dgm:cxn modelId="{473A28C4-F149-4FFC-B7AB-3E0AA3A6E80D}" type="presOf" srcId="{3B1EF632-3B8C-48D6-8694-25A4D866702E}" destId="{499B7F78-33DC-45DB-BBCE-C2C5C7394BA2}" srcOrd="1" destOrd="0" presId="urn:microsoft.com/office/officeart/2009/3/layout/HorizontalOrganizationChart"/>
-    <dgm:cxn modelId="{6C433655-226C-422A-99BB-A65333BE3263}" type="presOf" srcId="{C332E6FE-8582-480E-AA9A-FFFF557A97D0}" destId="{FCE28136-66D6-4C75-861A-A17F3BD1452B}" srcOrd="0" destOrd="0" presId="urn:microsoft.com/office/officeart/2009/3/layout/HorizontalOrganizationChart"/>
-    <dgm:cxn modelId="{61B97963-E2E6-4231-AE0C-8044D85FFE45}" type="presOf" srcId="{B516C944-F036-4D2C-8BD9-9DB6906C5875}" destId="{ADC5DC0D-F8FA-4B0D-9E32-BB39CC5F58AA}" srcOrd="0" destOrd="0" presId="urn:microsoft.com/office/officeart/2009/3/layout/HorizontalOrganizationChart"/>
-    <dgm:cxn modelId="{147DB206-EF7F-413D-BDA9-A680634FF79B}" type="presOf" srcId="{5C5C8ECE-0C3D-4DB2-839F-AA8DF67FA8D7}" destId="{3F733AFF-992C-40B6-AD18-7A06CFD718EC}" srcOrd="0" destOrd="0" presId="urn:microsoft.com/office/officeart/2009/3/layout/HorizontalOrganizationChart"/>
-    <dgm:cxn modelId="{F3C53582-B9AF-4B1B-A024-0A8D343BC1B6}" srcId="{3B1EF632-3B8C-48D6-8694-25A4D866702E}" destId="{1ECDE30A-706A-43D8-8566-CB0F5D48C4E9}" srcOrd="3" destOrd="0" parTransId="{E84F442D-F7B3-49FD-9412-134C37388061}" sibTransId="{B74F34A4-ABCA-471E-9E4A-9529D6A60609}"/>
-    <dgm:cxn modelId="{100A5F30-1953-4235-83B6-A698904EC6DB}" type="presOf" srcId="{034425B7-64D3-4CD7-9C6F-C2740366128D}" destId="{007CA835-F66D-4208-9D11-AC1BC18DC2AC}" srcOrd="0" destOrd="0" presId="urn:microsoft.com/office/officeart/2009/3/layout/HorizontalOrganizationChart"/>
-    <dgm:cxn modelId="{336771D2-C034-4483-94AD-71335EBF7D09}" type="presOf" srcId="{C3295146-9C6F-47A4-BB7C-C7E29B4BB41D}" destId="{34C09ECF-4EFF-49C6-821D-370DC0A2A19B}" srcOrd="0" destOrd="0" presId="urn:microsoft.com/office/officeart/2009/3/layout/HorizontalOrganizationChart"/>
     <dgm:cxn modelId="{EEEDCA0F-00BA-4EB8-AF15-8AE8FA2C4C22}" type="presOf" srcId="{A8A3C88A-71FE-49DF-938E-27E1965A8AFD}" destId="{5842CEF0-BB6E-4BD8-88CB-7045198317AB}" srcOrd="0" destOrd="0" presId="urn:microsoft.com/office/officeart/2009/3/layout/HorizontalOrganizationChart"/>
-    <dgm:cxn modelId="{28E091F7-3513-45C4-95F9-9F41C18B7139}" type="presOf" srcId="{3B1EF632-3B8C-48D6-8694-25A4D866702E}" destId="{81170B77-D5E0-45EE-B59E-80D61E1F2DC5}" srcOrd="0" destOrd="0" presId="urn:microsoft.com/office/officeart/2009/3/layout/HorizontalOrganizationChart"/>
-    <dgm:cxn modelId="{BDBBD520-2139-4F64-9442-FA38CB9BF487}" srcId="{3B1EF632-3B8C-48D6-8694-25A4D866702E}" destId="{C3295146-9C6F-47A4-BB7C-C7E29B4BB41D}" srcOrd="4" destOrd="0" parTransId="{B516C944-F036-4D2C-8BD9-9DB6906C5875}" sibTransId="{51265953-5606-4FDB-832C-D1F9F710C2CB}"/>
-    <dgm:cxn modelId="{ABF85C54-454D-46FE-B3CB-17170B47896E}" type="presOf" srcId="{034425B7-64D3-4CD7-9C6F-C2740366128D}" destId="{884A0E91-917D-422E-AF11-99E4845FD974}" srcOrd="1" destOrd="0" presId="urn:microsoft.com/office/officeart/2009/3/layout/HorizontalOrganizationChart"/>
-    <dgm:cxn modelId="{25EF3AA5-5606-44D8-8508-BA6BFA3C45A1}" type="presOf" srcId="{1ECDE30A-706A-43D8-8566-CB0F5D48C4E9}" destId="{1469D514-DACE-478F-8439-84085FA37CF9}" srcOrd="1" destOrd="0" presId="urn:microsoft.com/office/officeart/2009/3/layout/HorizontalOrganizationChart"/>
-    <dgm:cxn modelId="{698B333A-39BC-4618-9326-8BD6FB9F6BB5}" srcId="{3B1EF632-3B8C-48D6-8694-25A4D866702E}" destId="{DEF1B195-498E-4131-968E-2A580784196F}" srcOrd="1" destOrd="0" parTransId="{99E45807-1D0D-4631-8253-9E1219CC22B7}" sibTransId="{DC0BBE91-722D-470D-BC86-000399EB7CFA}"/>
     <dgm:cxn modelId="{108A19CC-1012-41D7-AB72-B8B40251805B}" type="presParOf" srcId="{3F733AFF-992C-40B6-AD18-7A06CFD718EC}" destId="{885835B1-6E3F-4D30-937E-214E0D6685FA}" srcOrd="0" destOrd="0" presId="urn:microsoft.com/office/officeart/2009/3/layout/HorizontalOrganizationChart"/>
     <dgm:cxn modelId="{7EF0EA03-E769-4CD1-A05B-1AD909572548}" type="presParOf" srcId="{885835B1-6E3F-4D30-937E-214E0D6685FA}" destId="{F7CEDE6A-9902-40BF-B146-ABB4E92BDFF2}" srcOrd="0" destOrd="0" presId="urn:microsoft.com/office/officeart/2009/3/layout/HorizontalOrganizationChart"/>
     <dgm:cxn modelId="{745D3BF4-6CD8-4A40-AC90-5C07CC20ECAC}" type="presParOf" srcId="{F7CEDE6A-9902-40BF-B146-ABB4E92BDFF2}" destId="{81170B77-D5E0-45EE-B59E-80D61E1F2DC5}" srcOrd="0" destOrd="0" presId="urn:microsoft.com/office/officeart/2009/3/layout/HorizontalOrganizationChart"/>
@@ -2701,6 +2834,14 @@
         </dgm:presLayoutVars>
       </dgm:prSet>
       <dgm:spPr/>
+      <dgm:t>
+        <a:bodyPr/>
+        <a:lstStyle/>
+        <a:p>
+          <a:pPr latinLnBrk="1"/>
+          <a:endParaRPr lang="ko-KR" altLang="en-US"/>
+        </a:p>
+      </dgm:t>
     </dgm:pt>
     <dgm:pt modelId="{35F570F5-37D2-4DDE-BAE9-0A6043CFC044}" type="pres">
       <dgm:prSet presAssocID="{C341AF0F-636A-4929-A14F-7BDCFBDDEE3E}" presName="hierRoot1" presStyleCnt="0">
@@ -2733,6 +2874,14 @@
     <dgm:pt modelId="{1FE2FDAD-F29D-47F7-9B19-791C8C324B17}" type="pres">
       <dgm:prSet presAssocID="{C341AF0F-636A-4929-A14F-7BDCFBDDEE3E}" presName="rootConnector1" presStyleLbl="node1" presStyleIdx="0" presStyleCnt="0"/>
       <dgm:spPr/>
+      <dgm:t>
+        <a:bodyPr/>
+        <a:lstStyle/>
+        <a:p>
+          <a:pPr latinLnBrk="1"/>
+          <a:endParaRPr lang="ko-KR" altLang="en-US"/>
+        </a:p>
+      </dgm:t>
     </dgm:pt>
     <dgm:pt modelId="{E48D287E-D782-4C9F-97E1-CDDDF176556D}" type="pres">
       <dgm:prSet presAssocID="{C341AF0F-636A-4929-A14F-7BDCFBDDEE3E}" presName="hierChild2" presStyleCnt="0"/>
@@ -2741,6 +2890,14 @@
     <dgm:pt modelId="{C13740B1-2477-4CA4-8EA8-F5A3112880EA}" type="pres">
       <dgm:prSet presAssocID="{E615AD49-43D8-4CD8-83A0-197ED330EB27}" presName="Name37" presStyleLbl="parChTrans1D2" presStyleIdx="0" presStyleCnt="2"/>
       <dgm:spPr/>
+      <dgm:t>
+        <a:bodyPr/>
+        <a:lstStyle/>
+        <a:p>
+          <a:pPr latinLnBrk="1"/>
+          <a:endParaRPr lang="ko-KR" altLang="en-US"/>
+        </a:p>
+      </dgm:t>
     </dgm:pt>
     <dgm:pt modelId="{395640C6-30CD-4A42-80A1-5577EB171480}" type="pres">
       <dgm:prSet presAssocID="{DE591DC2-64B9-4DAF-9DD5-8F2E386A5619}" presName="hierRoot2" presStyleCnt="0">
@@ -2761,10 +2918,26 @@
         </dgm:presLayoutVars>
       </dgm:prSet>
       <dgm:spPr/>
+      <dgm:t>
+        <a:bodyPr/>
+        <a:lstStyle/>
+        <a:p>
+          <a:pPr latinLnBrk="1"/>
+          <a:endParaRPr lang="ko-KR" altLang="en-US"/>
+        </a:p>
+      </dgm:t>
     </dgm:pt>
     <dgm:pt modelId="{7B86CC57-83AD-45F7-A8DB-6596B2BF74AA}" type="pres">
       <dgm:prSet presAssocID="{DE591DC2-64B9-4DAF-9DD5-8F2E386A5619}" presName="rootConnector" presStyleLbl="node2" presStyleIdx="0" presStyleCnt="2"/>
       <dgm:spPr/>
+      <dgm:t>
+        <a:bodyPr/>
+        <a:lstStyle/>
+        <a:p>
+          <a:pPr latinLnBrk="1"/>
+          <a:endParaRPr lang="ko-KR" altLang="en-US"/>
+        </a:p>
+      </dgm:t>
     </dgm:pt>
     <dgm:pt modelId="{111DFFF5-CEC4-4AAC-B494-56A1B683F59F}" type="pres">
       <dgm:prSet presAssocID="{DE591DC2-64B9-4DAF-9DD5-8F2E386A5619}" presName="hierChild4" presStyleCnt="0"/>
@@ -2773,6 +2946,14 @@
     <dgm:pt modelId="{F689A115-CFDA-42A9-8EC0-0DA61FA18EBA}" type="pres">
       <dgm:prSet presAssocID="{75DCA09A-8C2E-48AC-9835-B64497A0B92F}" presName="Name37" presStyleLbl="parChTrans1D3" presStyleIdx="0" presStyleCnt="6"/>
       <dgm:spPr/>
+      <dgm:t>
+        <a:bodyPr/>
+        <a:lstStyle/>
+        <a:p>
+          <a:pPr latinLnBrk="1"/>
+          <a:endParaRPr lang="ko-KR" altLang="en-US"/>
+        </a:p>
+      </dgm:t>
     </dgm:pt>
     <dgm:pt modelId="{8BCC0E4D-1FE7-45B9-A47C-59C8BCD31951}" type="pres">
       <dgm:prSet presAssocID="{191ECAFA-1861-4874-B7EC-494DB03C11FF}" presName="hierRoot2" presStyleCnt="0">
@@ -2793,10 +2974,26 @@
         </dgm:presLayoutVars>
       </dgm:prSet>
       <dgm:spPr/>
+      <dgm:t>
+        <a:bodyPr/>
+        <a:lstStyle/>
+        <a:p>
+          <a:pPr latinLnBrk="1"/>
+          <a:endParaRPr lang="ko-KR" altLang="en-US"/>
+        </a:p>
+      </dgm:t>
     </dgm:pt>
     <dgm:pt modelId="{8C364D3F-A93B-4EFB-BCCC-6A856F1F847A}" type="pres">
       <dgm:prSet presAssocID="{191ECAFA-1861-4874-B7EC-494DB03C11FF}" presName="rootConnector" presStyleLbl="node3" presStyleIdx="0" presStyleCnt="6"/>
       <dgm:spPr/>
+      <dgm:t>
+        <a:bodyPr/>
+        <a:lstStyle/>
+        <a:p>
+          <a:pPr latinLnBrk="1"/>
+          <a:endParaRPr lang="ko-KR" altLang="en-US"/>
+        </a:p>
+      </dgm:t>
     </dgm:pt>
     <dgm:pt modelId="{B73AF8FA-2CDE-437E-AAF5-10104B723AC9}" type="pres">
       <dgm:prSet presAssocID="{191ECAFA-1861-4874-B7EC-494DB03C11FF}" presName="hierChild4" presStyleCnt="0"/>
@@ -2809,6 +3006,14 @@
     <dgm:pt modelId="{76F5E1AE-3917-4240-BCF5-85E455A9B62B}" type="pres">
       <dgm:prSet presAssocID="{64DD902B-C532-4A85-BE3B-26105B62F36C}" presName="Name37" presStyleLbl="parChTrans1D3" presStyleIdx="1" presStyleCnt="6"/>
       <dgm:spPr/>
+      <dgm:t>
+        <a:bodyPr/>
+        <a:lstStyle/>
+        <a:p>
+          <a:pPr latinLnBrk="1"/>
+          <a:endParaRPr lang="ko-KR" altLang="en-US"/>
+        </a:p>
+      </dgm:t>
     </dgm:pt>
     <dgm:pt modelId="{6EE06E9D-10FF-45A7-97DB-D29AA770FDEC}" type="pres">
       <dgm:prSet presAssocID="{304E3D12-185A-4A0F-8BA2-9725A6A519E2}" presName="hierRoot2" presStyleCnt="0">
@@ -2841,6 +3046,14 @@
     <dgm:pt modelId="{EE931C20-F12C-407B-9E4B-8D06BDACD7FF}" type="pres">
       <dgm:prSet presAssocID="{304E3D12-185A-4A0F-8BA2-9725A6A519E2}" presName="rootConnector" presStyleLbl="node3" presStyleIdx="1" presStyleCnt="6"/>
       <dgm:spPr/>
+      <dgm:t>
+        <a:bodyPr/>
+        <a:lstStyle/>
+        <a:p>
+          <a:pPr latinLnBrk="1"/>
+          <a:endParaRPr lang="ko-KR" altLang="en-US"/>
+        </a:p>
+      </dgm:t>
     </dgm:pt>
     <dgm:pt modelId="{306C0E52-92E3-4905-82EA-E6F51C5B6200}" type="pres">
       <dgm:prSet presAssocID="{304E3D12-185A-4A0F-8BA2-9725A6A519E2}" presName="hierChild4" presStyleCnt="0"/>
@@ -2857,6 +3070,14 @@
     <dgm:pt modelId="{E23B678C-0C22-4F76-BDCE-686F113381E4}" type="pres">
       <dgm:prSet presAssocID="{CCCAFAC1-095A-4FF1-B628-57CB45115D3A}" presName="Name37" presStyleLbl="parChTrans1D2" presStyleIdx="1" presStyleCnt="2"/>
       <dgm:spPr/>
+      <dgm:t>
+        <a:bodyPr/>
+        <a:lstStyle/>
+        <a:p>
+          <a:pPr latinLnBrk="1"/>
+          <a:endParaRPr lang="ko-KR" altLang="en-US"/>
+        </a:p>
+      </dgm:t>
     </dgm:pt>
     <dgm:pt modelId="{F26F66FC-220B-4B56-91B8-E9BAB7A8A782}" type="pres">
       <dgm:prSet presAssocID="{3B0E9286-8DB4-42D3-8720-8E577EF12BC8}" presName="hierRoot2" presStyleCnt="0">
@@ -2877,10 +3098,26 @@
         </dgm:presLayoutVars>
       </dgm:prSet>
       <dgm:spPr/>
+      <dgm:t>
+        <a:bodyPr/>
+        <a:lstStyle/>
+        <a:p>
+          <a:pPr latinLnBrk="1"/>
+          <a:endParaRPr lang="ko-KR" altLang="en-US"/>
+        </a:p>
+      </dgm:t>
     </dgm:pt>
     <dgm:pt modelId="{356711B0-FC22-4EB1-A4FB-53B73A137B0A}" type="pres">
       <dgm:prSet presAssocID="{3B0E9286-8DB4-42D3-8720-8E577EF12BC8}" presName="rootConnector" presStyleLbl="node2" presStyleIdx="1" presStyleCnt="2"/>
       <dgm:spPr/>
+      <dgm:t>
+        <a:bodyPr/>
+        <a:lstStyle/>
+        <a:p>
+          <a:pPr latinLnBrk="1"/>
+          <a:endParaRPr lang="ko-KR" altLang="en-US"/>
+        </a:p>
+      </dgm:t>
     </dgm:pt>
     <dgm:pt modelId="{EE4FE9BF-41BB-41E5-A8AE-76E7C40F1282}" type="pres">
       <dgm:prSet presAssocID="{3B0E9286-8DB4-42D3-8720-8E577EF12BC8}" presName="hierChild4" presStyleCnt="0"/>
@@ -2889,6 +3126,14 @@
     <dgm:pt modelId="{EDCB3B6E-51BF-43E6-8B1E-BDA52ED9FF85}" type="pres">
       <dgm:prSet presAssocID="{D9233814-7B75-47B6-AD0B-91EFA59E83D0}" presName="Name37" presStyleLbl="parChTrans1D3" presStyleIdx="2" presStyleCnt="6"/>
       <dgm:spPr/>
+      <dgm:t>
+        <a:bodyPr/>
+        <a:lstStyle/>
+        <a:p>
+          <a:pPr latinLnBrk="1"/>
+          <a:endParaRPr lang="ko-KR" altLang="en-US"/>
+        </a:p>
+      </dgm:t>
     </dgm:pt>
     <dgm:pt modelId="{97A7D04B-EB87-4825-ABF5-BEF7AF7F8C8F}" type="pres">
       <dgm:prSet presAssocID="{ECFE0517-C511-48F1-B375-C85122DCCC1F}" presName="hierRoot2" presStyleCnt="0">
@@ -2921,6 +3166,14 @@
     <dgm:pt modelId="{690C7CE2-A962-4967-A7D6-36523A563BB8}" type="pres">
       <dgm:prSet presAssocID="{ECFE0517-C511-48F1-B375-C85122DCCC1F}" presName="rootConnector" presStyleLbl="node3" presStyleIdx="2" presStyleCnt="6"/>
       <dgm:spPr/>
+      <dgm:t>
+        <a:bodyPr/>
+        <a:lstStyle/>
+        <a:p>
+          <a:pPr latinLnBrk="1"/>
+          <a:endParaRPr lang="ko-KR" altLang="en-US"/>
+        </a:p>
+      </dgm:t>
     </dgm:pt>
     <dgm:pt modelId="{D68D5DFF-D97E-4E27-9E59-89290B9322CA}" type="pres">
       <dgm:prSet presAssocID="{ECFE0517-C511-48F1-B375-C85122DCCC1F}" presName="hierChild4" presStyleCnt="0"/>
@@ -2933,6 +3186,14 @@
     <dgm:pt modelId="{47B6E599-C2EF-48ED-AB2D-E5019A67FE6F}" type="pres">
       <dgm:prSet presAssocID="{7B4C45EC-48C4-4AD3-985A-A405217B858B}" presName="Name37" presStyleLbl="parChTrans1D3" presStyleIdx="3" presStyleCnt="6"/>
       <dgm:spPr/>
+      <dgm:t>
+        <a:bodyPr/>
+        <a:lstStyle/>
+        <a:p>
+          <a:pPr latinLnBrk="1"/>
+          <a:endParaRPr lang="ko-KR" altLang="en-US"/>
+        </a:p>
+      </dgm:t>
     </dgm:pt>
     <dgm:pt modelId="{7E81F746-DE82-4113-B4F1-629B3720E2D7}" type="pres">
       <dgm:prSet presAssocID="{E256304E-30F6-4DF9-81D7-B5B3279680B9}" presName="hierRoot2" presStyleCnt="0">
@@ -2965,6 +3226,14 @@
     <dgm:pt modelId="{268BB533-8DBD-4221-A997-07D13770A974}" type="pres">
       <dgm:prSet presAssocID="{E256304E-30F6-4DF9-81D7-B5B3279680B9}" presName="rootConnector" presStyleLbl="node3" presStyleIdx="3" presStyleCnt="6"/>
       <dgm:spPr/>
+      <dgm:t>
+        <a:bodyPr/>
+        <a:lstStyle/>
+        <a:p>
+          <a:pPr latinLnBrk="1"/>
+          <a:endParaRPr lang="ko-KR" altLang="en-US"/>
+        </a:p>
+      </dgm:t>
     </dgm:pt>
     <dgm:pt modelId="{D46B3843-FA9B-4264-B468-4CB1ECD2D75F}" type="pres">
       <dgm:prSet presAssocID="{E256304E-30F6-4DF9-81D7-B5B3279680B9}" presName="hierChild4" presStyleCnt="0"/>
@@ -2977,6 +3246,14 @@
     <dgm:pt modelId="{6A50EDA3-84B4-43B4-8678-695C186D2AE8}" type="pres">
       <dgm:prSet presAssocID="{8DDD270A-159C-49C2-A281-75832218A7D0}" presName="Name37" presStyleLbl="parChTrans1D3" presStyleIdx="4" presStyleCnt="6"/>
       <dgm:spPr/>
+      <dgm:t>
+        <a:bodyPr/>
+        <a:lstStyle/>
+        <a:p>
+          <a:pPr latinLnBrk="1"/>
+          <a:endParaRPr lang="ko-KR" altLang="en-US"/>
+        </a:p>
+      </dgm:t>
     </dgm:pt>
     <dgm:pt modelId="{BB033334-AEA1-443C-A113-4079D086305B}" type="pres">
       <dgm:prSet presAssocID="{C5F40304-ECE8-4783-9DD7-58F6C48A1BD4}" presName="hierRoot2" presStyleCnt="0">
@@ -2997,10 +3274,26 @@
         </dgm:presLayoutVars>
       </dgm:prSet>
       <dgm:spPr/>
+      <dgm:t>
+        <a:bodyPr/>
+        <a:lstStyle/>
+        <a:p>
+          <a:pPr latinLnBrk="1"/>
+          <a:endParaRPr lang="ko-KR" altLang="en-US"/>
+        </a:p>
+      </dgm:t>
     </dgm:pt>
     <dgm:pt modelId="{002F5277-F9B7-4052-92AB-1B25E71E755C}" type="pres">
       <dgm:prSet presAssocID="{C5F40304-ECE8-4783-9DD7-58F6C48A1BD4}" presName="rootConnector" presStyleLbl="node3" presStyleIdx="4" presStyleCnt="6"/>
       <dgm:spPr/>
+      <dgm:t>
+        <a:bodyPr/>
+        <a:lstStyle/>
+        <a:p>
+          <a:pPr latinLnBrk="1"/>
+          <a:endParaRPr lang="ko-KR" altLang="en-US"/>
+        </a:p>
+      </dgm:t>
     </dgm:pt>
     <dgm:pt modelId="{D7A485FF-E5E4-4494-8BCB-259EA7A50815}" type="pres">
       <dgm:prSet presAssocID="{C5F40304-ECE8-4783-9DD7-58F6C48A1BD4}" presName="hierChild4" presStyleCnt="0"/>
@@ -3013,6 +3306,14 @@
     <dgm:pt modelId="{F5BDDFDD-3DBB-4A3D-B24E-F8EB48878C38}" type="pres">
       <dgm:prSet presAssocID="{201DF313-9A5E-41DE-9FAE-97C616BF2DF2}" presName="Name37" presStyleLbl="parChTrans1D3" presStyleIdx="5" presStyleCnt="6"/>
       <dgm:spPr/>
+      <dgm:t>
+        <a:bodyPr/>
+        <a:lstStyle/>
+        <a:p>
+          <a:pPr latinLnBrk="1"/>
+          <a:endParaRPr lang="ko-KR" altLang="en-US"/>
+        </a:p>
+      </dgm:t>
     </dgm:pt>
     <dgm:pt modelId="{254EC056-C449-46FF-A279-2F4E03EDB36E}" type="pres">
       <dgm:prSet presAssocID="{E1BE9158-C562-4613-B27B-64CFE46B3FAC}" presName="hierRoot2" presStyleCnt="0">
@@ -3045,6 +3346,14 @@
     <dgm:pt modelId="{611D1FF4-D340-420E-BB98-DC8E8B78F240}" type="pres">
       <dgm:prSet presAssocID="{E1BE9158-C562-4613-B27B-64CFE46B3FAC}" presName="rootConnector" presStyleLbl="node3" presStyleIdx="5" presStyleCnt="6"/>
       <dgm:spPr/>
+      <dgm:t>
+        <a:bodyPr/>
+        <a:lstStyle/>
+        <a:p>
+          <a:pPr latinLnBrk="1"/>
+          <a:endParaRPr lang="ko-KR" altLang="en-US"/>
+        </a:p>
+      </dgm:t>
     </dgm:pt>
     <dgm:pt modelId="{BD947CA3-43FC-4A95-9330-4613593FF825}" type="pres">
       <dgm:prSet presAssocID="{E1BE9158-C562-4613-B27B-64CFE46B3FAC}" presName="hierChild4" presStyleCnt="0"/>
@@ -3064,42 +3373,42 @@
     </dgm:pt>
   </dgm:ptLst>
   <dgm:cxnLst>
-    <dgm:cxn modelId="{43662501-DB8F-4153-AD3E-38854EDEE375}" type="presOf" srcId="{201DF313-9A5E-41DE-9FAE-97C616BF2DF2}" destId="{F5BDDFDD-3DBB-4A3D-B24E-F8EB48878C38}" srcOrd="0" destOrd="0" presId="urn:microsoft.com/office/officeart/2005/8/layout/orgChart1"/>
-    <dgm:cxn modelId="{54514983-33FF-4803-9D28-0F8B14026A48}" type="presOf" srcId="{8DDD270A-159C-49C2-A281-75832218A7D0}" destId="{6A50EDA3-84B4-43B4-8678-695C186D2AE8}" srcOrd="0" destOrd="0" presId="urn:microsoft.com/office/officeart/2005/8/layout/orgChart1"/>
+    <dgm:cxn modelId="{EE435659-BA50-49E0-939C-1A985C77026A}" type="presOf" srcId="{3B0E9286-8DB4-42D3-8720-8E577EF12BC8}" destId="{1A845724-E192-4092-BD32-F91C301EB85D}" srcOrd="0" destOrd="0" presId="urn:microsoft.com/office/officeart/2005/8/layout/orgChart1"/>
+    <dgm:cxn modelId="{EF4D9772-7FA1-4219-B455-87DFB8BF7E39}" type="presOf" srcId="{7B4C45EC-48C4-4AD3-985A-A405217B858B}" destId="{47B6E599-C2EF-48ED-AB2D-E5019A67FE6F}" srcOrd="0" destOrd="0" presId="urn:microsoft.com/office/officeart/2005/8/layout/orgChart1"/>
+    <dgm:cxn modelId="{4CCB27CD-FEF0-41B6-9AFA-5FECD442E60A}" type="presOf" srcId="{E256304E-30F6-4DF9-81D7-B5B3279680B9}" destId="{9796D781-0084-41A1-AC29-979EBAC10C4D}" srcOrd="0" destOrd="0" presId="urn:microsoft.com/office/officeart/2005/8/layout/orgChart1"/>
+    <dgm:cxn modelId="{06472C61-2805-4892-B4CC-66A99E2A2A90}" srcId="{DE591DC2-64B9-4DAF-9DD5-8F2E386A5619}" destId="{304E3D12-185A-4A0F-8BA2-9725A6A519E2}" srcOrd="1" destOrd="0" parTransId="{64DD902B-C532-4A85-BE3B-26105B62F36C}" sibTransId="{A05FFDAF-38E6-4087-9177-BFF2C81721A1}"/>
+    <dgm:cxn modelId="{DE114CC1-8B5D-4F1D-9AC2-32753E55ABAE}" type="presOf" srcId="{D9233814-7B75-47B6-AD0B-91EFA59E83D0}" destId="{EDCB3B6E-51BF-43E6-8B1E-BDA52ED9FF85}" srcOrd="0" destOrd="0" presId="urn:microsoft.com/office/officeart/2005/8/layout/orgChart1"/>
+    <dgm:cxn modelId="{906CD779-5217-489D-B400-369FE5F6D28E}" type="presOf" srcId="{DE591DC2-64B9-4DAF-9DD5-8F2E386A5619}" destId="{FA72CAE9-FC59-4C1A-A02C-B7134E350697}" srcOrd="0" destOrd="0" presId="urn:microsoft.com/office/officeart/2005/8/layout/orgChart1"/>
+    <dgm:cxn modelId="{B14C7468-B15D-4413-B459-1D88252E3642}" type="presOf" srcId="{75DCA09A-8C2E-48AC-9835-B64497A0B92F}" destId="{F689A115-CFDA-42A9-8EC0-0DA61FA18EBA}" srcOrd="0" destOrd="0" presId="urn:microsoft.com/office/officeart/2005/8/layout/orgChart1"/>
+    <dgm:cxn modelId="{7D041685-C287-4B81-BDDE-354F761D6FDC}" type="presOf" srcId="{E615AD49-43D8-4CD8-83A0-197ED330EB27}" destId="{C13740B1-2477-4CA4-8EA8-F5A3112880EA}" srcOrd="0" destOrd="0" presId="urn:microsoft.com/office/officeart/2005/8/layout/orgChart1"/>
+    <dgm:cxn modelId="{2CE30BA1-B36E-466A-8254-08579C934FF0}" type="presOf" srcId="{304E3D12-185A-4A0F-8BA2-9725A6A519E2}" destId="{A5CF65F2-6718-4578-9CD1-78B0075B11C6}" srcOrd="0" destOrd="0" presId="urn:microsoft.com/office/officeart/2005/8/layout/orgChart1"/>
+    <dgm:cxn modelId="{B0B58FBF-D14A-4B64-ADD0-C2398B587E5E}" type="presOf" srcId="{B54C7800-3D63-4DA4-992D-6352EA66B135}" destId="{8DF7BC0B-65D3-428F-96AD-5C99EF590889}" srcOrd="0" destOrd="0" presId="urn:microsoft.com/office/officeart/2005/8/layout/orgChart1"/>
+    <dgm:cxn modelId="{25BDB792-E7BB-4AD6-9199-A93100FB2D1A}" srcId="{3B0E9286-8DB4-42D3-8720-8E577EF12BC8}" destId="{E1BE9158-C562-4613-B27B-64CFE46B3FAC}" srcOrd="3" destOrd="0" parTransId="{201DF313-9A5E-41DE-9FAE-97C616BF2DF2}" sibTransId="{974E1ED6-0933-46D1-AC9C-E0AAA8AF6BC1}"/>
+    <dgm:cxn modelId="{C3A6E610-87A8-403A-959C-1B70BDCE7070}" type="presOf" srcId="{64DD902B-C532-4A85-BE3B-26105B62F36C}" destId="{76F5E1AE-3917-4240-BCF5-85E455A9B62B}" srcOrd="0" destOrd="0" presId="urn:microsoft.com/office/officeart/2005/8/layout/orgChart1"/>
+    <dgm:cxn modelId="{C6575D0B-D263-47AF-A1B2-37B0A0D21A4C}" srcId="{B54C7800-3D63-4DA4-992D-6352EA66B135}" destId="{C341AF0F-636A-4929-A14F-7BDCFBDDEE3E}" srcOrd="0" destOrd="0" parTransId="{3B39F9E0-7D28-470E-B7B5-AC8E918C54B2}" sibTransId="{309F6BAC-CBBA-45AA-9659-FCD1A78A8CC5}"/>
+    <dgm:cxn modelId="{CC5E0DB1-ECD0-43B3-9642-3EC8DE06A607}" type="presOf" srcId="{191ECAFA-1861-4874-B7EC-494DB03C11FF}" destId="{A6D764B1-3EB5-4D62-A36F-EF660D4FDCD3}" srcOrd="0" destOrd="0" presId="urn:microsoft.com/office/officeart/2005/8/layout/orgChart1"/>
+    <dgm:cxn modelId="{445E907E-FDE2-4661-AC1D-0EBFF1EE38F7}" type="presOf" srcId="{C5F40304-ECE8-4783-9DD7-58F6C48A1BD4}" destId="{002F5277-F9B7-4052-92AB-1B25E71E755C}" srcOrd="1" destOrd="0" presId="urn:microsoft.com/office/officeart/2005/8/layout/orgChart1"/>
+    <dgm:cxn modelId="{576654DC-5000-487E-8383-1487741590A0}" type="presOf" srcId="{CCCAFAC1-095A-4FF1-B628-57CB45115D3A}" destId="{E23B678C-0C22-4F76-BDCE-686F113381E4}" srcOrd="0" destOrd="0" presId="urn:microsoft.com/office/officeart/2005/8/layout/orgChart1"/>
+    <dgm:cxn modelId="{BE66809D-337D-4C75-9386-7A8732496CC5}" srcId="{C341AF0F-636A-4929-A14F-7BDCFBDDEE3E}" destId="{DE591DC2-64B9-4DAF-9DD5-8F2E386A5619}" srcOrd="0" destOrd="0" parTransId="{E615AD49-43D8-4CD8-83A0-197ED330EB27}" sibTransId="{231D351D-DEFB-40F9-A7F2-BA44C9AA894B}"/>
+    <dgm:cxn modelId="{0642349C-E5F6-41E8-ACF4-A5696EE34872}" type="presOf" srcId="{191ECAFA-1861-4874-B7EC-494DB03C11FF}" destId="{8C364D3F-A93B-4EFB-BCCC-6A856F1F847A}" srcOrd="1" destOrd="0" presId="urn:microsoft.com/office/officeart/2005/8/layout/orgChart1"/>
+    <dgm:cxn modelId="{1C888E75-8B75-4AEC-A8C1-9CA2D1B1468E}" type="presOf" srcId="{C341AF0F-636A-4929-A14F-7BDCFBDDEE3E}" destId="{1FE2FDAD-F29D-47F7-9B19-791C8C324B17}" srcOrd="1" destOrd="0" presId="urn:microsoft.com/office/officeart/2005/8/layout/orgChart1"/>
     <dgm:cxn modelId="{1170D38E-1664-48BE-8DF1-E4E5995C2C31}" srcId="{3B0E9286-8DB4-42D3-8720-8E577EF12BC8}" destId="{ECFE0517-C511-48F1-B375-C85122DCCC1F}" srcOrd="0" destOrd="0" parTransId="{D9233814-7B75-47B6-AD0B-91EFA59E83D0}" sibTransId="{5102F817-295C-4FEB-966D-88DEF3486577}"/>
     <dgm:cxn modelId="{A9ED3CFC-FDD7-48EF-A55F-876F9278B907}" type="presOf" srcId="{C5F40304-ECE8-4783-9DD7-58F6C48A1BD4}" destId="{15C66C9B-4B52-4739-875C-FC472FC0AD5B}" srcOrd="0" destOrd="0" presId="urn:microsoft.com/office/officeart/2005/8/layout/orgChart1"/>
+    <dgm:cxn modelId="{7341188E-2A0A-4FBC-B2C4-93EB736B56FC}" srcId="{3B0E9286-8DB4-42D3-8720-8E577EF12BC8}" destId="{E256304E-30F6-4DF9-81D7-B5B3279680B9}" srcOrd="1" destOrd="0" parTransId="{7B4C45EC-48C4-4AD3-985A-A405217B858B}" sibTransId="{1BB797D9-A88B-476D-8A99-B90E951A38BE}"/>
+    <dgm:cxn modelId="{47C3A8B8-3061-4847-9908-FDBD45E0D857}" type="presOf" srcId="{E256304E-30F6-4DF9-81D7-B5B3279680B9}" destId="{268BB533-8DBD-4221-A997-07D13770A974}" srcOrd="1" destOrd="0" presId="urn:microsoft.com/office/officeart/2005/8/layout/orgChart1"/>
     <dgm:cxn modelId="{C7A74E03-D3A5-4788-98E6-21247D58B30C}" type="presOf" srcId="{DE591DC2-64B9-4DAF-9DD5-8F2E386A5619}" destId="{7B86CC57-83AD-45F7-A8DB-6596B2BF74AA}" srcOrd="1" destOrd="0" presId="urn:microsoft.com/office/officeart/2005/8/layout/orgChart1"/>
-    <dgm:cxn modelId="{06472C61-2805-4892-B4CC-66A99E2A2A90}" srcId="{DE591DC2-64B9-4DAF-9DD5-8F2E386A5619}" destId="{304E3D12-185A-4A0F-8BA2-9725A6A519E2}" srcOrd="1" destOrd="0" parTransId="{64DD902B-C532-4A85-BE3B-26105B62F36C}" sibTransId="{A05FFDAF-38E6-4087-9177-BFF2C81721A1}"/>
-    <dgm:cxn modelId="{EE435659-BA50-49E0-939C-1A985C77026A}" type="presOf" srcId="{3B0E9286-8DB4-42D3-8720-8E577EF12BC8}" destId="{1A845724-E192-4092-BD32-F91C301EB85D}" srcOrd="0" destOrd="0" presId="urn:microsoft.com/office/officeart/2005/8/layout/orgChart1"/>
-    <dgm:cxn modelId="{B14C7468-B15D-4413-B459-1D88252E3642}" type="presOf" srcId="{75DCA09A-8C2E-48AC-9835-B64497A0B92F}" destId="{F689A115-CFDA-42A9-8EC0-0DA61FA18EBA}" srcOrd="0" destOrd="0" presId="urn:microsoft.com/office/officeart/2005/8/layout/orgChart1"/>
-    <dgm:cxn modelId="{1C888E75-8B75-4AEC-A8C1-9CA2D1B1468E}" type="presOf" srcId="{C341AF0F-636A-4929-A14F-7BDCFBDDEE3E}" destId="{1FE2FDAD-F29D-47F7-9B19-791C8C324B17}" srcOrd="1" destOrd="0" presId="urn:microsoft.com/office/officeart/2005/8/layout/orgChart1"/>
-    <dgm:cxn modelId="{DE114CC1-8B5D-4F1D-9AC2-32753E55ABAE}" type="presOf" srcId="{D9233814-7B75-47B6-AD0B-91EFA59E83D0}" destId="{EDCB3B6E-51BF-43E6-8B1E-BDA52ED9FF85}" srcOrd="0" destOrd="0" presId="urn:microsoft.com/office/officeart/2005/8/layout/orgChart1"/>
+    <dgm:cxn modelId="{43662501-DB8F-4153-AD3E-38854EDEE375}" type="presOf" srcId="{201DF313-9A5E-41DE-9FAE-97C616BF2DF2}" destId="{F5BDDFDD-3DBB-4A3D-B24E-F8EB48878C38}" srcOrd="0" destOrd="0" presId="urn:microsoft.com/office/officeart/2005/8/layout/orgChart1"/>
+    <dgm:cxn modelId="{E3E498CF-474C-41D5-9005-711DB02DD4B9}" srcId="{DE591DC2-64B9-4DAF-9DD5-8F2E386A5619}" destId="{191ECAFA-1861-4874-B7EC-494DB03C11FF}" srcOrd="0" destOrd="0" parTransId="{75DCA09A-8C2E-48AC-9835-B64497A0B92F}" sibTransId="{D38B989E-F979-4641-A6BA-0130DDB45EDD}"/>
+    <dgm:cxn modelId="{FE4BC036-7892-4328-A257-ED3D63B1D6B9}" srcId="{C341AF0F-636A-4929-A14F-7BDCFBDDEE3E}" destId="{3B0E9286-8DB4-42D3-8720-8E577EF12BC8}" srcOrd="1" destOrd="0" parTransId="{CCCAFAC1-095A-4FF1-B628-57CB45115D3A}" sibTransId="{014C5856-F120-463F-B66F-EBA6B371FE0D}"/>
+    <dgm:cxn modelId="{E82DEBF2-D037-413E-8A51-7CCEE447C122}" type="presOf" srcId="{C341AF0F-636A-4929-A14F-7BDCFBDDEE3E}" destId="{3EB4929A-0AE4-45D3-975E-DB784B1173AC}" srcOrd="0" destOrd="0" presId="urn:microsoft.com/office/officeart/2005/8/layout/orgChart1"/>
+    <dgm:cxn modelId="{54514983-33FF-4803-9D28-0F8B14026A48}" type="presOf" srcId="{8DDD270A-159C-49C2-A281-75832218A7D0}" destId="{6A50EDA3-84B4-43B4-8678-695C186D2AE8}" srcOrd="0" destOrd="0" presId="urn:microsoft.com/office/officeart/2005/8/layout/orgChart1"/>
+    <dgm:cxn modelId="{4486944C-F7B5-4ADD-9E3B-A79316919357}" type="presOf" srcId="{E1BE9158-C562-4613-B27B-64CFE46B3FAC}" destId="{85100C99-C8C7-4D81-93D2-118036446235}" srcOrd="0" destOrd="0" presId="urn:microsoft.com/office/officeart/2005/8/layout/orgChart1"/>
     <dgm:cxn modelId="{5497274A-3EC4-4E2B-A914-590E01F99226}" type="presOf" srcId="{3B0E9286-8DB4-42D3-8720-8E577EF12BC8}" destId="{356711B0-FC22-4EB1-A4FB-53B73A137B0A}" srcOrd="1" destOrd="0" presId="urn:microsoft.com/office/officeart/2005/8/layout/orgChart1"/>
-    <dgm:cxn modelId="{C3A6E610-87A8-403A-959C-1B70BDCE7070}" type="presOf" srcId="{64DD902B-C532-4A85-BE3B-26105B62F36C}" destId="{76F5E1AE-3917-4240-BCF5-85E455A9B62B}" srcOrd="0" destOrd="0" presId="urn:microsoft.com/office/officeart/2005/8/layout/orgChart1"/>
+    <dgm:cxn modelId="{120AA134-8FE8-4B28-8158-BF7A4D1AB591}" type="presOf" srcId="{E1BE9158-C562-4613-B27B-64CFE46B3FAC}" destId="{611D1FF4-D340-420E-BB98-DC8E8B78F240}" srcOrd="1" destOrd="0" presId="urn:microsoft.com/office/officeart/2005/8/layout/orgChart1"/>
     <dgm:cxn modelId="{5C9AF5E2-28D1-44A7-A6FD-B825B50F4538}" srcId="{3B0E9286-8DB4-42D3-8720-8E577EF12BC8}" destId="{C5F40304-ECE8-4783-9DD7-58F6C48A1BD4}" srcOrd="2" destOrd="0" parTransId="{8DDD270A-159C-49C2-A281-75832218A7D0}" sibTransId="{B04565EF-1D69-4447-9631-4F3516B08BDA}"/>
-    <dgm:cxn modelId="{25BDB792-E7BB-4AD6-9199-A93100FB2D1A}" srcId="{3B0E9286-8DB4-42D3-8720-8E577EF12BC8}" destId="{E1BE9158-C562-4613-B27B-64CFE46B3FAC}" srcOrd="3" destOrd="0" parTransId="{201DF313-9A5E-41DE-9FAE-97C616BF2DF2}" sibTransId="{974E1ED6-0933-46D1-AC9C-E0AAA8AF6BC1}"/>
-    <dgm:cxn modelId="{2CE30BA1-B36E-466A-8254-08579C934FF0}" type="presOf" srcId="{304E3D12-185A-4A0F-8BA2-9725A6A519E2}" destId="{A5CF65F2-6718-4578-9CD1-78B0075B11C6}" srcOrd="0" destOrd="0" presId="urn:microsoft.com/office/officeart/2005/8/layout/orgChart1"/>
-    <dgm:cxn modelId="{7D041685-C287-4B81-BDDE-354F761D6FDC}" type="presOf" srcId="{E615AD49-43D8-4CD8-83A0-197ED330EB27}" destId="{C13740B1-2477-4CA4-8EA8-F5A3112880EA}" srcOrd="0" destOrd="0" presId="urn:microsoft.com/office/officeart/2005/8/layout/orgChart1"/>
-    <dgm:cxn modelId="{120AA134-8FE8-4B28-8158-BF7A4D1AB591}" type="presOf" srcId="{E1BE9158-C562-4613-B27B-64CFE46B3FAC}" destId="{611D1FF4-D340-420E-BB98-DC8E8B78F240}" srcOrd="1" destOrd="0" presId="urn:microsoft.com/office/officeart/2005/8/layout/orgChart1"/>
-    <dgm:cxn modelId="{CC5E0DB1-ECD0-43B3-9642-3EC8DE06A607}" type="presOf" srcId="{191ECAFA-1861-4874-B7EC-494DB03C11FF}" destId="{A6D764B1-3EB5-4D62-A36F-EF660D4FDCD3}" srcOrd="0" destOrd="0" presId="urn:microsoft.com/office/officeart/2005/8/layout/orgChart1"/>
-    <dgm:cxn modelId="{4CCB27CD-FEF0-41B6-9AFA-5FECD442E60A}" type="presOf" srcId="{E256304E-30F6-4DF9-81D7-B5B3279680B9}" destId="{9796D781-0084-41A1-AC29-979EBAC10C4D}" srcOrd="0" destOrd="0" presId="urn:microsoft.com/office/officeart/2005/8/layout/orgChart1"/>
-    <dgm:cxn modelId="{BE66809D-337D-4C75-9386-7A8732496CC5}" srcId="{C341AF0F-636A-4929-A14F-7BDCFBDDEE3E}" destId="{DE591DC2-64B9-4DAF-9DD5-8F2E386A5619}" srcOrd="0" destOrd="0" parTransId="{E615AD49-43D8-4CD8-83A0-197ED330EB27}" sibTransId="{231D351D-DEFB-40F9-A7F2-BA44C9AA894B}"/>
-    <dgm:cxn modelId="{4486944C-F7B5-4ADD-9E3B-A79316919357}" type="presOf" srcId="{E1BE9158-C562-4613-B27B-64CFE46B3FAC}" destId="{85100C99-C8C7-4D81-93D2-118036446235}" srcOrd="0" destOrd="0" presId="urn:microsoft.com/office/officeart/2005/8/layout/orgChart1"/>
     <dgm:cxn modelId="{B236C9AD-C21C-46A9-8940-FDDBEC228EE9}" type="presOf" srcId="{ECFE0517-C511-48F1-B375-C85122DCCC1F}" destId="{690C7CE2-A962-4967-A7D6-36523A563BB8}" srcOrd="1" destOrd="0" presId="urn:microsoft.com/office/officeart/2005/8/layout/orgChart1"/>
-    <dgm:cxn modelId="{0642349C-E5F6-41E8-ACF4-A5696EE34872}" type="presOf" srcId="{191ECAFA-1861-4874-B7EC-494DB03C11FF}" destId="{8C364D3F-A93B-4EFB-BCCC-6A856F1F847A}" srcOrd="1" destOrd="0" presId="urn:microsoft.com/office/officeart/2005/8/layout/orgChart1"/>
-    <dgm:cxn modelId="{445E907E-FDE2-4661-AC1D-0EBFF1EE38F7}" type="presOf" srcId="{C5F40304-ECE8-4783-9DD7-58F6C48A1BD4}" destId="{002F5277-F9B7-4052-92AB-1B25E71E755C}" srcOrd="1" destOrd="0" presId="urn:microsoft.com/office/officeart/2005/8/layout/orgChart1"/>
-    <dgm:cxn modelId="{E3E498CF-474C-41D5-9005-711DB02DD4B9}" srcId="{DE591DC2-64B9-4DAF-9DD5-8F2E386A5619}" destId="{191ECAFA-1861-4874-B7EC-494DB03C11FF}" srcOrd="0" destOrd="0" parTransId="{75DCA09A-8C2E-48AC-9835-B64497A0B92F}" sibTransId="{D38B989E-F979-4641-A6BA-0130DDB45EDD}"/>
-    <dgm:cxn modelId="{B0B58FBF-D14A-4B64-ADD0-C2398B587E5E}" type="presOf" srcId="{B54C7800-3D63-4DA4-992D-6352EA66B135}" destId="{8DF7BC0B-65D3-428F-96AD-5C99EF590889}" srcOrd="0" destOrd="0" presId="urn:microsoft.com/office/officeart/2005/8/layout/orgChart1"/>
+    <dgm:cxn modelId="{9449BD30-7598-40DC-A4A5-DC6D0E207653}" type="presOf" srcId="{304E3D12-185A-4A0F-8BA2-9725A6A519E2}" destId="{EE931C20-F12C-407B-9E4B-8D06BDACD7FF}" srcOrd="1" destOrd="0" presId="urn:microsoft.com/office/officeart/2005/8/layout/orgChart1"/>
     <dgm:cxn modelId="{2D396F16-E446-4A8B-AF29-245A39AFBDF7}" type="presOf" srcId="{ECFE0517-C511-48F1-B375-C85122DCCC1F}" destId="{B49EE678-D3AB-4E03-A3DE-81E2ECB596C5}" srcOrd="0" destOrd="0" presId="urn:microsoft.com/office/officeart/2005/8/layout/orgChart1"/>
-    <dgm:cxn modelId="{E82DEBF2-D037-413E-8A51-7CCEE447C122}" type="presOf" srcId="{C341AF0F-636A-4929-A14F-7BDCFBDDEE3E}" destId="{3EB4929A-0AE4-45D3-975E-DB784B1173AC}" srcOrd="0" destOrd="0" presId="urn:microsoft.com/office/officeart/2005/8/layout/orgChart1"/>
-    <dgm:cxn modelId="{47C3A8B8-3061-4847-9908-FDBD45E0D857}" type="presOf" srcId="{E256304E-30F6-4DF9-81D7-B5B3279680B9}" destId="{268BB533-8DBD-4221-A997-07D13770A974}" srcOrd="1" destOrd="0" presId="urn:microsoft.com/office/officeart/2005/8/layout/orgChart1"/>
-    <dgm:cxn modelId="{576654DC-5000-487E-8383-1487741590A0}" type="presOf" srcId="{CCCAFAC1-095A-4FF1-B628-57CB45115D3A}" destId="{E23B678C-0C22-4F76-BDCE-686F113381E4}" srcOrd="0" destOrd="0" presId="urn:microsoft.com/office/officeart/2005/8/layout/orgChart1"/>
-    <dgm:cxn modelId="{EF4D9772-7FA1-4219-B455-87DFB8BF7E39}" type="presOf" srcId="{7B4C45EC-48C4-4AD3-985A-A405217B858B}" destId="{47B6E599-C2EF-48ED-AB2D-E5019A67FE6F}" srcOrd="0" destOrd="0" presId="urn:microsoft.com/office/officeart/2005/8/layout/orgChart1"/>
-    <dgm:cxn modelId="{C6575D0B-D263-47AF-A1B2-37B0A0D21A4C}" srcId="{B54C7800-3D63-4DA4-992D-6352EA66B135}" destId="{C341AF0F-636A-4929-A14F-7BDCFBDDEE3E}" srcOrd="0" destOrd="0" parTransId="{3B39F9E0-7D28-470E-B7B5-AC8E918C54B2}" sibTransId="{309F6BAC-CBBA-45AA-9659-FCD1A78A8CC5}"/>
-    <dgm:cxn modelId="{7341188E-2A0A-4FBC-B2C4-93EB736B56FC}" srcId="{3B0E9286-8DB4-42D3-8720-8E577EF12BC8}" destId="{E256304E-30F6-4DF9-81D7-B5B3279680B9}" srcOrd="1" destOrd="0" parTransId="{7B4C45EC-48C4-4AD3-985A-A405217B858B}" sibTransId="{1BB797D9-A88B-476D-8A99-B90E951A38BE}"/>
-    <dgm:cxn modelId="{906CD779-5217-489D-B400-369FE5F6D28E}" type="presOf" srcId="{DE591DC2-64B9-4DAF-9DD5-8F2E386A5619}" destId="{FA72CAE9-FC59-4C1A-A02C-B7134E350697}" srcOrd="0" destOrd="0" presId="urn:microsoft.com/office/officeart/2005/8/layout/orgChart1"/>
-    <dgm:cxn modelId="{FE4BC036-7892-4328-A257-ED3D63B1D6B9}" srcId="{C341AF0F-636A-4929-A14F-7BDCFBDDEE3E}" destId="{3B0E9286-8DB4-42D3-8720-8E577EF12BC8}" srcOrd="1" destOrd="0" parTransId="{CCCAFAC1-095A-4FF1-B628-57CB45115D3A}" sibTransId="{014C5856-F120-463F-B66F-EBA6B371FE0D}"/>
-    <dgm:cxn modelId="{9449BD30-7598-40DC-A4A5-DC6D0E207653}" type="presOf" srcId="{304E3D12-185A-4A0F-8BA2-9725A6A519E2}" destId="{EE931C20-F12C-407B-9E4B-8D06BDACD7FF}" srcOrd="1" destOrd="0" presId="urn:microsoft.com/office/officeart/2005/8/layout/orgChart1"/>
     <dgm:cxn modelId="{956DA41B-8D81-43B4-B5B9-FC289422894B}" type="presParOf" srcId="{8DF7BC0B-65D3-428F-96AD-5C99EF590889}" destId="{35F570F5-37D2-4DDE-BAE9-0A6043CFC044}" srcOrd="0" destOrd="0" presId="urn:microsoft.com/office/officeart/2005/8/layout/orgChart1"/>
     <dgm:cxn modelId="{5B9E1C9F-E149-41FC-B7A6-2DF7EC63CC57}" type="presParOf" srcId="{35F570F5-37D2-4DDE-BAE9-0A6043CFC044}" destId="{469918E7-8D7D-433E-98DA-264101603F33}" srcOrd="0" destOrd="0" presId="urn:microsoft.com/office/officeart/2005/8/layout/orgChart1"/>
     <dgm:cxn modelId="{2C9AAFB3-73AC-4200-81CB-50837DC75F5A}" type="presParOf" srcId="{469918E7-8D7D-433E-98DA-264101603F33}" destId="{3EB4929A-0AE4-45D3-975E-DB784B1173AC}" srcOrd="0" destOrd="0" presId="urn:microsoft.com/office/officeart/2005/8/layout/orgChart1"/>
@@ -4493,12 +4802,12 @@
         </a:fontRef>
       </dsp:style>
       <dsp:txBody>
-        <a:bodyPr spcFirstLastPara="0" vert="horz" wrap="square" lIns="13335" tIns="13335" rIns="13335" bIns="13335" numCol="1" spcCol="1270" anchor="ctr" anchorCtr="0">
+        <a:bodyPr spcFirstLastPara="0" vert="horz" wrap="square" lIns="12700" tIns="12700" rIns="12700" bIns="12700" numCol="1" spcCol="1270" anchor="ctr" anchorCtr="0">
           <a:noAutofit/>
         </a:bodyPr>
         <a:lstStyle/>
         <a:p>
-          <a:pPr lvl="0" algn="ctr" defTabSz="933450" latinLnBrk="1">
+          <a:pPr lvl="0" algn="ctr" defTabSz="889000" latinLnBrk="1">
             <a:lnSpc>
               <a:spcPct val="90000"/>
             </a:lnSpc>
@@ -4510,13 +4819,13 @@
             </a:spcAft>
           </a:pPr>
           <a:r>
-            <a:rPr lang="en-US" altLang="ko-KR" sz="2100" kern="1200" dirty="0" smtClean="0">
+            <a:rPr lang="en-US" altLang="ko-KR" sz="2000" kern="1200" dirty="0" smtClean="0">
               <a:latin typeface="나눔스퀘어라운드 Regular" panose="020B0600000101010101" pitchFamily="50" charset="-127"/>
               <a:ea typeface="나눔스퀘어라운드 Regular" panose="020B0600000101010101" pitchFamily="50" charset="-127"/>
             </a:rPr>
             <a:t>Document</a:t>
           </a:r>
-          <a:endParaRPr lang="ko-KR" altLang="en-US" sz="2100" kern="1200" dirty="0">
+          <a:endParaRPr lang="ko-KR" altLang="en-US" sz="2000" kern="1200" dirty="0">
             <a:latin typeface="나눔스퀘어라운드 Regular" panose="020B0600000101010101" pitchFamily="50" charset="-127"/>
             <a:ea typeface="나눔스퀘어라운드 Regular" panose="020B0600000101010101" pitchFamily="50" charset="-127"/>
           </a:endParaRPr>
@@ -4577,12 +4886,12 @@
         </a:fontRef>
       </dsp:style>
       <dsp:txBody>
-        <a:bodyPr spcFirstLastPara="0" vert="horz" wrap="square" lIns="13335" tIns="13335" rIns="13335" bIns="13335" numCol="1" spcCol="1270" anchor="ctr" anchorCtr="0">
+        <a:bodyPr spcFirstLastPara="0" vert="horz" wrap="square" lIns="12700" tIns="12700" rIns="12700" bIns="12700" numCol="1" spcCol="1270" anchor="ctr" anchorCtr="0">
           <a:noAutofit/>
         </a:bodyPr>
         <a:lstStyle/>
         <a:p>
-          <a:pPr lvl="0" algn="ctr" defTabSz="933450" latinLnBrk="1">
+          <a:pPr lvl="0" algn="ctr" defTabSz="889000" latinLnBrk="1">
             <a:lnSpc>
               <a:spcPct val="90000"/>
             </a:lnSpc>
@@ -4594,13 +4903,13 @@
             </a:spcAft>
           </a:pPr>
           <a:r>
-            <a:rPr lang="en-US" altLang="ko-KR" sz="2100" kern="1200" dirty="0" smtClean="0">
+            <a:rPr lang="en-US" altLang="ko-KR" sz="2000" kern="1200" dirty="0" smtClean="0">
               <a:latin typeface="나눔스퀘어라운드 Regular" panose="020B0600000101010101" pitchFamily="50" charset="-127"/>
               <a:ea typeface="나눔스퀘어라운드 Regular" panose="020B0600000101010101" pitchFamily="50" charset="-127"/>
             </a:rPr>
             <a:t>&lt;html&gt;</a:t>
           </a:r>
-          <a:endParaRPr lang="ko-KR" altLang="en-US" sz="2100" kern="1200" dirty="0">
+          <a:endParaRPr lang="ko-KR" altLang="en-US" sz="2000" kern="1200" dirty="0">
             <a:latin typeface="나눔스퀘어라운드 Regular" panose="020B0600000101010101" pitchFamily="50" charset="-127"/>
             <a:ea typeface="나눔스퀘어라운드 Regular" panose="020B0600000101010101" pitchFamily="50" charset="-127"/>
           </a:endParaRPr>
@@ -4661,12 +4970,12 @@
         </a:fontRef>
       </dsp:style>
       <dsp:txBody>
-        <a:bodyPr spcFirstLastPara="0" vert="horz" wrap="square" lIns="13335" tIns="13335" rIns="13335" bIns="13335" numCol="1" spcCol="1270" anchor="ctr" anchorCtr="0">
+        <a:bodyPr spcFirstLastPara="0" vert="horz" wrap="square" lIns="12700" tIns="12700" rIns="12700" bIns="12700" numCol="1" spcCol="1270" anchor="ctr" anchorCtr="0">
           <a:noAutofit/>
         </a:bodyPr>
         <a:lstStyle/>
         <a:p>
-          <a:pPr lvl="0" algn="ctr" defTabSz="933450" latinLnBrk="1">
+          <a:pPr lvl="0" algn="ctr" defTabSz="889000" latinLnBrk="1">
             <a:lnSpc>
               <a:spcPct val="90000"/>
             </a:lnSpc>
@@ -4678,13 +4987,13 @@
             </a:spcAft>
           </a:pPr>
           <a:r>
-            <a:rPr lang="en-US" altLang="ko-KR" sz="2100" kern="1200" dirty="0" smtClean="0">
+            <a:rPr lang="en-US" altLang="ko-KR" sz="2000" kern="1200" dirty="0" smtClean="0">
               <a:latin typeface="나눔스퀘어라운드 Regular" panose="020B0600000101010101" pitchFamily="50" charset="-127"/>
               <a:ea typeface="나눔스퀘어라운드 Regular" panose="020B0600000101010101" pitchFamily="50" charset="-127"/>
             </a:rPr>
             <a:t>&lt;head&gt;</a:t>
           </a:r>
-          <a:endParaRPr lang="ko-KR" altLang="en-US" sz="2100" kern="1200" dirty="0">
+          <a:endParaRPr lang="ko-KR" altLang="en-US" sz="2000" kern="1200" dirty="0">
             <a:latin typeface="나눔스퀘어라운드 Regular" panose="020B0600000101010101" pitchFamily="50" charset="-127"/>
             <a:ea typeface="나눔스퀘어라운드 Regular" panose="020B0600000101010101" pitchFamily="50" charset="-127"/>
           </a:endParaRPr>
@@ -4745,12 +5054,12 @@
         </a:fontRef>
       </dsp:style>
       <dsp:txBody>
-        <a:bodyPr spcFirstLastPara="0" vert="horz" wrap="square" lIns="13335" tIns="13335" rIns="13335" bIns="13335" numCol="1" spcCol="1270" anchor="ctr" anchorCtr="0">
+        <a:bodyPr spcFirstLastPara="0" vert="horz" wrap="square" lIns="12700" tIns="12700" rIns="12700" bIns="12700" numCol="1" spcCol="1270" anchor="ctr" anchorCtr="0">
           <a:noAutofit/>
         </a:bodyPr>
         <a:lstStyle/>
         <a:p>
-          <a:pPr lvl="0" algn="ctr" defTabSz="933450" latinLnBrk="1">
+          <a:pPr lvl="0" algn="ctr" defTabSz="889000" latinLnBrk="1">
             <a:lnSpc>
               <a:spcPct val="90000"/>
             </a:lnSpc>
@@ -4762,13 +5071,13 @@
             </a:spcAft>
           </a:pPr>
           <a:r>
-            <a:rPr lang="en-US" altLang="ko-KR" sz="2100" kern="1200" dirty="0" smtClean="0">
+            <a:rPr lang="en-US" altLang="ko-KR" sz="2000" kern="1200" dirty="0" smtClean="0">
               <a:latin typeface="나눔스퀘어라운드 Regular" panose="020B0600000101010101" pitchFamily="50" charset="-127"/>
               <a:ea typeface="나눔스퀘어라운드 Regular" panose="020B0600000101010101" pitchFamily="50" charset="-127"/>
             </a:rPr>
             <a:t>&lt;title&gt;</a:t>
           </a:r>
-          <a:endParaRPr lang="ko-KR" altLang="en-US" sz="2100" kern="1200" dirty="0">
+          <a:endParaRPr lang="ko-KR" altLang="en-US" sz="2000" kern="1200" dirty="0">
             <a:latin typeface="나눔스퀘어라운드 Regular" panose="020B0600000101010101" pitchFamily="50" charset="-127"/>
             <a:ea typeface="나눔스퀘어라운드 Regular" panose="020B0600000101010101" pitchFamily="50" charset="-127"/>
           </a:endParaRPr>
@@ -4829,12 +5138,12 @@
         </a:fontRef>
       </dsp:style>
       <dsp:txBody>
-        <a:bodyPr spcFirstLastPara="0" vert="horz" wrap="square" lIns="13335" tIns="13335" rIns="13335" bIns="13335" numCol="1" spcCol="1270" anchor="ctr" anchorCtr="0">
+        <a:bodyPr spcFirstLastPara="0" vert="horz" wrap="square" lIns="12700" tIns="12700" rIns="12700" bIns="12700" numCol="1" spcCol="1270" anchor="ctr" anchorCtr="0">
           <a:noAutofit/>
         </a:bodyPr>
         <a:lstStyle/>
         <a:p>
-          <a:pPr lvl="0" algn="ctr" defTabSz="933450" latinLnBrk="1">
+          <a:pPr lvl="0" algn="ctr" defTabSz="889000" latinLnBrk="1">
             <a:lnSpc>
               <a:spcPct val="90000"/>
             </a:lnSpc>
@@ -4846,13 +5155,13 @@
             </a:spcAft>
           </a:pPr>
           <a:r>
-            <a:rPr lang="en-US" altLang="ko-KR" sz="2100" kern="1200" dirty="0" smtClean="0">
+            <a:rPr lang="en-US" altLang="ko-KR" sz="2000" kern="1200" dirty="0" smtClean="0">
               <a:latin typeface="나눔스퀘어라운드 Regular" panose="020B0600000101010101" pitchFamily="50" charset="-127"/>
               <a:ea typeface="나눔스퀘어라운드 Regular" panose="020B0600000101010101" pitchFamily="50" charset="-127"/>
             </a:rPr>
             <a:t>&lt;body&gt;</a:t>
           </a:r>
-          <a:endParaRPr lang="ko-KR" altLang="en-US" sz="2100" kern="1200" dirty="0">
+          <a:endParaRPr lang="ko-KR" altLang="en-US" sz="2000" kern="1200" dirty="0">
             <a:latin typeface="나눔스퀘어라운드 Regular" panose="020B0600000101010101" pitchFamily="50" charset="-127"/>
             <a:ea typeface="나눔스퀘어라운드 Regular" panose="020B0600000101010101" pitchFamily="50" charset="-127"/>
           </a:endParaRPr>
@@ -4913,12 +5222,12 @@
         </a:fontRef>
       </dsp:style>
       <dsp:txBody>
-        <a:bodyPr spcFirstLastPara="0" vert="horz" wrap="square" lIns="13335" tIns="13335" rIns="13335" bIns="13335" numCol="1" spcCol="1270" anchor="ctr" anchorCtr="0">
+        <a:bodyPr spcFirstLastPara="0" vert="horz" wrap="square" lIns="12700" tIns="12700" rIns="12700" bIns="12700" numCol="1" spcCol="1270" anchor="ctr" anchorCtr="0">
           <a:noAutofit/>
         </a:bodyPr>
         <a:lstStyle/>
         <a:p>
-          <a:pPr lvl="0" algn="ctr" defTabSz="933450" latinLnBrk="1">
+          <a:pPr lvl="0" algn="ctr" defTabSz="889000" latinLnBrk="1">
             <a:lnSpc>
               <a:spcPct val="90000"/>
             </a:lnSpc>
@@ -4930,13 +5239,13 @@
             </a:spcAft>
           </a:pPr>
           <a:r>
-            <a:rPr lang="en-US" altLang="ko-KR" sz="2100" kern="1200" dirty="0" smtClean="0">
+            <a:rPr lang="en-US" altLang="ko-KR" sz="2000" kern="1200" dirty="0" smtClean="0">
               <a:latin typeface="나눔스퀘어라운드 Regular" panose="020B0600000101010101" pitchFamily="50" charset="-127"/>
               <a:ea typeface="나눔스퀘어라운드 Regular" panose="020B0600000101010101" pitchFamily="50" charset="-127"/>
             </a:rPr>
             <a:t>&lt;div&gt;</a:t>
           </a:r>
-          <a:endParaRPr lang="ko-KR" altLang="en-US" sz="2100" kern="1200" dirty="0">
+          <a:endParaRPr lang="ko-KR" altLang="en-US" sz="2000" kern="1200" dirty="0">
             <a:latin typeface="나눔스퀘어라운드 Regular" panose="020B0600000101010101" pitchFamily="50" charset="-127"/>
             <a:ea typeface="나눔스퀘어라운드 Regular" panose="020B0600000101010101" pitchFamily="50" charset="-127"/>
           </a:endParaRPr>
@@ -4997,12 +5306,12 @@
         </a:fontRef>
       </dsp:style>
       <dsp:txBody>
-        <a:bodyPr spcFirstLastPara="0" vert="horz" wrap="square" lIns="13335" tIns="13335" rIns="13335" bIns="13335" numCol="1" spcCol="1270" anchor="ctr" anchorCtr="0">
+        <a:bodyPr spcFirstLastPara="0" vert="horz" wrap="square" lIns="12700" tIns="12700" rIns="12700" bIns="12700" numCol="1" spcCol="1270" anchor="ctr" anchorCtr="0">
           <a:noAutofit/>
         </a:bodyPr>
         <a:lstStyle/>
         <a:p>
-          <a:pPr lvl="0" algn="ctr" defTabSz="933450" latinLnBrk="1">
+          <a:pPr lvl="0" algn="ctr" defTabSz="889000" latinLnBrk="1">
             <a:lnSpc>
               <a:spcPct val="90000"/>
             </a:lnSpc>
@@ -5014,13 +5323,13 @@
             </a:spcAft>
           </a:pPr>
           <a:r>
-            <a:rPr lang="en-US" altLang="ko-KR" sz="2100" kern="1200" dirty="0" smtClean="0">
+            <a:rPr lang="en-US" altLang="ko-KR" sz="2000" kern="1200" dirty="0" smtClean="0">
               <a:latin typeface="나눔스퀘어라운드 Regular" panose="020B0600000101010101" pitchFamily="50" charset="-127"/>
               <a:ea typeface="나눔스퀘어라운드 Regular" panose="020B0600000101010101" pitchFamily="50" charset="-127"/>
             </a:rPr>
             <a:t>&lt;p&gt;</a:t>
           </a:r>
-          <a:endParaRPr lang="ko-KR" altLang="en-US" sz="2100" kern="1200" dirty="0">
+          <a:endParaRPr lang="ko-KR" altLang="en-US" sz="2000" kern="1200" dirty="0">
             <a:latin typeface="나눔스퀘어라운드 Regular" panose="020B0600000101010101" pitchFamily="50" charset="-127"/>
             <a:ea typeface="나눔스퀘어라운드 Regular" panose="020B0600000101010101" pitchFamily="50" charset="-127"/>
           </a:endParaRPr>
@@ -5081,12 +5390,12 @@
         </a:fontRef>
       </dsp:style>
       <dsp:txBody>
-        <a:bodyPr spcFirstLastPara="0" vert="horz" wrap="square" lIns="13335" tIns="13335" rIns="13335" bIns="13335" numCol="1" spcCol="1270" anchor="ctr" anchorCtr="0">
+        <a:bodyPr spcFirstLastPara="0" vert="horz" wrap="square" lIns="12700" tIns="12700" rIns="12700" bIns="12700" numCol="1" spcCol="1270" anchor="ctr" anchorCtr="0">
           <a:noAutofit/>
         </a:bodyPr>
         <a:lstStyle/>
         <a:p>
-          <a:pPr lvl="0" algn="ctr" defTabSz="933450" latinLnBrk="1">
+          <a:pPr lvl="0" algn="ctr" defTabSz="889000" latinLnBrk="1">
             <a:lnSpc>
               <a:spcPct val="90000"/>
             </a:lnSpc>
@@ -5098,13 +5407,13 @@
             </a:spcAft>
           </a:pPr>
           <a:r>
-            <a:rPr lang="en-US" altLang="ko-KR" sz="2100" kern="1200" dirty="0" smtClean="0">
+            <a:rPr lang="en-US" altLang="ko-KR" sz="2000" kern="1200" dirty="0" smtClean="0">
               <a:latin typeface="나눔스퀘어라운드 Regular" panose="020B0600000101010101" pitchFamily="50" charset="-127"/>
               <a:ea typeface="나눔스퀘어라운드 Regular" panose="020B0600000101010101" pitchFamily="50" charset="-127"/>
             </a:rPr>
             <a:t>attribute</a:t>
           </a:r>
-          <a:endParaRPr lang="ko-KR" altLang="en-US" sz="2100" kern="1200" dirty="0">
+          <a:endParaRPr lang="ko-KR" altLang="en-US" sz="2000" kern="1200" dirty="0">
             <a:latin typeface="나눔스퀘어라운드 Regular" panose="020B0600000101010101" pitchFamily="50" charset="-127"/>
             <a:ea typeface="나눔스퀘어라운드 Regular" panose="020B0600000101010101" pitchFamily="50" charset="-127"/>
           </a:endParaRPr>
@@ -5165,12 +5474,12 @@
         </a:fontRef>
       </dsp:style>
       <dsp:txBody>
-        <a:bodyPr spcFirstLastPara="0" vert="horz" wrap="square" lIns="13335" tIns="13335" rIns="13335" bIns="13335" numCol="1" spcCol="1270" anchor="ctr" anchorCtr="0">
+        <a:bodyPr spcFirstLastPara="0" vert="horz" wrap="square" lIns="12700" tIns="12700" rIns="12700" bIns="12700" numCol="1" spcCol="1270" anchor="ctr" anchorCtr="0">
           <a:noAutofit/>
         </a:bodyPr>
         <a:lstStyle/>
         <a:p>
-          <a:pPr lvl="0" algn="ctr" defTabSz="933450" latinLnBrk="1">
+          <a:pPr lvl="0" algn="ctr" defTabSz="889000" latinLnBrk="1">
             <a:lnSpc>
               <a:spcPct val="90000"/>
             </a:lnSpc>
@@ -5182,13 +5491,13 @@
             </a:spcAft>
           </a:pPr>
           <a:r>
-            <a:rPr lang="en-US" altLang="ko-KR" sz="2100" kern="1200" dirty="0" smtClean="0">
+            <a:rPr lang="en-US" altLang="ko-KR" sz="2000" kern="1200" dirty="0" smtClean="0">
               <a:latin typeface="나눔스퀘어라운드 Regular" panose="020B0600000101010101" pitchFamily="50" charset="-127"/>
               <a:ea typeface="나눔스퀘어라운드 Regular" panose="020B0600000101010101" pitchFamily="50" charset="-127"/>
             </a:rPr>
             <a:t>text</a:t>
           </a:r>
-          <a:endParaRPr lang="ko-KR" altLang="en-US" sz="2100" kern="1200" dirty="0">
+          <a:endParaRPr lang="ko-KR" altLang="en-US" sz="2000" kern="1200" dirty="0">
             <a:latin typeface="나눔스퀘어라운드 Regular" panose="020B0600000101010101" pitchFamily="50" charset="-127"/>
             <a:ea typeface="나눔스퀘어라운드 Regular" panose="020B0600000101010101" pitchFamily="50" charset="-127"/>
           </a:endParaRPr>
@@ -9683,7 +9992,7 @@
           <a:p>
             <a:fld id="{D142F663-4035-4EE1-9F45-DB06605FB20E}" type="datetimeFigureOut">
               <a:rPr lang="ko-KR" altLang="en-US" smtClean="0"/>
-              <a:t>2020-04-22</a:t>
+              <a:t>2020-04-29</a:t>
             </a:fld>
             <a:endParaRPr lang="ko-KR" altLang="en-US"/>
           </a:p>
@@ -10082,7 +10391,7 @@
           <a:p>
             <a:fld id="{D5485165-7A39-4884-9028-FEAF9DCD2AF2}" type="datetimeFigureOut">
               <a:rPr lang="ko-KR" altLang="en-US" smtClean="0"/>
-              <a:t>2020-04-22</a:t>
+              <a:t>2020-04-29</a:t>
             </a:fld>
             <a:endParaRPr lang="ko-KR" altLang="en-US"/>
           </a:p>
@@ -10252,7 +10561,7 @@
           <a:p>
             <a:fld id="{D5485165-7A39-4884-9028-FEAF9DCD2AF2}" type="datetimeFigureOut">
               <a:rPr lang="ko-KR" altLang="en-US" smtClean="0"/>
-              <a:t>2020-04-22</a:t>
+              <a:t>2020-04-29</a:t>
             </a:fld>
             <a:endParaRPr lang="ko-KR" altLang="en-US"/>
           </a:p>
@@ -10432,7 +10741,7 @@
           <a:p>
             <a:fld id="{D5485165-7A39-4884-9028-FEAF9DCD2AF2}" type="datetimeFigureOut">
               <a:rPr lang="ko-KR" altLang="en-US" smtClean="0"/>
-              <a:t>2020-04-22</a:t>
+              <a:t>2020-04-29</a:t>
             </a:fld>
             <a:endParaRPr lang="ko-KR" altLang="en-US"/>
           </a:p>
@@ -10602,7 +10911,7 @@
           <a:p>
             <a:fld id="{D5485165-7A39-4884-9028-FEAF9DCD2AF2}" type="datetimeFigureOut">
               <a:rPr lang="ko-KR" altLang="en-US" smtClean="0"/>
-              <a:t>2020-04-22</a:t>
+              <a:t>2020-04-29</a:t>
             </a:fld>
             <a:endParaRPr lang="ko-KR" altLang="en-US"/>
           </a:p>
@@ -10848,7 +11157,7 @@
           <a:p>
             <a:fld id="{D5485165-7A39-4884-9028-FEAF9DCD2AF2}" type="datetimeFigureOut">
               <a:rPr lang="ko-KR" altLang="en-US" smtClean="0"/>
-              <a:t>2020-04-22</a:t>
+              <a:t>2020-04-29</a:t>
             </a:fld>
             <a:endParaRPr lang="ko-KR" altLang="en-US"/>
           </a:p>
@@ -11080,7 +11389,7 @@
           <a:p>
             <a:fld id="{D5485165-7A39-4884-9028-FEAF9DCD2AF2}" type="datetimeFigureOut">
               <a:rPr lang="ko-KR" altLang="en-US" smtClean="0"/>
-              <a:t>2020-04-22</a:t>
+              <a:t>2020-04-29</a:t>
             </a:fld>
             <a:endParaRPr lang="ko-KR" altLang="en-US"/>
           </a:p>
@@ -11447,7 +11756,7 @@
           <a:p>
             <a:fld id="{D5485165-7A39-4884-9028-FEAF9DCD2AF2}" type="datetimeFigureOut">
               <a:rPr lang="ko-KR" altLang="en-US" smtClean="0"/>
-              <a:t>2020-04-22</a:t>
+              <a:t>2020-04-29</a:t>
             </a:fld>
             <a:endParaRPr lang="ko-KR" altLang="en-US"/>
           </a:p>
@@ -11565,7 +11874,7 @@
           <a:p>
             <a:fld id="{D5485165-7A39-4884-9028-FEAF9DCD2AF2}" type="datetimeFigureOut">
               <a:rPr lang="ko-KR" altLang="en-US" smtClean="0"/>
-              <a:t>2020-04-22</a:t>
+              <a:t>2020-04-29</a:t>
             </a:fld>
             <a:endParaRPr lang="ko-KR" altLang="en-US"/>
           </a:p>
@@ -11660,7 +11969,7 @@
           <a:p>
             <a:fld id="{D5485165-7A39-4884-9028-FEAF9DCD2AF2}" type="datetimeFigureOut">
               <a:rPr lang="ko-KR" altLang="en-US" smtClean="0"/>
-              <a:t>2020-04-22</a:t>
+              <a:t>2020-04-29</a:t>
             </a:fld>
             <a:endParaRPr lang="ko-KR" altLang="en-US"/>
           </a:p>
@@ -11937,7 +12246,7 @@
           <a:p>
             <a:fld id="{D5485165-7A39-4884-9028-FEAF9DCD2AF2}" type="datetimeFigureOut">
               <a:rPr lang="ko-KR" altLang="en-US" smtClean="0"/>
-              <a:t>2020-04-22</a:t>
+              <a:t>2020-04-29</a:t>
             </a:fld>
             <a:endParaRPr lang="ko-KR" altLang="en-US"/>
           </a:p>
@@ -12190,7 +12499,7 @@
           <a:p>
             <a:fld id="{D5485165-7A39-4884-9028-FEAF9DCD2AF2}" type="datetimeFigureOut">
               <a:rPr lang="ko-KR" altLang="en-US" smtClean="0"/>
-              <a:t>2020-04-22</a:t>
+              <a:t>2020-04-29</a:t>
             </a:fld>
             <a:endParaRPr lang="ko-KR" altLang="en-US"/>
           </a:p>
@@ -12403,7 +12712,7 @@
           <a:p>
             <a:fld id="{D5485165-7A39-4884-9028-FEAF9DCD2AF2}" type="datetimeFigureOut">
               <a:rPr lang="ko-KR" altLang="en-US" smtClean="0"/>
-              <a:t>2020-04-22</a:t>
+              <a:t>2020-04-29</a:t>
             </a:fld>
             <a:endParaRPr lang="ko-KR" altLang="en-US"/>
           </a:p>
@@ -12903,14 +13212,12 @@
           <a:p>
             <a:r>
               <a:rPr lang="en-US" altLang="ko-KR" sz="4000" dirty="0" smtClean="0">
-                <a:latin typeface="경기천년제목 Medium" panose="02020603020101020101" pitchFamily="18" charset="-127"/>
-                <a:ea typeface="경기천년제목 Medium" panose="02020603020101020101" pitchFamily="18" charset="-127"/>
+                <a:latin typeface="+mn-ea"/>
               </a:rPr>
               <a:t>Browser Object Model</a:t>
             </a:r>
             <a:endParaRPr lang="ko-KR" altLang="en-US" sz="4000" dirty="0">
-              <a:latin typeface="경기천년제목 Medium" panose="02020603020101020101" pitchFamily="18" charset="-127"/>
-              <a:ea typeface="경기천년제목 Medium" panose="02020603020101020101" pitchFamily="18" charset="-127"/>
+              <a:latin typeface="+mn-ea"/>
             </a:endParaRPr>
           </a:p>
         </p:txBody>
@@ -12924,13 +13231,13 @@
           <p:nvPr>
             <p:extLst>
               <p:ext uri="{D42A27DB-BD31-4B8C-83A1-F6EECF244321}">
-                <p14:modId xmlns:p14="http://schemas.microsoft.com/office/powerpoint/2010/main" val="1543997470"/>
+                <p14:modId xmlns:p14="http://schemas.microsoft.com/office/powerpoint/2010/main" val="2095601347"/>
               </p:ext>
             </p:extLst>
           </p:nvPr>
         </p:nvGraphicFramePr>
         <p:xfrm>
-          <a:off x="1300479" y="928238"/>
+          <a:off x="1242814" y="920000"/>
           <a:ext cx="10162772" cy="5461000"/>
         </p:xfrm>
         <a:graphic>
@@ -12940,17 +13247,17 @@
                 <a:tableStyleId>{5C22544A-7EE6-4342-B048-85BDC9FD1C3A}</a:tableStyleId>
               </a:tblPr>
               <a:tblGrid>
-                <a:gridCol w="2556626">
+                <a:gridCol w="2851391">
                   <a:extLst>
                     <a:ext uri="{9D8B030D-6E8A-4147-A177-3AD203B41FA5}">
-                      <a16:colId xmlns:a16="http://schemas.microsoft.com/office/drawing/2014/main" val="782846595"/>
+                      <a16:colId xmlns:a16="http://schemas.microsoft.com/office/drawing/2014/main" xmlns="" val="782846595"/>
                     </a:ext>
                   </a:extLst>
                 </a:gridCol>
-                <a:gridCol w="7606146">
+                <a:gridCol w="7311381">
                   <a:extLst>
                     <a:ext uri="{9D8B030D-6E8A-4147-A177-3AD203B41FA5}">
-                      <a16:colId xmlns:a16="http://schemas.microsoft.com/office/drawing/2014/main" val="2216066072"/>
+                      <a16:colId xmlns:a16="http://schemas.microsoft.com/office/drawing/2014/main" xmlns="" val="2216066072"/>
                     </a:ext>
                   </a:extLst>
                 </a:gridCol>
@@ -13000,7 +13307,7 @@
                 </a:tc>
                 <a:extLst>
                   <a:ext uri="{0D108BD9-81ED-4DB2-BD59-A6C34878D82A}">
-                    <a16:rowId xmlns:a16="http://schemas.microsoft.com/office/drawing/2014/main" val="35418927"/>
+                    <a16:rowId xmlns:a16="http://schemas.microsoft.com/office/drawing/2014/main" xmlns="" val="35418927"/>
                   </a:ext>
                 </a:extLst>
               </a:tr>
@@ -13070,7 +13377,7 @@
                 </a:tc>
                 <a:extLst>
                   <a:ext uri="{0D108BD9-81ED-4DB2-BD59-A6C34878D82A}">
-                    <a16:rowId xmlns:a16="http://schemas.microsoft.com/office/drawing/2014/main" val="2640560166"/>
+                    <a16:rowId xmlns:a16="http://schemas.microsoft.com/office/drawing/2014/main" xmlns="" val="2640560166"/>
                   </a:ext>
                 </a:extLst>
               </a:tr>
@@ -13140,7 +13447,7 @@
                 </a:tc>
                 <a:extLst>
                   <a:ext uri="{0D108BD9-81ED-4DB2-BD59-A6C34878D82A}">
-                    <a16:rowId xmlns:a16="http://schemas.microsoft.com/office/drawing/2014/main" val="488542194"/>
+                    <a16:rowId xmlns:a16="http://schemas.microsoft.com/office/drawing/2014/main" xmlns="" val="488542194"/>
                   </a:ext>
                 </a:extLst>
               </a:tr>
@@ -13206,7 +13513,7 @@
                 </a:tc>
                 <a:extLst>
                   <a:ext uri="{0D108BD9-81ED-4DB2-BD59-A6C34878D82A}">
-                    <a16:rowId xmlns:a16="http://schemas.microsoft.com/office/drawing/2014/main" val="55574740"/>
+                    <a16:rowId xmlns:a16="http://schemas.microsoft.com/office/drawing/2014/main" xmlns="" val="55574740"/>
                   </a:ext>
                 </a:extLst>
               </a:tr>
@@ -13292,7 +13599,7 @@
                 </a:tc>
                 <a:extLst>
                   <a:ext uri="{0D108BD9-81ED-4DB2-BD59-A6C34878D82A}">
-                    <a16:rowId xmlns:a16="http://schemas.microsoft.com/office/drawing/2014/main" val="1273625006"/>
+                    <a16:rowId xmlns:a16="http://schemas.microsoft.com/office/drawing/2014/main" xmlns="" val="1273625006"/>
                   </a:ext>
                 </a:extLst>
               </a:tr>
@@ -13386,7 +13693,7 @@
                 </a:tc>
                 <a:extLst>
                   <a:ext uri="{0D108BD9-81ED-4DB2-BD59-A6C34878D82A}">
-                    <a16:rowId xmlns:a16="http://schemas.microsoft.com/office/drawing/2014/main" val="3171313759"/>
+                    <a16:rowId xmlns:a16="http://schemas.microsoft.com/office/drawing/2014/main" xmlns="" val="3171313759"/>
                   </a:ext>
                 </a:extLst>
               </a:tr>
@@ -13499,7 +13806,7 @@
                 </a:tc>
                 <a:extLst>
                   <a:ext uri="{0D108BD9-81ED-4DB2-BD59-A6C34878D82A}">
-                    <a16:rowId xmlns:a16="http://schemas.microsoft.com/office/drawing/2014/main" val="518798917"/>
+                    <a16:rowId xmlns:a16="http://schemas.microsoft.com/office/drawing/2014/main" xmlns="" val="518798917"/>
                   </a:ext>
                 </a:extLst>
               </a:tr>
@@ -13569,7 +13876,7 @@
                 </a:tc>
                 <a:extLst>
                   <a:ext uri="{0D108BD9-81ED-4DB2-BD59-A6C34878D82A}">
-                    <a16:rowId xmlns:a16="http://schemas.microsoft.com/office/drawing/2014/main" val="2081122202"/>
+                    <a16:rowId xmlns:a16="http://schemas.microsoft.com/office/drawing/2014/main" xmlns="" val="2081122202"/>
                   </a:ext>
                 </a:extLst>
               </a:tr>
@@ -13632,7 +13939,7 @@
                 </a:tc>
                 <a:extLst>
                   <a:ext uri="{0D108BD9-81ED-4DB2-BD59-A6C34878D82A}">
-                    <a16:rowId xmlns:a16="http://schemas.microsoft.com/office/drawing/2014/main" val="2332887234"/>
+                    <a16:rowId xmlns:a16="http://schemas.microsoft.com/office/drawing/2014/main" xmlns="" val="2332887234"/>
                   </a:ext>
                 </a:extLst>
               </a:tr>
@@ -13695,7 +14002,7 @@
                 </a:tc>
                 <a:extLst>
                   <a:ext uri="{0D108BD9-81ED-4DB2-BD59-A6C34878D82A}">
-                    <a16:rowId xmlns:a16="http://schemas.microsoft.com/office/drawing/2014/main" val="3849840735"/>
+                    <a16:rowId xmlns:a16="http://schemas.microsoft.com/office/drawing/2014/main" xmlns="" val="3849840735"/>
                   </a:ext>
                 </a:extLst>
               </a:tr>
@@ -13758,7 +14065,7 @@
                 </a:tc>
                 <a:extLst>
                   <a:ext uri="{0D108BD9-81ED-4DB2-BD59-A6C34878D82A}">
-                    <a16:rowId xmlns:a16="http://schemas.microsoft.com/office/drawing/2014/main" val="4128632738"/>
+                    <a16:rowId xmlns:a16="http://schemas.microsoft.com/office/drawing/2014/main" xmlns="" val="4128632738"/>
                   </a:ext>
                 </a:extLst>
               </a:tr>
@@ -13814,7 +14121,7 @@
                 </a:tc>
                 <a:extLst>
                   <a:ext uri="{0D108BD9-81ED-4DB2-BD59-A6C34878D82A}">
-                    <a16:rowId xmlns:a16="http://schemas.microsoft.com/office/drawing/2014/main" val="257260124"/>
+                    <a16:rowId xmlns:a16="http://schemas.microsoft.com/office/drawing/2014/main" xmlns="" val="257260124"/>
                   </a:ext>
                 </a:extLst>
               </a:tr>
@@ -13905,7 +14212,7 @@
                 </a:tc>
                 <a:extLst>
                   <a:ext uri="{0D108BD9-81ED-4DB2-BD59-A6C34878D82A}">
-                    <a16:rowId xmlns:a16="http://schemas.microsoft.com/office/drawing/2014/main" val="2981509479"/>
+                    <a16:rowId xmlns:a16="http://schemas.microsoft.com/office/drawing/2014/main" xmlns="" val="2981509479"/>
                   </a:ext>
                 </a:extLst>
               </a:tr>
@@ -14012,7 +14319,7 @@
                 </a:tc>
                 <a:extLst>
                   <a:ext uri="{0D108BD9-81ED-4DB2-BD59-A6C34878D82A}">
-                    <a16:rowId xmlns:a16="http://schemas.microsoft.com/office/drawing/2014/main" val="2332494816"/>
+                    <a16:rowId xmlns:a16="http://schemas.microsoft.com/office/drawing/2014/main" xmlns="" val="2332494816"/>
                   </a:ext>
                 </a:extLst>
               </a:tr>
@@ -14074,14 +14381,12 @@
           <a:p>
             <a:r>
               <a:rPr lang="en-US" altLang="ko-KR" sz="4000" dirty="0" smtClean="0">
-                <a:latin typeface="경기천년제목 Medium" panose="02020603020101020101" pitchFamily="18" charset="-127"/>
-                <a:ea typeface="경기천년제목 Medium" panose="02020603020101020101" pitchFamily="18" charset="-127"/>
+                <a:latin typeface="+mn-ea"/>
               </a:rPr>
               <a:t>Browser Object Model</a:t>
             </a:r>
             <a:endParaRPr lang="ko-KR" altLang="en-US" sz="4000" dirty="0">
-              <a:latin typeface="경기천년제목 Medium" panose="02020603020101020101" pitchFamily="18" charset="-127"/>
-              <a:ea typeface="경기천년제목 Medium" panose="02020603020101020101" pitchFamily="18" charset="-127"/>
+              <a:latin typeface="+mn-ea"/>
             </a:endParaRPr>
           </a:p>
         </p:txBody>
@@ -14095,7 +14400,7 @@
           <p:nvPr>
             <p:extLst>
               <p:ext uri="{D42A27DB-BD31-4B8C-83A1-F6EECF244321}">
-                <p14:modId xmlns:p14="http://schemas.microsoft.com/office/powerpoint/2010/main" val="749275113"/>
+                <p14:modId xmlns:p14="http://schemas.microsoft.com/office/powerpoint/2010/main" val="1035169135"/>
               </p:ext>
             </p:extLst>
           </p:nvPr>
@@ -14114,14 +14419,14 @@
                 <a:gridCol w="1974736">
                   <a:extLst>
                     <a:ext uri="{9D8B030D-6E8A-4147-A177-3AD203B41FA5}">
-                      <a16:colId xmlns:a16="http://schemas.microsoft.com/office/drawing/2014/main" val="782846595"/>
+                      <a16:colId xmlns:a16="http://schemas.microsoft.com/office/drawing/2014/main" xmlns="" val="782846595"/>
                     </a:ext>
                   </a:extLst>
                 </a:gridCol>
                 <a:gridCol w="8188036">
                   <a:extLst>
                     <a:ext uri="{9D8B030D-6E8A-4147-A177-3AD203B41FA5}">
-                      <a16:colId xmlns:a16="http://schemas.microsoft.com/office/drawing/2014/main" val="2216066072"/>
+                      <a16:colId xmlns:a16="http://schemas.microsoft.com/office/drawing/2014/main" xmlns="" val="2216066072"/>
                     </a:ext>
                   </a:extLst>
                 </a:gridCol>
@@ -14171,7 +14476,7 @@
                 </a:tc>
                 <a:extLst>
                   <a:ext uri="{0D108BD9-81ED-4DB2-BD59-A6C34878D82A}">
-                    <a16:rowId xmlns:a16="http://schemas.microsoft.com/office/drawing/2014/main" val="35418927"/>
+                    <a16:rowId xmlns:a16="http://schemas.microsoft.com/office/drawing/2014/main" xmlns="" val="35418927"/>
                   </a:ext>
                 </a:extLst>
               </a:tr>
@@ -14184,21 +14489,21 @@
                       <a:pPr latinLnBrk="1"/>
                       <a:r>
                         <a:rPr lang="en-US" altLang="ko-KR" dirty="0" err="1" smtClean="0">
-                          <a:latin typeface="경기천년제목 Medium" panose="02020603020101020101" pitchFamily="18" charset="-127"/>
-                          <a:ea typeface="경기천년제목 Medium" panose="02020603020101020101" pitchFamily="18" charset="-127"/>
+                          <a:latin typeface="+mn-ea"/>
+                          <a:ea typeface="+mn-ea"/>
                         </a:rPr>
                         <a:t>window.alert</a:t>
                       </a:r>
                       <a:r>
                         <a:rPr lang="en-US" altLang="ko-KR" dirty="0" smtClean="0">
-                          <a:latin typeface="경기천년제목 Medium" panose="02020603020101020101" pitchFamily="18" charset="-127"/>
-                          <a:ea typeface="경기천년제목 Medium" panose="02020603020101020101" pitchFamily="18" charset="-127"/>
+                          <a:latin typeface="+mn-ea"/>
+                          <a:ea typeface="+mn-ea"/>
                         </a:rPr>
                         <a:t>()</a:t>
                       </a:r>
                       <a:endParaRPr lang="ko-KR" altLang="en-US" dirty="0">
-                        <a:latin typeface="경기천년제목 Medium" panose="02020603020101020101" pitchFamily="18" charset="-127"/>
-                        <a:ea typeface="경기천년제목 Medium" panose="02020603020101020101" pitchFamily="18" charset="-127"/>
+                        <a:latin typeface="+mn-ea"/>
+                        <a:ea typeface="+mn-ea"/>
                       </a:endParaRPr>
                     </a:p>
                   </a:txBody>
@@ -14212,29 +14517,29 @@
                       <a:pPr latinLnBrk="1"/>
                       <a:r>
                         <a:rPr lang="ko-KR" altLang="en-US" dirty="0" smtClean="0">
-                          <a:latin typeface="경기천년제목 Medium" panose="02020603020101020101" pitchFamily="18" charset="-127"/>
-                          <a:ea typeface="경기천년제목 Medium" panose="02020603020101020101" pitchFamily="18" charset="-127"/>
+                          <a:latin typeface="+mn-ea"/>
+                          <a:ea typeface="+mn-ea"/>
                         </a:rPr>
                         <a:t>메시지를</a:t>
                       </a:r>
                       <a:r>
                         <a:rPr lang="en-US" altLang="ko-KR" dirty="0" smtClean="0">
-                          <a:latin typeface="경기천년제목 Medium" panose="02020603020101020101" pitchFamily="18" charset="-127"/>
-                          <a:ea typeface="경기천년제목 Medium" panose="02020603020101020101" pitchFamily="18" charset="-127"/>
+                          <a:latin typeface="+mn-ea"/>
+                          <a:ea typeface="+mn-ea"/>
                         </a:rPr>
                         <a:t> </a:t>
                       </a:r>
                       <a:r>
                         <a:rPr lang="ko-KR" altLang="en-US" dirty="0" smtClean="0">
-                          <a:latin typeface="경기천년제목 Medium" panose="02020603020101020101" pitchFamily="18" charset="-127"/>
-                          <a:ea typeface="경기천년제목 Medium" panose="02020603020101020101" pitchFamily="18" charset="-127"/>
+                          <a:latin typeface="+mn-ea"/>
+                          <a:ea typeface="+mn-ea"/>
                         </a:rPr>
                         <a:t>포함하는 대화상자를 출력한다</a:t>
                       </a:r>
                       <a:r>
                         <a:rPr lang="en-US" altLang="ko-KR" dirty="0" smtClean="0">
-                          <a:latin typeface="경기천년제목 Medium" panose="02020603020101020101" pitchFamily="18" charset="-127"/>
-                          <a:ea typeface="경기천년제목 Medium" panose="02020603020101020101" pitchFamily="18" charset="-127"/>
+                          <a:latin typeface="+mn-ea"/>
+                          <a:ea typeface="+mn-ea"/>
                         </a:rPr>
                         <a:t>.</a:t>
                       </a:r>
@@ -14244,7 +14549,7 @@
                 </a:tc>
                 <a:extLst>
                   <a:ext uri="{0D108BD9-81ED-4DB2-BD59-A6C34878D82A}">
-                    <a16:rowId xmlns:a16="http://schemas.microsoft.com/office/drawing/2014/main" val="2640560166"/>
+                    <a16:rowId xmlns:a16="http://schemas.microsoft.com/office/drawing/2014/main" xmlns="" val="2640560166"/>
                   </a:ext>
                 </a:extLst>
               </a:tr>
@@ -14257,15 +14562,15 @@
                       <a:pPr latinLnBrk="1"/>
                       <a:r>
                         <a:rPr lang="en-US" altLang="ko-KR" dirty="0" err="1" smtClean="0">
-                          <a:latin typeface="경기천년제목 Medium" panose="02020603020101020101" pitchFamily="18" charset="-127"/>
-                          <a:ea typeface="경기천년제목 Medium" panose="02020603020101020101" pitchFamily="18" charset="-127"/>
+                          <a:latin typeface="+mn-ea"/>
+                          <a:ea typeface="+mn-ea"/>
                         </a:rPr>
                         <a:t>window.open</a:t>
                       </a:r>
                       <a:r>
                         <a:rPr lang="en-US" altLang="ko-KR" dirty="0" smtClean="0">
-                          <a:latin typeface="경기천년제목 Medium" panose="02020603020101020101" pitchFamily="18" charset="-127"/>
-                          <a:ea typeface="경기천년제목 Medium" panose="02020603020101020101" pitchFamily="18" charset="-127"/>
+                          <a:latin typeface="+mn-ea"/>
+                          <a:ea typeface="+mn-ea"/>
                         </a:rPr>
                         <a:t>()</a:t>
                       </a:r>
@@ -14281,29 +14586,29 @@
                       <a:pPr latinLnBrk="1"/>
                       <a:r>
                         <a:rPr lang="ko-KR" altLang="en-US" dirty="0" smtClean="0">
-                          <a:latin typeface="경기천년제목 Medium" panose="02020603020101020101" pitchFamily="18" charset="-127"/>
-                          <a:ea typeface="경기천년제목 Medium" panose="02020603020101020101" pitchFamily="18" charset="-127"/>
+                          <a:latin typeface="+mn-ea"/>
+                          <a:ea typeface="+mn-ea"/>
                         </a:rPr>
                         <a:t>매개변수로 지정된 </a:t>
                       </a:r>
                       <a:r>
                         <a:rPr lang="en-US" altLang="ko-KR" dirty="0" smtClean="0">
-                          <a:latin typeface="경기천년제목 Medium" panose="02020603020101020101" pitchFamily="18" charset="-127"/>
-                          <a:ea typeface="경기천년제목 Medium" panose="02020603020101020101" pitchFamily="18" charset="-127"/>
+                          <a:latin typeface="+mn-ea"/>
+                          <a:ea typeface="+mn-ea"/>
                         </a:rPr>
                         <a:t>URL</a:t>
                       </a:r>
                       <a:r>
                         <a:rPr lang="ko-KR" altLang="en-US" dirty="0" smtClean="0">
-                          <a:latin typeface="경기천년제목 Medium" panose="02020603020101020101" pitchFamily="18" charset="-127"/>
-                          <a:ea typeface="경기천년제목 Medium" panose="02020603020101020101" pitchFamily="18" charset="-127"/>
+                          <a:latin typeface="+mn-ea"/>
+                          <a:ea typeface="+mn-ea"/>
                         </a:rPr>
                         <a:t>을 표시하는 새로운 브라우저 창을 생성한다</a:t>
                       </a:r>
                       <a:r>
                         <a:rPr lang="en-US" altLang="ko-KR" dirty="0" smtClean="0">
-                          <a:latin typeface="경기천년제목 Medium" panose="02020603020101020101" pitchFamily="18" charset="-127"/>
-                          <a:ea typeface="경기천년제목 Medium" panose="02020603020101020101" pitchFamily="18" charset="-127"/>
+                          <a:latin typeface="+mn-ea"/>
+                          <a:ea typeface="+mn-ea"/>
                         </a:rPr>
                         <a:t>.</a:t>
                       </a:r>
@@ -14313,7 +14618,7 @@
                 </a:tc>
                 <a:extLst>
                   <a:ext uri="{0D108BD9-81ED-4DB2-BD59-A6C34878D82A}">
-                    <a16:rowId xmlns:a16="http://schemas.microsoft.com/office/drawing/2014/main" val="488542194"/>
+                    <a16:rowId xmlns:a16="http://schemas.microsoft.com/office/drawing/2014/main" xmlns="" val="488542194"/>
                   </a:ext>
                 </a:extLst>
               </a:tr>
@@ -14326,21 +14631,21 @@
                       <a:pPr latinLnBrk="1"/>
                       <a:r>
                         <a:rPr lang="en-US" altLang="ko-KR" dirty="0" err="1" smtClean="0">
-                          <a:latin typeface="경기천년제목 Medium" panose="02020603020101020101" pitchFamily="18" charset="-127"/>
-                          <a:ea typeface="경기천년제목 Medium" panose="02020603020101020101" pitchFamily="18" charset="-127"/>
+                          <a:latin typeface="+mn-ea"/>
+                          <a:ea typeface="+mn-ea"/>
                         </a:rPr>
                         <a:t>window.print</a:t>
                       </a:r>
                       <a:r>
                         <a:rPr lang="en-US" altLang="ko-KR" dirty="0" smtClean="0">
-                          <a:latin typeface="경기천년제목 Medium" panose="02020603020101020101" pitchFamily="18" charset="-127"/>
-                          <a:ea typeface="경기천년제목 Medium" panose="02020603020101020101" pitchFamily="18" charset="-127"/>
+                          <a:latin typeface="+mn-ea"/>
+                          <a:ea typeface="+mn-ea"/>
                         </a:rPr>
                         <a:t>()</a:t>
                       </a:r>
                       <a:endParaRPr lang="ko-KR" altLang="en-US" dirty="0">
-                        <a:latin typeface="경기천년제목 Medium" panose="02020603020101020101" pitchFamily="18" charset="-127"/>
-                        <a:ea typeface="경기천년제목 Medium" panose="02020603020101020101" pitchFamily="18" charset="-127"/>
+                        <a:latin typeface="+mn-ea"/>
+                        <a:ea typeface="+mn-ea"/>
                       </a:endParaRPr>
                     </a:p>
                   </a:txBody>
@@ -14354,15 +14659,15 @@
                       <a:pPr latinLnBrk="1"/>
                       <a:r>
                         <a:rPr lang="ko-KR" altLang="en-US" dirty="0" smtClean="0">
-                          <a:latin typeface="경기천년제목 Medium" panose="02020603020101020101" pitchFamily="18" charset="-127"/>
-                          <a:ea typeface="경기천년제목 Medium" panose="02020603020101020101" pitchFamily="18" charset="-127"/>
+                          <a:latin typeface="+mn-ea"/>
+                          <a:ea typeface="+mn-ea"/>
                         </a:rPr>
                         <a:t>브라우저에게 사용자가 현재 페이지를 인쇄하려 한다는 것을 알린다</a:t>
                       </a:r>
                       <a:r>
                         <a:rPr lang="en-US" altLang="ko-KR" dirty="0" smtClean="0">
-                          <a:latin typeface="경기천년제목 Medium" panose="02020603020101020101" pitchFamily="18" charset="-127"/>
-                          <a:ea typeface="경기천년제목 Medium" panose="02020603020101020101" pitchFamily="18" charset="-127"/>
+                          <a:latin typeface="+mn-ea"/>
+                          <a:ea typeface="+mn-ea"/>
                         </a:rPr>
                         <a:t>. </a:t>
                       </a:r>
@@ -14372,7 +14677,7 @@
                 </a:tc>
                 <a:extLst>
                   <a:ext uri="{0D108BD9-81ED-4DB2-BD59-A6C34878D82A}">
-                    <a16:rowId xmlns:a16="http://schemas.microsoft.com/office/drawing/2014/main" val="55574740"/>
+                    <a16:rowId xmlns:a16="http://schemas.microsoft.com/office/drawing/2014/main" xmlns="" val="55574740"/>
                   </a:ext>
                 </a:extLst>
               </a:tr>
@@ -14434,14 +14739,12 @@
           <a:p>
             <a:r>
               <a:rPr lang="en-US" altLang="ko-KR" sz="4000" dirty="0" smtClean="0">
-                <a:latin typeface="경기천년제목 Medium" panose="02020603020101020101" pitchFamily="18" charset="-127"/>
-                <a:ea typeface="경기천년제목 Medium" panose="02020603020101020101" pitchFamily="18" charset="-127"/>
+                <a:latin typeface="+mn-ea"/>
               </a:rPr>
               <a:t>Document Object Model</a:t>
             </a:r>
             <a:endParaRPr lang="ko-KR" altLang="en-US" sz="4000" dirty="0">
-              <a:latin typeface="경기천년제목 Medium" panose="02020603020101020101" pitchFamily="18" charset="-127"/>
-              <a:ea typeface="경기천년제목 Medium" panose="02020603020101020101" pitchFamily="18" charset="-127"/>
+              <a:latin typeface="+mn-ea"/>
             </a:endParaRPr>
           </a:p>
         </p:txBody>
@@ -14455,7 +14758,7 @@
           <p:nvPr>
             <p:extLst>
               <p:ext uri="{D42A27DB-BD31-4B8C-83A1-F6EECF244321}">
-                <p14:modId xmlns:p14="http://schemas.microsoft.com/office/powerpoint/2010/main" val="3879889014"/>
+                <p14:modId xmlns:p14="http://schemas.microsoft.com/office/powerpoint/2010/main" val="1563499197"/>
               </p:ext>
             </p:extLst>
           </p:nvPr>
@@ -14471,17 +14774,17 @@
                 <a:tableStyleId>{5C22544A-7EE6-4342-B048-85BDC9FD1C3A}</a:tableStyleId>
               </a:tblPr>
               <a:tblGrid>
-                <a:gridCol w="2706256">
+                <a:gridCol w="2893404">
                   <a:extLst>
                     <a:ext uri="{9D8B030D-6E8A-4147-A177-3AD203B41FA5}">
-                      <a16:colId xmlns:a16="http://schemas.microsoft.com/office/drawing/2014/main" val="782846595"/>
+                      <a16:colId xmlns:a16="http://schemas.microsoft.com/office/drawing/2014/main" xmlns="" val="782846595"/>
                     </a:ext>
                   </a:extLst>
                 </a:gridCol>
-                <a:gridCol w="7456516">
+                <a:gridCol w="7269368">
                   <a:extLst>
                     <a:ext uri="{9D8B030D-6E8A-4147-A177-3AD203B41FA5}">
-                      <a16:colId xmlns:a16="http://schemas.microsoft.com/office/drawing/2014/main" val="2216066072"/>
+                      <a16:colId xmlns:a16="http://schemas.microsoft.com/office/drawing/2014/main" xmlns="" val="2216066072"/>
                     </a:ext>
                   </a:extLst>
                 </a:gridCol>
@@ -14531,7 +14834,7 @@
                 </a:tc>
                 <a:extLst>
                   <a:ext uri="{0D108BD9-81ED-4DB2-BD59-A6C34878D82A}">
-                    <a16:rowId xmlns:a16="http://schemas.microsoft.com/office/drawing/2014/main" val="35418927"/>
+                    <a16:rowId xmlns:a16="http://schemas.microsoft.com/office/drawing/2014/main" xmlns="" val="35418927"/>
                   </a:ext>
                 </a:extLst>
               </a:tr>
@@ -14580,7 +14883,7 @@
                 </a:tc>
                 <a:extLst>
                   <a:ext uri="{0D108BD9-81ED-4DB2-BD59-A6C34878D82A}">
-                    <a16:rowId xmlns:a16="http://schemas.microsoft.com/office/drawing/2014/main" val="2640560166"/>
+                    <a16:rowId xmlns:a16="http://schemas.microsoft.com/office/drawing/2014/main" xmlns="" val="2640560166"/>
                   </a:ext>
                 </a:extLst>
               </a:tr>
@@ -14645,7 +14948,7 @@
                 </a:tc>
                 <a:extLst>
                   <a:ext uri="{0D108BD9-81ED-4DB2-BD59-A6C34878D82A}">
-                    <a16:rowId xmlns:a16="http://schemas.microsoft.com/office/drawing/2014/main" val="488542194"/>
+                    <a16:rowId xmlns:a16="http://schemas.microsoft.com/office/drawing/2014/main" xmlns="" val="488542194"/>
                   </a:ext>
                 </a:extLst>
               </a:tr>
@@ -14724,7 +15027,7 @@
                 </a:tc>
                 <a:extLst>
                   <a:ext uri="{0D108BD9-81ED-4DB2-BD59-A6C34878D82A}">
-                    <a16:rowId xmlns:a16="http://schemas.microsoft.com/office/drawing/2014/main" val="55574740"/>
+                    <a16:rowId xmlns:a16="http://schemas.microsoft.com/office/drawing/2014/main" xmlns="" val="55574740"/>
                   </a:ext>
                 </a:extLst>
               </a:tr>
@@ -14789,7 +15092,7 @@
                 </a:tc>
                 <a:extLst>
                   <a:ext uri="{0D108BD9-81ED-4DB2-BD59-A6C34878D82A}">
-                    <a16:rowId xmlns:a16="http://schemas.microsoft.com/office/drawing/2014/main" val="1273625006"/>
+                    <a16:rowId xmlns:a16="http://schemas.microsoft.com/office/drawing/2014/main" xmlns="" val="1273625006"/>
                   </a:ext>
                 </a:extLst>
               </a:tr>
@@ -14851,21 +15154,18 @@
           <a:p>
             <a:r>
               <a:rPr lang="en-US" altLang="ko-KR" sz="4000" dirty="0">
-                <a:latin typeface="경기천년제목 Medium" panose="02020603020101020101" pitchFamily="18" charset="-127"/>
-                <a:ea typeface="경기천년제목 Medium" panose="02020603020101020101" pitchFamily="18" charset="-127"/>
+                <a:latin typeface="+mn-ea"/>
               </a:rPr>
               <a:t>Document</a:t>
             </a:r>
             <a:r>
               <a:rPr lang="en-US" altLang="ko-KR" sz="4000" dirty="0" smtClean="0">
-                <a:latin typeface="경기천년제목 Medium" panose="02020603020101020101" pitchFamily="18" charset="-127"/>
-                <a:ea typeface="경기천년제목 Medium" panose="02020603020101020101" pitchFamily="18" charset="-127"/>
+                <a:latin typeface="+mn-ea"/>
               </a:rPr>
               <a:t> Object Model</a:t>
             </a:r>
             <a:endParaRPr lang="ko-KR" altLang="en-US" sz="4000" dirty="0">
-              <a:latin typeface="경기천년제목 Medium" panose="02020603020101020101" pitchFamily="18" charset="-127"/>
-              <a:ea typeface="경기천년제목 Medium" panose="02020603020101020101" pitchFamily="18" charset="-127"/>
+              <a:latin typeface="+mn-ea"/>
             </a:endParaRPr>
           </a:p>
         </p:txBody>
@@ -14879,7 +15179,7 @@
           <p:nvPr>
             <p:extLst>
               <p:ext uri="{D42A27DB-BD31-4B8C-83A1-F6EECF244321}">
-                <p14:modId xmlns:p14="http://schemas.microsoft.com/office/powerpoint/2010/main" val="1888737386"/>
+                <p14:modId xmlns:p14="http://schemas.microsoft.com/office/powerpoint/2010/main" val="3897232579"/>
               </p:ext>
             </p:extLst>
           </p:nvPr>
@@ -14898,14 +15198,14 @@
                 <a:gridCol w="3728721">
                   <a:extLst>
                     <a:ext uri="{9D8B030D-6E8A-4147-A177-3AD203B41FA5}">
-                      <a16:colId xmlns:a16="http://schemas.microsoft.com/office/drawing/2014/main" val="782846595"/>
+                      <a16:colId xmlns:a16="http://schemas.microsoft.com/office/drawing/2014/main" xmlns="" val="782846595"/>
                     </a:ext>
                   </a:extLst>
                 </a:gridCol>
                 <a:gridCol w="6434051">
                   <a:extLst>
                     <a:ext uri="{9D8B030D-6E8A-4147-A177-3AD203B41FA5}">
-                      <a16:colId xmlns:a16="http://schemas.microsoft.com/office/drawing/2014/main" val="2216066072"/>
+                      <a16:colId xmlns:a16="http://schemas.microsoft.com/office/drawing/2014/main" xmlns="" val="2216066072"/>
                     </a:ext>
                   </a:extLst>
                 </a:gridCol>
@@ -14955,7 +15255,7 @@
                 </a:tc>
                 <a:extLst>
                   <a:ext uri="{0D108BD9-81ED-4DB2-BD59-A6C34878D82A}">
-                    <a16:rowId xmlns:a16="http://schemas.microsoft.com/office/drawing/2014/main" val="35418927"/>
+                    <a16:rowId xmlns:a16="http://schemas.microsoft.com/office/drawing/2014/main" xmlns="" val="35418927"/>
                   </a:ext>
                 </a:extLst>
               </a:tr>
@@ -14968,21 +15268,21 @@
                       <a:pPr latinLnBrk="1"/>
                       <a:r>
                         <a:rPr lang="en-US" altLang="ko-KR" dirty="0" err="1" smtClean="0">
-                          <a:latin typeface="경기천년제목 Medium" panose="02020603020101020101" pitchFamily="18" charset="-127"/>
-                          <a:ea typeface="경기천년제목 Medium" panose="02020603020101020101" pitchFamily="18" charset="-127"/>
+                          <a:latin typeface="+mn-ea"/>
+                          <a:ea typeface="+mn-ea"/>
                         </a:rPr>
                         <a:t>document.write</a:t>
                       </a:r>
                       <a:r>
                         <a:rPr lang="en-US" altLang="ko-KR" dirty="0" smtClean="0">
-                          <a:latin typeface="경기천년제목 Medium" panose="02020603020101020101" pitchFamily="18" charset="-127"/>
-                          <a:ea typeface="경기천년제목 Medium" panose="02020603020101020101" pitchFamily="18" charset="-127"/>
+                          <a:latin typeface="+mn-ea"/>
+                          <a:ea typeface="+mn-ea"/>
                         </a:rPr>
                         <a:t>()</a:t>
                       </a:r>
                       <a:endParaRPr lang="ko-KR" altLang="en-US" dirty="0">
-                        <a:latin typeface="경기천년제목 Medium" panose="02020603020101020101" pitchFamily="18" charset="-127"/>
-                        <a:ea typeface="경기천년제목 Medium" panose="02020603020101020101" pitchFamily="18" charset="-127"/>
+                        <a:latin typeface="+mn-ea"/>
+                        <a:ea typeface="+mn-ea"/>
                       </a:endParaRPr>
                     </a:p>
                   </a:txBody>
@@ -14996,15 +15296,15 @@
                       <a:pPr latinLnBrk="1"/>
                       <a:r>
                         <a:rPr lang="ko-KR" altLang="en-US" dirty="0" smtClean="0">
-                          <a:latin typeface="경기천년제목 Medium" panose="02020603020101020101" pitchFamily="18" charset="-127"/>
-                          <a:ea typeface="경기천년제목 Medium" panose="02020603020101020101" pitchFamily="18" charset="-127"/>
+                          <a:latin typeface="+mn-ea"/>
+                          <a:ea typeface="+mn-ea"/>
                         </a:rPr>
                         <a:t>문서에 텍스트를 출력한다</a:t>
                       </a:r>
                       <a:r>
                         <a:rPr lang="en-US" altLang="ko-KR" dirty="0" smtClean="0">
-                          <a:latin typeface="경기천년제목 Medium" panose="02020603020101020101" pitchFamily="18" charset="-127"/>
-                          <a:ea typeface="경기천년제목 Medium" panose="02020603020101020101" pitchFamily="18" charset="-127"/>
+                          <a:latin typeface="+mn-ea"/>
+                          <a:ea typeface="+mn-ea"/>
                         </a:rPr>
                         <a:t>. </a:t>
                       </a:r>
@@ -15014,7 +15314,7 @@
                 </a:tc>
                 <a:extLst>
                   <a:ext uri="{0D108BD9-81ED-4DB2-BD59-A6C34878D82A}">
-                    <a16:rowId xmlns:a16="http://schemas.microsoft.com/office/drawing/2014/main" val="2640560166"/>
+                    <a16:rowId xmlns:a16="http://schemas.microsoft.com/office/drawing/2014/main" xmlns="" val="2640560166"/>
                   </a:ext>
                 </a:extLst>
               </a:tr>
@@ -15027,22 +15327,18 @@
                       <a:pPr latinLnBrk="1"/>
                       <a:r>
                         <a:rPr lang="en-US" altLang="ko-KR" dirty="0" err="1" smtClean="0">
-                          <a:latin typeface="경기천년제목 Medium" panose="02020603020101020101" pitchFamily="18" charset="-127"/>
-                          <a:ea typeface="경기천년제목 Medium" panose="02020603020101020101" pitchFamily="18" charset="-127"/>
+                          <a:latin typeface="+mn-ea"/>
+                          <a:ea typeface="+mn-ea"/>
                         </a:rPr>
-                        <a:t>document.getElementBuId</a:t>
+                        <a:t>document.getElementById</a:t>
                       </a:r>
                       <a:r>
                         <a:rPr lang="en-US" altLang="ko-KR" dirty="0" smtClean="0">
-                          <a:latin typeface="경기천년제목 Medium" panose="02020603020101020101" pitchFamily="18" charset="-127"/>
-                          <a:ea typeface="경기천년제목 Medium" panose="02020603020101020101" pitchFamily="18" charset="-127"/>
+                          <a:latin typeface="+mn-ea"/>
+                          <a:ea typeface="+mn-ea"/>
                         </a:rPr>
                         <a:t>()</a:t>
                       </a:r>
-                      <a:endParaRPr lang="en-US" altLang="ko-KR" dirty="0" smtClean="0">
-                        <a:latin typeface="경기천년제목 Medium" panose="02020603020101020101" pitchFamily="18" charset="-127"/>
-                        <a:ea typeface="경기천년제목 Medium" panose="02020603020101020101" pitchFamily="18" charset="-127"/>
-                      </a:endParaRPr>
                     </a:p>
                   </a:txBody>
                   <a:tcPr anchor="ctr"/>
@@ -15055,28 +15351,28 @@
                       <a:pPr latinLnBrk="1"/>
                       <a:r>
                         <a:rPr lang="en-US" altLang="ko-KR" dirty="0" smtClean="0">
-                          <a:latin typeface="경기천년제목 Medium" panose="02020603020101020101" pitchFamily="18" charset="-127"/>
-                          <a:ea typeface="경기천년제목 Medium" panose="02020603020101020101" pitchFamily="18" charset="-127"/>
+                          <a:latin typeface="+mn-ea"/>
+                          <a:ea typeface="+mn-ea"/>
                         </a:rPr>
                         <a:t>Id</a:t>
                       </a:r>
                       <a:r>
                         <a:rPr lang="ko-KR" altLang="en-US" dirty="0" err="1" smtClean="0">
-                          <a:latin typeface="경기천년제목 Medium" panose="02020603020101020101" pitchFamily="18" charset="-127"/>
-                          <a:ea typeface="경기천년제목 Medium" panose="02020603020101020101" pitchFamily="18" charset="-127"/>
+                          <a:latin typeface="+mn-ea"/>
+                          <a:ea typeface="+mn-ea"/>
                         </a:rPr>
                         <a:t>특성값이</a:t>
                       </a:r>
                       <a:r>
                         <a:rPr lang="ko-KR" altLang="en-US" dirty="0" smtClean="0">
-                          <a:latin typeface="경기천년제목 Medium" panose="02020603020101020101" pitchFamily="18" charset="-127"/>
-                          <a:ea typeface="경기천년제목 Medium" panose="02020603020101020101" pitchFamily="18" charset="-127"/>
+                          <a:latin typeface="+mn-ea"/>
+                          <a:ea typeface="+mn-ea"/>
                         </a:rPr>
                         <a:t> 일치하는 요소가 존재하면 해당 요소를 리턴</a:t>
                       </a:r>
                       <a:endParaRPr lang="en-US" altLang="ko-KR" dirty="0" smtClean="0">
-                        <a:latin typeface="경기천년제목 Medium" panose="02020603020101020101" pitchFamily="18" charset="-127"/>
-                        <a:ea typeface="경기천년제목 Medium" panose="02020603020101020101" pitchFamily="18" charset="-127"/>
+                        <a:latin typeface="+mn-ea"/>
+                        <a:ea typeface="+mn-ea"/>
                       </a:endParaRPr>
                     </a:p>
                   </a:txBody>
@@ -15084,7 +15380,7 @@
                 </a:tc>
                 <a:extLst>
                   <a:ext uri="{0D108BD9-81ED-4DB2-BD59-A6C34878D82A}">
-                    <a16:rowId xmlns:a16="http://schemas.microsoft.com/office/drawing/2014/main" val="488542194"/>
+                    <a16:rowId xmlns:a16="http://schemas.microsoft.com/office/drawing/2014/main" xmlns="" val="488542194"/>
                   </a:ext>
                 </a:extLst>
               </a:tr>
@@ -15097,21 +15393,21 @@
                       <a:pPr latinLnBrk="1"/>
                       <a:r>
                         <a:rPr lang="en-US" altLang="ko-KR" dirty="0" err="1" smtClean="0">
-                          <a:latin typeface="경기천년제목 Medium" panose="02020603020101020101" pitchFamily="18" charset="-127"/>
-                          <a:ea typeface="경기천년제목 Medium" panose="02020603020101020101" pitchFamily="18" charset="-127"/>
+                          <a:latin typeface="+mn-ea"/>
+                          <a:ea typeface="+mn-ea"/>
                         </a:rPr>
                         <a:t>document.querySelectorAll</a:t>
                       </a:r>
                       <a:r>
                         <a:rPr lang="en-US" altLang="ko-KR" dirty="0" smtClean="0">
-                          <a:latin typeface="경기천년제목 Medium" panose="02020603020101020101" pitchFamily="18" charset="-127"/>
-                          <a:ea typeface="경기천년제목 Medium" panose="02020603020101020101" pitchFamily="18" charset="-127"/>
+                          <a:latin typeface="+mn-ea"/>
+                          <a:ea typeface="+mn-ea"/>
                         </a:rPr>
                         <a:t>()</a:t>
                       </a:r>
                       <a:endParaRPr lang="ko-KR" altLang="en-US" dirty="0">
-                        <a:latin typeface="경기천년제목 Medium" panose="02020603020101020101" pitchFamily="18" charset="-127"/>
-                        <a:ea typeface="경기천년제목 Medium" panose="02020603020101020101" pitchFamily="18" charset="-127"/>
+                        <a:latin typeface="+mn-ea"/>
+                        <a:ea typeface="+mn-ea"/>
                       </a:endParaRPr>
                     </a:p>
                   </a:txBody>
@@ -15125,35 +15421,35 @@
                       <a:pPr latinLnBrk="1"/>
                       <a:r>
                         <a:rPr lang="ko-KR" altLang="en-US" dirty="0" smtClean="0">
-                          <a:latin typeface="경기천년제목 Medium" panose="02020603020101020101" pitchFamily="18" charset="-127"/>
-                          <a:ea typeface="경기천년제목 Medium" panose="02020603020101020101" pitchFamily="18" charset="-127"/>
+                          <a:latin typeface="+mn-ea"/>
+                          <a:ea typeface="+mn-ea"/>
                         </a:rPr>
                         <a:t>매개변수로 전달된 </a:t>
                       </a:r>
                       <a:r>
                         <a:rPr lang="en-US" altLang="ko-KR" dirty="0" smtClean="0">
-                          <a:latin typeface="경기천년제목 Medium" panose="02020603020101020101" pitchFamily="18" charset="-127"/>
-                          <a:ea typeface="경기천년제목 Medium" panose="02020603020101020101" pitchFamily="18" charset="-127"/>
+                          <a:latin typeface="+mn-ea"/>
+                          <a:ea typeface="+mn-ea"/>
                         </a:rPr>
                         <a:t>CSS</a:t>
                       </a:r>
                       <a:r>
                         <a:rPr lang="ko-KR" altLang="en-US" dirty="0" err="1" smtClean="0">
-                          <a:latin typeface="경기천년제목 Medium" panose="02020603020101020101" pitchFamily="18" charset="-127"/>
-                          <a:ea typeface="경기천년제목 Medium" panose="02020603020101020101" pitchFamily="18" charset="-127"/>
+                          <a:latin typeface="+mn-ea"/>
+                          <a:ea typeface="+mn-ea"/>
                         </a:rPr>
                         <a:t>선택자와</a:t>
                       </a:r>
                       <a:r>
                         <a:rPr lang="ko-KR" altLang="en-US" dirty="0" smtClean="0">
-                          <a:latin typeface="경기천년제목 Medium" panose="02020603020101020101" pitchFamily="18" charset="-127"/>
-                          <a:ea typeface="경기천년제목 Medium" panose="02020603020101020101" pitchFamily="18" charset="-127"/>
+                          <a:latin typeface="+mn-ea"/>
+                          <a:ea typeface="+mn-ea"/>
                         </a:rPr>
                         <a:t> 일치하는 요소의 목록을 리턴</a:t>
                       </a:r>
                       <a:endParaRPr lang="en-US" altLang="ko-KR" dirty="0" smtClean="0">
-                        <a:latin typeface="경기천년제목 Medium" panose="02020603020101020101" pitchFamily="18" charset="-127"/>
-                        <a:ea typeface="경기천년제목 Medium" panose="02020603020101020101" pitchFamily="18" charset="-127"/>
+                        <a:latin typeface="+mn-ea"/>
+                        <a:ea typeface="+mn-ea"/>
                       </a:endParaRPr>
                     </a:p>
                   </a:txBody>
@@ -15161,7 +15457,7 @@
                 </a:tc>
                 <a:extLst>
                   <a:ext uri="{0D108BD9-81ED-4DB2-BD59-A6C34878D82A}">
-                    <a16:rowId xmlns:a16="http://schemas.microsoft.com/office/drawing/2014/main" val="55574740"/>
+                    <a16:rowId xmlns:a16="http://schemas.microsoft.com/office/drawing/2014/main" xmlns="" val="55574740"/>
                   </a:ext>
                 </a:extLst>
               </a:tr>
@@ -15174,21 +15470,21 @@
                       <a:pPr latinLnBrk="1"/>
                       <a:r>
                         <a:rPr lang="en-US" altLang="ko-KR" dirty="0" err="1" smtClean="0">
-                          <a:latin typeface="경기천년제목 Medium" panose="02020603020101020101" pitchFamily="18" charset="-127"/>
-                          <a:ea typeface="경기천년제목 Medium" panose="02020603020101020101" pitchFamily="18" charset="-127"/>
+                          <a:latin typeface="+mn-ea"/>
+                          <a:ea typeface="+mn-ea"/>
                         </a:rPr>
                         <a:t>document.createElement</a:t>
                       </a:r>
                       <a:r>
                         <a:rPr lang="en-US" altLang="ko-KR" dirty="0" smtClean="0">
-                          <a:latin typeface="경기천년제목 Medium" panose="02020603020101020101" pitchFamily="18" charset="-127"/>
-                          <a:ea typeface="경기천년제목 Medium" panose="02020603020101020101" pitchFamily="18" charset="-127"/>
+                          <a:latin typeface="+mn-ea"/>
+                          <a:ea typeface="+mn-ea"/>
                         </a:rPr>
                         <a:t>()</a:t>
                       </a:r>
                       <a:endParaRPr lang="ko-KR" altLang="en-US" dirty="0">
-                        <a:latin typeface="경기천년제목 Medium" panose="02020603020101020101" pitchFamily="18" charset="-127"/>
-                        <a:ea typeface="경기천년제목 Medium" panose="02020603020101020101" pitchFamily="18" charset="-127"/>
+                        <a:latin typeface="+mn-ea"/>
+                        <a:ea typeface="+mn-ea"/>
                       </a:endParaRPr>
                     </a:p>
                   </a:txBody>
@@ -15202,14 +15498,14 @@
                       <a:pPr latinLnBrk="1"/>
                       <a:r>
                         <a:rPr lang="ko-KR" altLang="en-US" dirty="0" smtClean="0">
-                          <a:latin typeface="경기천년제목 Medium" panose="02020603020101020101" pitchFamily="18" charset="-127"/>
-                          <a:ea typeface="경기천년제목 Medium" panose="02020603020101020101" pitchFamily="18" charset="-127"/>
+                          <a:latin typeface="+mn-ea"/>
+                          <a:ea typeface="+mn-ea"/>
                         </a:rPr>
                         <a:t>새로운 요소를 생성</a:t>
                       </a:r>
                       <a:endParaRPr lang="en-US" altLang="ko-KR" dirty="0" smtClean="0">
-                        <a:latin typeface="경기천년제목 Medium" panose="02020603020101020101" pitchFamily="18" charset="-127"/>
-                        <a:ea typeface="경기천년제목 Medium" panose="02020603020101020101" pitchFamily="18" charset="-127"/>
+                        <a:latin typeface="+mn-ea"/>
+                        <a:ea typeface="+mn-ea"/>
                       </a:endParaRPr>
                     </a:p>
                   </a:txBody>
@@ -15217,7 +15513,7 @@
                 </a:tc>
                 <a:extLst>
                   <a:ext uri="{0D108BD9-81ED-4DB2-BD59-A6C34878D82A}">
-                    <a16:rowId xmlns:a16="http://schemas.microsoft.com/office/drawing/2014/main" val="233182071"/>
+                    <a16:rowId xmlns:a16="http://schemas.microsoft.com/office/drawing/2014/main" xmlns="" val="233182071"/>
                   </a:ext>
                 </a:extLst>
               </a:tr>
@@ -15230,21 +15526,21 @@
                       <a:pPr latinLnBrk="1"/>
                       <a:r>
                         <a:rPr lang="en-US" altLang="ko-KR" dirty="0" err="1" smtClean="0">
-                          <a:latin typeface="경기천년제목 Medium" panose="02020603020101020101" pitchFamily="18" charset="-127"/>
-                          <a:ea typeface="경기천년제목 Medium" panose="02020603020101020101" pitchFamily="18" charset="-127"/>
+                          <a:latin typeface="+mn-ea"/>
+                          <a:ea typeface="+mn-ea"/>
                         </a:rPr>
                         <a:t>document.createTextNode</a:t>
                       </a:r>
                       <a:r>
                         <a:rPr lang="en-US" altLang="ko-KR" dirty="0" smtClean="0">
-                          <a:latin typeface="경기천년제목 Medium" panose="02020603020101020101" pitchFamily="18" charset="-127"/>
-                          <a:ea typeface="경기천년제목 Medium" panose="02020603020101020101" pitchFamily="18" charset="-127"/>
+                          <a:latin typeface="+mn-ea"/>
+                          <a:ea typeface="+mn-ea"/>
                         </a:rPr>
                         <a:t>()</a:t>
                       </a:r>
                       <a:endParaRPr lang="ko-KR" altLang="en-US" dirty="0">
-                        <a:latin typeface="경기천년제목 Medium" panose="02020603020101020101" pitchFamily="18" charset="-127"/>
-                        <a:ea typeface="경기천년제목 Medium" panose="02020603020101020101" pitchFamily="18" charset="-127"/>
+                        <a:latin typeface="+mn-ea"/>
+                        <a:ea typeface="+mn-ea"/>
                       </a:endParaRPr>
                     </a:p>
                   </a:txBody>
@@ -15258,14 +15554,14 @@
                       <a:pPr latinLnBrk="1"/>
                       <a:r>
                         <a:rPr lang="ko-KR" altLang="en-US" dirty="0" smtClean="0">
-                          <a:latin typeface="경기천년제목 Medium" panose="02020603020101020101" pitchFamily="18" charset="-127"/>
-                          <a:ea typeface="경기천년제목 Medium" panose="02020603020101020101" pitchFamily="18" charset="-127"/>
+                          <a:latin typeface="+mn-ea"/>
+                          <a:ea typeface="+mn-ea"/>
                         </a:rPr>
                         <a:t>새로운 텍스트 노드를 생성</a:t>
                       </a:r>
                       <a:endParaRPr lang="en-US" altLang="ko-KR" dirty="0" smtClean="0">
-                        <a:latin typeface="경기천년제목 Medium" panose="02020603020101020101" pitchFamily="18" charset="-127"/>
-                        <a:ea typeface="경기천년제목 Medium" panose="02020603020101020101" pitchFamily="18" charset="-127"/>
+                        <a:latin typeface="+mn-ea"/>
+                        <a:ea typeface="+mn-ea"/>
                       </a:endParaRPr>
                     </a:p>
                   </a:txBody>
@@ -15273,7 +15569,7 @@
                 </a:tc>
                 <a:extLst>
                   <a:ext uri="{0D108BD9-81ED-4DB2-BD59-A6C34878D82A}">
-                    <a16:rowId xmlns:a16="http://schemas.microsoft.com/office/drawing/2014/main" val="2204617082"/>
+                    <a16:rowId xmlns:a16="http://schemas.microsoft.com/office/drawing/2014/main" xmlns="" val="2204617082"/>
                   </a:ext>
                 </a:extLst>
               </a:tr>
@@ -15285,6 +15581,5826 @@
     <p:extLst>
       <p:ext uri="{BB962C8B-B14F-4D97-AF65-F5344CB8AC3E}">
         <p14:creationId xmlns:p14="http://schemas.microsoft.com/office/powerpoint/2010/main" val="48893790"/>
+      </p:ext>
+    </p:extLst>
+  </p:cSld>
+  <p:clrMapOvr>
+    <a:masterClrMapping/>
+  </p:clrMapOvr>
+</p:sld>
+</file>
+
+<file path=ppt/slides/slide14.xml><?xml version="1.0" encoding="utf-8"?>
+<p:sld xmlns:a="http://schemas.openxmlformats.org/drawingml/2006/main" xmlns:r="http://schemas.openxmlformats.org/officeDocument/2006/relationships" xmlns:p="http://schemas.openxmlformats.org/presentationml/2006/main">
+  <p:cSld>
+    <p:spTree>
+      <p:nvGrpSpPr>
+        <p:cNvPr id="1" name=""/>
+        <p:cNvGrpSpPr/>
+        <p:nvPr/>
+      </p:nvGrpSpPr>
+      <p:grpSpPr>
+        <a:xfrm>
+          <a:off x="0" y="0"/>
+          <a:ext cx="0" cy="0"/>
+          <a:chOff x="0" y="0"/>
+          <a:chExt cx="0" cy="0"/>
+        </a:xfrm>
+      </p:grpSpPr>
+      <p:pic>
+        <p:nvPicPr>
+          <p:cNvPr id="4" name="그림 3"/>
+          <p:cNvPicPr>
+            <a:picLocks noChangeAspect="1"/>
+          </p:cNvPicPr>
+          <p:nvPr/>
+        </p:nvPicPr>
+        <p:blipFill>
+          <a:blip r:embed="rId2">
+            <a:extLst>
+              <a:ext uri="{28A0092B-C50C-407E-A947-70E740481C1C}">
+                <a14:useLocalDpi xmlns:a14="http://schemas.microsoft.com/office/drawing/2010/main" val="0"/>
+              </a:ext>
+            </a:extLst>
+          </a:blip>
+          <a:stretch>
+            <a:fillRect/>
+          </a:stretch>
+        </p:blipFill>
+        <p:spPr>
+          <a:xfrm>
+            <a:off x="2812261" y="1296458"/>
+            <a:ext cx="6207915" cy="3782386"/>
+          </a:xfrm>
+          <a:prstGeom prst="rect">
+            <a:avLst/>
+          </a:prstGeom>
+        </p:spPr>
+      </p:pic>
+    </p:spTree>
+    <p:extLst>
+      <p:ext uri="{BB962C8B-B14F-4D97-AF65-F5344CB8AC3E}">
+        <p14:creationId xmlns:p14="http://schemas.microsoft.com/office/powerpoint/2010/main" val="1625250217"/>
+      </p:ext>
+    </p:extLst>
+  </p:cSld>
+  <p:clrMapOvr>
+    <a:masterClrMapping/>
+  </p:clrMapOvr>
+</p:sld>
+</file>
+
+<file path=ppt/slides/slide15.xml><?xml version="1.0" encoding="utf-8"?>
+<p:sld xmlns:a="http://schemas.openxmlformats.org/drawingml/2006/main" xmlns:r="http://schemas.openxmlformats.org/officeDocument/2006/relationships" xmlns:p="http://schemas.openxmlformats.org/presentationml/2006/main">
+  <p:cSld>
+    <p:spTree>
+      <p:nvGrpSpPr>
+        <p:cNvPr id="1" name=""/>
+        <p:cNvGrpSpPr/>
+        <p:nvPr/>
+      </p:nvGrpSpPr>
+      <p:grpSpPr>
+        <a:xfrm>
+          <a:off x="0" y="0"/>
+          <a:ext cx="0" cy="0"/>
+          <a:chOff x="0" y="0"/>
+          <a:chExt cx="0" cy="0"/>
+        </a:xfrm>
+      </p:grpSpPr>
+      <p:sp>
+        <p:nvSpPr>
+          <p:cNvPr id="2" name="직사각형 1"/>
+          <p:cNvSpPr/>
+          <p:nvPr/>
+        </p:nvSpPr>
+        <p:spPr>
+          <a:xfrm>
+            <a:off x="5058032" y="280095"/>
+            <a:ext cx="1754660" cy="469555"/>
+          </a:xfrm>
+          <a:prstGeom prst="rect">
+            <a:avLst/>
+          </a:prstGeom>
+        </p:spPr>
+        <p:style>
+          <a:lnRef idx="2">
+            <a:schemeClr val="accent4">
+              <a:shade val="50000"/>
+            </a:schemeClr>
+          </a:lnRef>
+          <a:fillRef idx="1">
+            <a:schemeClr val="accent4"/>
+          </a:fillRef>
+          <a:effectRef idx="0">
+            <a:schemeClr val="accent4"/>
+          </a:effectRef>
+          <a:fontRef idx="minor">
+            <a:schemeClr val="lt1"/>
+          </a:fontRef>
+        </p:style>
+        <p:txBody>
+          <a:bodyPr rtlCol="0" anchor="ctr"/>
+          <a:lstStyle/>
+          <a:p>
+            <a:pPr algn="ctr"/>
+            <a:r>
+              <a:rPr lang="en-US" altLang="ko-KR" dirty="0" err="1" smtClean="0"/>
+              <a:t>doucument</a:t>
+            </a:r>
+            <a:endParaRPr lang="ko-KR" altLang="en-US" dirty="0"/>
+          </a:p>
+        </p:txBody>
+      </p:sp>
+      <p:sp>
+        <p:nvSpPr>
+          <p:cNvPr id="16" name="직사각형 15"/>
+          <p:cNvSpPr/>
+          <p:nvPr/>
+        </p:nvSpPr>
+        <p:spPr>
+          <a:xfrm>
+            <a:off x="5058032" y="939119"/>
+            <a:ext cx="1754660" cy="469555"/>
+          </a:xfrm>
+          <a:prstGeom prst="rect">
+            <a:avLst/>
+          </a:prstGeom>
+          <a:solidFill>
+            <a:srgbClr val="1ADADA"/>
+          </a:solidFill>
+          <a:ln>
+            <a:solidFill>
+              <a:srgbClr val="1ADADA"/>
+            </a:solidFill>
+          </a:ln>
+        </p:spPr>
+        <p:style>
+          <a:lnRef idx="2">
+            <a:schemeClr val="accent6">
+              <a:shade val="50000"/>
+            </a:schemeClr>
+          </a:lnRef>
+          <a:fillRef idx="1">
+            <a:schemeClr val="accent6"/>
+          </a:fillRef>
+          <a:effectRef idx="0">
+            <a:schemeClr val="accent6"/>
+          </a:effectRef>
+          <a:fontRef idx="minor">
+            <a:schemeClr val="lt1"/>
+          </a:fontRef>
+        </p:style>
+        <p:txBody>
+          <a:bodyPr rtlCol="0" anchor="ctr"/>
+          <a:lstStyle/>
+          <a:p>
+            <a:pPr algn="ctr"/>
+            <a:r>
+              <a:rPr lang="en-US" altLang="ko-KR" dirty="0" smtClean="0"/>
+              <a:t>html</a:t>
+            </a:r>
+            <a:endParaRPr lang="ko-KR" altLang="en-US" dirty="0"/>
+          </a:p>
+        </p:txBody>
+      </p:sp>
+      <p:sp>
+        <p:nvSpPr>
+          <p:cNvPr id="17" name="직사각형 16"/>
+          <p:cNvSpPr/>
+          <p:nvPr/>
+        </p:nvSpPr>
+        <p:spPr>
+          <a:xfrm>
+            <a:off x="5058032" y="1614620"/>
+            <a:ext cx="1754660" cy="469555"/>
+          </a:xfrm>
+          <a:prstGeom prst="rect">
+            <a:avLst/>
+          </a:prstGeom>
+          <a:solidFill>
+            <a:srgbClr val="1ADADA"/>
+          </a:solidFill>
+          <a:ln>
+            <a:solidFill>
+              <a:srgbClr val="1ADADA"/>
+            </a:solidFill>
+          </a:ln>
+        </p:spPr>
+        <p:style>
+          <a:lnRef idx="2">
+            <a:schemeClr val="accent6">
+              <a:shade val="50000"/>
+            </a:schemeClr>
+          </a:lnRef>
+          <a:fillRef idx="1">
+            <a:schemeClr val="accent6"/>
+          </a:fillRef>
+          <a:effectRef idx="0">
+            <a:schemeClr val="accent6"/>
+          </a:effectRef>
+          <a:fontRef idx="minor">
+            <a:schemeClr val="lt1"/>
+          </a:fontRef>
+        </p:style>
+        <p:txBody>
+          <a:bodyPr rtlCol="0" anchor="ctr"/>
+          <a:lstStyle/>
+          <a:p>
+            <a:pPr algn="ctr"/>
+            <a:r>
+              <a:rPr lang="en-US" altLang="ko-KR" dirty="0" smtClean="0"/>
+              <a:t>body</a:t>
+            </a:r>
+            <a:endParaRPr lang="ko-KR" altLang="en-US" dirty="0"/>
+          </a:p>
+        </p:txBody>
+      </p:sp>
+      <p:sp>
+        <p:nvSpPr>
+          <p:cNvPr id="18" name="직사각형 17"/>
+          <p:cNvSpPr/>
+          <p:nvPr/>
+        </p:nvSpPr>
+        <p:spPr>
+          <a:xfrm>
+            <a:off x="5058032" y="2290121"/>
+            <a:ext cx="1754660" cy="469555"/>
+          </a:xfrm>
+          <a:prstGeom prst="rect">
+            <a:avLst/>
+          </a:prstGeom>
+          <a:solidFill>
+            <a:srgbClr val="1ADADA"/>
+          </a:solidFill>
+          <a:ln>
+            <a:solidFill>
+              <a:srgbClr val="1ADADA"/>
+            </a:solidFill>
+          </a:ln>
+        </p:spPr>
+        <p:style>
+          <a:lnRef idx="2">
+            <a:schemeClr val="accent6">
+              <a:shade val="50000"/>
+            </a:schemeClr>
+          </a:lnRef>
+          <a:fillRef idx="1">
+            <a:schemeClr val="accent6"/>
+          </a:fillRef>
+          <a:effectRef idx="0">
+            <a:schemeClr val="accent6"/>
+          </a:effectRef>
+          <a:fontRef idx="minor">
+            <a:schemeClr val="lt1"/>
+          </a:fontRef>
+        </p:style>
+        <p:txBody>
+          <a:bodyPr rtlCol="0" anchor="ctr"/>
+          <a:lstStyle/>
+          <a:p>
+            <a:pPr algn="ctr"/>
+            <a:r>
+              <a:rPr lang="en-US" altLang="ko-KR" dirty="0" smtClean="0"/>
+              <a:t>div</a:t>
+            </a:r>
+            <a:endParaRPr lang="ko-KR" altLang="en-US" dirty="0"/>
+          </a:p>
+        </p:txBody>
+      </p:sp>
+      <p:sp>
+        <p:nvSpPr>
+          <p:cNvPr id="19" name="직사각형 18"/>
+          <p:cNvSpPr/>
+          <p:nvPr/>
+        </p:nvSpPr>
+        <p:spPr>
+          <a:xfrm>
+            <a:off x="7265772" y="3155095"/>
+            <a:ext cx="1754660" cy="469555"/>
+          </a:xfrm>
+          <a:prstGeom prst="rect">
+            <a:avLst/>
+          </a:prstGeom>
+          <a:solidFill>
+            <a:srgbClr val="1ADADA"/>
+          </a:solidFill>
+          <a:ln>
+            <a:solidFill>
+              <a:srgbClr val="1ADADA"/>
+            </a:solidFill>
+          </a:ln>
+        </p:spPr>
+        <p:style>
+          <a:lnRef idx="2">
+            <a:schemeClr val="accent6">
+              <a:shade val="50000"/>
+            </a:schemeClr>
+          </a:lnRef>
+          <a:fillRef idx="1">
+            <a:schemeClr val="accent6"/>
+          </a:fillRef>
+          <a:effectRef idx="0">
+            <a:schemeClr val="accent6"/>
+          </a:effectRef>
+          <a:fontRef idx="minor">
+            <a:schemeClr val="lt1"/>
+          </a:fontRef>
+        </p:style>
+        <p:txBody>
+          <a:bodyPr rtlCol="0" anchor="ctr"/>
+          <a:lstStyle/>
+          <a:p>
+            <a:pPr algn="ctr"/>
+            <a:r>
+              <a:rPr lang="en-US" altLang="ko-KR" dirty="0" smtClean="0"/>
+              <a:t>script</a:t>
+            </a:r>
+            <a:endParaRPr lang="ko-KR" altLang="en-US" dirty="0"/>
+          </a:p>
+        </p:txBody>
+      </p:sp>
+      <p:sp>
+        <p:nvSpPr>
+          <p:cNvPr id="20" name="직사각형 19"/>
+          <p:cNvSpPr/>
+          <p:nvPr/>
+        </p:nvSpPr>
+        <p:spPr>
+          <a:xfrm>
+            <a:off x="2195383" y="3155093"/>
+            <a:ext cx="654909" cy="469555"/>
+          </a:xfrm>
+          <a:prstGeom prst="rect">
+            <a:avLst/>
+          </a:prstGeom>
+          <a:solidFill>
+            <a:srgbClr val="1ADADA"/>
+          </a:solidFill>
+          <a:ln>
+            <a:solidFill>
+              <a:srgbClr val="1ADADA"/>
+            </a:solidFill>
+          </a:ln>
+        </p:spPr>
+        <p:style>
+          <a:lnRef idx="2">
+            <a:schemeClr val="accent6">
+              <a:shade val="50000"/>
+            </a:schemeClr>
+          </a:lnRef>
+          <a:fillRef idx="1">
+            <a:schemeClr val="accent6"/>
+          </a:fillRef>
+          <a:effectRef idx="0">
+            <a:schemeClr val="accent6"/>
+          </a:effectRef>
+          <a:fontRef idx="minor">
+            <a:schemeClr val="lt1"/>
+          </a:fontRef>
+        </p:style>
+        <p:txBody>
+          <a:bodyPr rtlCol="0" anchor="ctr"/>
+          <a:lstStyle/>
+          <a:p>
+            <a:pPr algn="ctr"/>
+            <a:r>
+              <a:rPr lang="en-US" altLang="ko-KR" dirty="0" smtClean="0"/>
+              <a:t>h1</a:t>
+            </a:r>
+            <a:endParaRPr lang="ko-KR" altLang="en-US" dirty="0"/>
+          </a:p>
+        </p:txBody>
+      </p:sp>
+      <p:sp>
+        <p:nvSpPr>
+          <p:cNvPr id="21" name="직사각형 20"/>
+          <p:cNvSpPr/>
+          <p:nvPr/>
+        </p:nvSpPr>
+        <p:spPr>
+          <a:xfrm>
+            <a:off x="6157782" y="4782070"/>
+            <a:ext cx="654909" cy="469555"/>
+          </a:xfrm>
+          <a:prstGeom prst="rect">
+            <a:avLst/>
+          </a:prstGeom>
+          <a:solidFill>
+            <a:srgbClr val="1ADADA"/>
+          </a:solidFill>
+          <a:ln>
+            <a:solidFill>
+              <a:srgbClr val="1ADADA"/>
+            </a:solidFill>
+          </a:ln>
+        </p:spPr>
+        <p:style>
+          <a:lnRef idx="2">
+            <a:schemeClr val="accent6">
+              <a:shade val="50000"/>
+            </a:schemeClr>
+          </a:lnRef>
+          <a:fillRef idx="1">
+            <a:schemeClr val="accent6"/>
+          </a:fillRef>
+          <a:effectRef idx="0">
+            <a:schemeClr val="accent6"/>
+          </a:effectRef>
+          <a:fontRef idx="minor">
+            <a:schemeClr val="lt1"/>
+          </a:fontRef>
+        </p:style>
+        <p:txBody>
+          <a:bodyPr rtlCol="0" anchor="ctr"/>
+          <a:lstStyle/>
+          <a:p>
+            <a:pPr algn="ctr"/>
+            <a:r>
+              <a:rPr lang="en-US" altLang="ko-KR" dirty="0" smtClean="0"/>
+              <a:t>li</a:t>
+            </a:r>
+            <a:endParaRPr lang="ko-KR" altLang="en-US" dirty="0"/>
+          </a:p>
+        </p:txBody>
+      </p:sp>
+      <p:sp>
+        <p:nvSpPr>
+          <p:cNvPr id="22" name="직사각형 21"/>
+          <p:cNvSpPr/>
+          <p:nvPr/>
+        </p:nvSpPr>
+        <p:spPr>
+          <a:xfrm>
+            <a:off x="3425912" y="4790310"/>
+            <a:ext cx="654909" cy="469555"/>
+          </a:xfrm>
+          <a:prstGeom prst="rect">
+            <a:avLst/>
+          </a:prstGeom>
+          <a:solidFill>
+            <a:srgbClr val="1ADADA"/>
+          </a:solidFill>
+          <a:ln>
+            <a:solidFill>
+              <a:srgbClr val="1ADADA"/>
+            </a:solidFill>
+          </a:ln>
+        </p:spPr>
+        <p:style>
+          <a:lnRef idx="2">
+            <a:schemeClr val="accent6">
+              <a:shade val="50000"/>
+            </a:schemeClr>
+          </a:lnRef>
+          <a:fillRef idx="1">
+            <a:schemeClr val="accent6"/>
+          </a:fillRef>
+          <a:effectRef idx="0">
+            <a:schemeClr val="accent6"/>
+          </a:effectRef>
+          <a:fontRef idx="minor">
+            <a:schemeClr val="lt1"/>
+          </a:fontRef>
+        </p:style>
+        <p:txBody>
+          <a:bodyPr rtlCol="0" anchor="ctr"/>
+          <a:lstStyle/>
+          <a:p>
+            <a:pPr algn="ctr"/>
+            <a:r>
+              <a:rPr lang="en-US" altLang="ko-KR" dirty="0" smtClean="0"/>
+              <a:t>li</a:t>
+            </a:r>
+            <a:endParaRPr lang="ko-KR" altLang="en-US" dirty="0"/>
+          </a:p>
+        </p:txBody>
+      </p:sp>
+      <p:sp>
+        <p:nvSpPr>
+          <p:cNvPr id="23" name="직사각형 22"/>
+          <p:cNvSpPr/>
+          <p:nvPr/>
+        </p:nvSpPr>
+        <p:spPr>
+          <a:xfrm>
+            <a:off x="652845" y="5548194"/>
+            <a:ext cx="654909" cy="469555"/>
+          </a:xfrm>
+          <a:prstGeom prst="rect">
+            <a:avLst/>
+          </a:prstGeom>
+          <a:solidFill>
+            <a:srgbClr val="1ADADA"/>
+          </a:solidFill>
+          <a:ln>
+            <a:solidFill>
+              <a:srgbClr val="1ADADA"/>
+            </a:solidFill>
+          </a:ln>
+        </p:spPr>
+        <p:style>
+          <a:lnRef idx="2">
+            <a:schemeClr val="accent6">
+              <a:shade val="50000"/>
+            </a:schemeClr>
+          </a:lnRef>
+          <a:fillRef idx="1">
+            <a:schemeClr val="accent6"/>
+          </a:fillRef>
+          <a:effectRef idx="0">
+            <a:schemeClr val="accent6"/>
+          </a:effectRef>
+          <a:fontRef idx="minor">
+            <a:schemeClr val="lt1"/>
+          </a:fontRef>
+        </p:style>
+        <p:txBody>
+          <a:bodyPr rtlCol="0" anchor="ctr"/>
+          <a:lstStyle/>
+          <a:p>
+            <a:pPr algn="ctr"/>
+            <a:r>
+              <a:rPr lang="en-US" altLang="ko-KR" dirty="0" err="1" smtClean="0"/>
+              <a:t>em</a:t>
+            </a:r>
+            <a:endParaRPr lang="ko-KR" altLang="en-US" dirty="0"/>
+          </a:p>
+        </p:txBody>
+      </p:sp>
+      <p:sp>
+        <p:nvSpPr>
+          <p:cNvPr id="24" name="직사각형 23"/>
+          <p:cNvSpPr/>
+          <p:nvPr/>
+        </p:nvSpPr>
+        <p:spPr>
+          <a:xfrm>
+            <a:off x="8241953" y="4782071"/>
+            <a:ext cx="654909" cy="469555"/>
+          </a:xfrm>
+          <a:prstGeom prst="rect">
+            <a:avLst/>
+          </a:prstGeom>
+          <a:solidFill>
+            <a:srgbClr val="1ADADA"/>
+          </a:solidFill>
+          <a:ln>
+            <a:solidFill>
+              <a:srgbClr val="1ADADA"/>
+            </a:solidFill>
+          </a:ln>
+        </p:spPr>
+        <p:style>
+          <a:lnRef idx="2">
+            <a:schemeClr val="accent6">
+              <a:shade val="50000"/>
+            </a:schemeClr>
+          </a:lnRef>
+          <a:fillRef idx="1">
+            <a:schemeClr val="accent6"/>
+          </a:fillRef>
+          <a:effectRef idx="0">
+            <a:schemeClr val="accent6"/>
+          </a:effectRef>
+          <a:fontRef idx="minor">
+            <a:schemeClr val="lt1"/>
+          </a:fontRef>
+        </p:style>
+        <p:txBody>
+          <a:bodyPr rtlCol="0" anchor="ctr"/>
+          <a:lstStyle/>
+          <a:p>
+            <a:pPr algn="ctr"/>
+            <a:r>
+              <a:rPr lang="en-US" altLang="ko-KR" dirty="0" smtClean="0"/>
+              <a:t>li</a:t>
+            </a:r>
+            <a:endParaRPr lang="ko-KR" altLang="en-US" dirty="0"/>
+          </a:p>
+        </p:txBody>
+      </p:sp>
+      <p:sp>
+        <p:nvSpPr>
+          <p:cNvPr id="25" name="직사각형 24"/>
+          <p:cNvSpPr/>
+          <p:nvPr/>
+        </p:nvSpPr>
+        <p:spPr>
+          <a:xfrm>
+            <a:off x="6157783" y="3155093"/>
+            <a:ext cx="654909" cy="469555"/>
+          </a:xfrm>
+          <a:prstGeom prst="rect">
+            <a:avLst/>
+          </a:prstGeom>
+          <a:solidFill>
+            <a:srgbClr val="1ADADA"/>
+          </a:solidFill>
+          <a:ln>
+            <a:solidFill>
+              <a:srgbClr val="1ADADA"/>
+            </a:solidFill>
+          </a:ln>
+        </p:spPr>
+        <p:style>
+          <a:lnRef idx="2">
+            <a:schemeClr val="accent6">
+              <a:shade val="50000"/>
+            </a:schemeClr>
+          </a:lnRef>
+          <a:fillRef idx="1">
+            <a:schemeClr val="accent6"/>
+          </a:fillRef>
+          <a:effectRef idx="0">
+            <a:schemeClr val="accent6"/>
+          </a:effectRef>
+          <a:fontRef idx="minor">
+            <a:schemeClr val="lt1"/>
+          </a:fontRef>
+        </p:style>
+        <p:txBody>
+          <a:bodyPr rtlCol="0" anchor="ctr"/>
+          <a:lstStyle/>
+          <a:p>
+            <a:pPr algn="ctr"/>
+            <a:r>
+              <a:rPr lang="en-US" altLang="ko-KR" dirty="0" err="1" smtClean="0"/>
+              <a:t>ul</a:t>
+            </a:r>
+            <a:endParaRPr lang="ko-KR" altLang="en-US" dirty="0"/>
+          </a:p>
+        </p:txBody>
+      </p:sp>
+      <p:sp>
+        <p:nvSpPr>
+          <p:cNvPr id="26" name="직사각형 25"/>
+          <p:cNvSpPr/>
+          <p:nvPr/>
+        </p:nvSpPr>
+        <p:spPr>
+          <a:xfrm>
+            <a:off x="4403123" y="3155092"/>
+            <a:ext cx="654909" cy="469555"/>
+          </a:xfrm>
+          <a:prstGeom prst="rect">
+            <a:avLst/>
+          </a:prstGeom>
+          <a:solidFill>
+            <a:srgbClr val="1ADADA"/>
+          </a:solidFill>
+          <a:ln>
+            <a:solidFill>
+              <a:srgbClr val="1ADADA"/>
+            </a:solidFill>
+          </a:ln>
+        </p:spPr>
+        <p:style>
+          <a:lnRef idx="2">
+            <a:schemeClr val="accent6">
+              <a:shade val="50000"/>
+            </a:schemeClr>
+          </a:lnRef>
+          <a:fillRef idx="1">
+            <a:schemeClr val="accent6"/>
+          </a:fillRef>
+          <a:effectRef idx="0">
+            <a:schemeClr val="accent6"/>
+          </a:effectRef>
+          <a:fontRef idx="minor">
+            <a:schemeClr val="lt1"/>
+          </a:fontRef>
+        </p:style>
+        <p:txBody>
+          <a:bodyPr rtlCol="0" anchor="ctr"/>
+          <a:lstStyle/>
+          <a:p>
+            <a:pPr algn="ctr"/>
+            <a:r>
+              <a:rPr lang="en-US" altLang="ko-KR" dirty="0" smtClean="0"/>
+              <a:t>h2</a:t>
+            </a:r>
+            <a:endParaRPr lang="ko-KR" altLang="en-US" dirty="0"/>
+          </a:p>
+        </p:txBody>
+      </p:sp>
+      <p:sp>
+        <p:nvSpPr>
+          <p:cNvPr id="27" name="직사각형 26"/>
+          <p:cNvSpPr/>
+          <p:nvPr/>
+        </p:nvSpPr>
+        <p:spPr>
+          <a:xfrm>
+            <a:off x="1071950" y="4790310"/>
+            <a:ext cx="654909" cy="469555"/>
+          </a:xfrm>
+          <a:prstGeom prst="rect">
+            <a:avLst/>
+          </a:prstGeom>
+          <a:solidFill>
+            <a:srgbClr val="1ADADA"/>
+          </a:solidFill>
+          <a:ln>
+            <a:solidFill>
+              <a:srgbClr val="1ADADA"/>
+            </a:solidFill>
+          </a:ln>
+        </p:spPr>
+        <p:style>
+          <a:lnRef idx="2">
+            <a:schemeClr val="accent6">
+              <a:shade val="50000"/>
+            </a:schemeClr>
+          </a:lnRef>
+          <a:fillRef idx="1">
+            <a:schemeClr val="accent6"/>
+          </a:fillRef>
+          <a:effectRef idx="0">
+            <a:schemeClr val="accent6"/>
+          </a:effectRef>
+          <a:fontRef idx="minor">
+            <a:schemeClr val="lt1"/>
+          </a:fontRef>
+        </p:style>
+        <p:txBody>
+          <a:bodyPr rtlCol="0" anchor="ctr"/>
+          <a:lstStyle/>
+          <a:p>
+            <a:pPr algn="ctr"/>
+            <a:r>
+              <a:rPr lang="en-US" altLang="ko-KR" dirty="0" smtClean="0"/>
+              <a:t>li</a:t>
+            </a:r>
+            <a:endParaRPr lang="ko-KR" altLang="en-US" dirty="0"/>
+          </a:p>
+        </p:txBody>
+      </p:sp>
+      <p:sp>
+        <p:nvSpPr>
+          <p:cNvPr id="28" name="직사각형 27"/>
+          <p:cNvSpPr/>
+          <p:nvPr/>
+        </p:nvSpPr>
+        <p:spPr>
+          <a:xfrm>
+            <a:off x="7401697" y="2290121"/>
+            <a:ext cx="745525" cy="469555"/>
+          </a:xfrm>
+          <a:prstGeom prst="rect">
+            <a:avLst/>
+          </a:prstGeom>
+          <a:solidFill>
+            <a:srgbClr val="EA34A9"/>
+          </a:solidFill>
+          <a:ln>
+            <a:solidFill>
+              <a:srgbClr val="FF0000"/>
+            </a:solidFill>
+          </a:ln>
+        </p:spPr>
+        <p:style>
+          <a:lnRef idx="2">
+            <a:schemeClr val="accent2">
+              <a:shade val="50000"/>
+            </a:schemeClr>
+          </a:lnRef>
+          <a:fillRef idx="1">
+            <a:schemeClr val="accent2"/>
+          </a:fillRef>
+          <a:effectRef idx="0">
+            <a:schemeClr val="accent2"/>
+          </a:effectRef>
+          <a:fontRef idx="minor">
+            <a:schemeClr val="lt1"/>
+          </a:fontRef>
+        </p:style>
+        <p:txBody>
+          <a:bodyPr rtlCol="0" anchor="ctr"/>
+          <a:lstStyle/>
+          <a:p>
+            <a:pPr algn="ctr"/>
+            <a:r>
+              <a:rPr lang="ko-KR" altLang="en-US" dirty="0" smtClean="0"/>
+              <a:t>특성</a:t>
+            </a:r>
+            <a:endParaRPr lang="ko-KR" altLang="en-US" dirty="0"/>
+          </a:p>
+        </p:txBody>
+      </p:sp>
+      <p:sp>
+        <p:nvSpPr>
+          <p:cNvPr id="29" name="직사각형 28"/>
+          <p:cNvSpPr/>
+          <p:nvPr/>
+        </p:nvSpPr>
+        <p:spPr>
+          <a:xfrm>
+            <a:off x="4487559" y="4790306"/>
+            <a:ext cx="745525" cy="469555"/>
+          </a:xfrm>
+          <a:prstGeom prst="rect">
+            <a:avLst/>
+          </a:prstGeom>
+          <a:solidFill>
+            <a:srgbClr val="EA34A9"/>
+          </a:solidFill>
+          <a:ln>
+            <a:solidFill>
+              <a:srgbClr val="FF0000"/>
+            </a:solidFill>
+          </a:ln>
+        </p:spPr>
+        <p:style>
+          <a:lnRef idx="2">
+            <a:schemeClr val="accent2">
+              <a:shade val="50000"/>
+            </a:schemeClr>
+          </a:lnRef>
+          <a:fillRef idx="1">
+            <a:schemeClr val="accent2"/>
+          </a:fillRef>
+          <a:effectRef idx="0">
+            <a:schemeClr val="accent2"/>
+          </a:effectRef>
+          <a:fontRef idx="minor">
+            <a:schemeClr val="lt1"/>
+          </a:fontRef>
+        </p:style>
+        <p:txBody>
+          <a:bodyPr rtlCol="0" anchor="ctr"/>
+          <a:lstStyle/>
+          <a:p>
+            <a:pPr algn="ctr"/>
+            <a:r>
+              <a:rPr lang="ko-KR" altLang="en-US" dirty="0" smtClean="0"/>
+              <a:t>특성</a:t>
+            </a:r>
+            <a:endParaRPr lang="ko-KR" altLang="en-US" dirty="0"/>
+          </a:p>
+        </p:txBody>
+      </p:sp>
+      <p:sp>
+        <p:nvSpPr>
+          <p:cNvPr id="30" name="직사각형 29"/>
+          <p:cNvSpPr/>
+          <p:nvPr/>
+        </p:nvSpPr>
+        <p:spPr>
+          <a:xfrm>
+            <a:off x="2150074" y="4790306"/>
+            <a:ext cx="745525" cy="469555"/>
+          </a:xfrm>
+          <a:prstGeom prst="rect">
+            <a:avLst/>
+          </a:prstGeom>
+          <a:solidFill>
+            <a:srgbClr val="EA34A9"/>
+          </a:solidFill>
+          <a:ln>
+            <a:solidFill>
+              <a:srgbClr val="FF0000"/>
+            </a:solidFill>
+          </a:ln>
+        </p:spPr>
+        <p:style>
+          <a:lnRef idx="2">
+            <a:schemeClr val="accent2">
+              <a:shade val="50000"/>
+            </a:schemeClr>
+          </a:lnRef>
+          <a:fillRef idx="1">
+            <a:schemeClr val="accent2"/>
+          </a:fillRef>
+          <a:effectRef idx="0">
+            <a:schemeClr val="accent2"/>
+          </a:effectRef>
+          <a:fontRef idx="minor">
+            <a:schemeClr val="lt1"/>
+          </a:fontRef>
+        </p:style>
+        <p:txBody>
+          <a:bodyPr rtlCol="0" anchor="ctr"/>
+          <a:lstStyle/>
+          <a:p>
+            <a:pPr algn="ctr"/>
+            <a:r>
+              <a:rPr lang="ko-KR" altLang="en-US" dirty="0" smtClean="0"/>
+              <a:t>특성</a:t>
+            </a:r>
+            <a:endParaRPr lang="ko-KR" altLang="en-US" dirty="0"/>
+          </a:p>
+        </p:txBody>
+      </p:sp>
+      <p:sp>
+        <p:nvSpPr>
+          <p:cNvPr id="31" name="직사각형 30"/>
+          <p:cNvSpPr/>
+          <p:nvPr/>
+        </p:nvSpPr>
+        <p:spPr>
+          <a:xfrm>
+            <a:off x="3113899" y="3155092"/>
+            <a:ext cx="745525" cy="469555"/>
+          </a:xfrm>
+          <a:prstGeom prst="rect">
+            <a:avLst/>
+          </a:prstGeom>
+          <a:solidFill>
+            <a:srgbClr val="EA34A9"/>
+          </a:solidFill>
+          <a:ln>
+            <a:solidFill>
+              <a:srgbClr val="FF0000"/>
+            </a:solidFill>
+          </a:ln>
+        </p:spPr>
+        <p:style>
+          <a:lnRef idx="2">
+            <a:schemeClr val="accent2">
+              <a:shade val="50000"/>
+            </a:schemeClr>
+          </a:lnRef>
+          <a:fillRef idx="1">
+            <a:schemeClr val="accent2"/>
+          </a:fillRef>
+          <a:effectRef idx="0">
+            <a:schemeClr val="accent2"/>
+          </a:effectRef>
+          <a:fontRef idx="minor">
+            <a:schemeClr val="lt1"/>
+          </a:fontRef>
+        </p:style>
+        <p:txBody>
+          <a:bodyPr rtlCol="0" anchor="ctr"/>
+          <a:lstStyle/>
+          <a:p>
+            <a:pPr algn="ctr"/>
+            <a:r>
+              <a:rPr lang="ko-KR" altLang="en-US" dirty="0" smtClean="0"/>
+              <a:t>특성</a:t>
+            </a:r>
+            <a:endParaRPr lang="ko-KR" altLang="en-US" dirty="0"/>
+          </a:p>
+        </p:txBody>
+      </p:sp>
+      <p:sp>
+        <p:nvSpPr>
+          <p:cNvPr id="32" name="직사각형 31"/>
+          <p:cNvSpPr/>
+          <p:nvPr/>
+        </p:nvSpPr>
+        <p:spPr>
+          <a:xfrm>
+            <a:off x="9298458" y="3155094"/>
+            <a:ext cx="745525" cy="469555"/>
+          </a:xfrm>
+          <a:prstGeom prst="rect">
+            <a:avLst/>
+          </a:prstGeom>
+          <a:solidFill>
+            <a:srgbClr val="EA34A9"/>
+          </a:solidFill>
+          <a:ln>
+            <a:solidFill>
+              <a:srgbClr val="FF0000"/>
+            </a:solidFill>
+          </a:ln>
+        </p:spPr>
+        <p:style>
+          <a:lnRef idx="2">
+            <a:schemeClr val="accent2">
+              <a:shade val="50000"/>
+            </a:schemeClr>
+          </a:lnRef>
+          <a:fillRef idx="1">
+            <a:schemeClr val="accent2"/>
+          </a:fillRef>
+          <a:effectRef idx="0">
+            <a:schemeClr val="accent2"/>
+          </a:effectRef>
+          <a:fontRef idx="minor">
+            <a:schemeClr val="lt1"/>
+          </a:fontRef>
+        </p:style>
+        <p:txBody>
+          <a:bodyPr rtlCol="0" anchor="ctr"/>
+          <a:lstStyle/>
+          <a:p>
+            <a:pPr algn="ctr"/>
+            <a:r>
+              <a:rPr lang="ko-KR" altLang="en-US" dirty="0" smtClean="0"/>
+              <a:t>특성</a:t>
+            </a:r>
+            <a:endParaRPr lang="ko-KR" altLang="en-US" dirty="0"/>
+          </a:p>
+        </p:txBody>
+      </p:sp>
+      <p:sp>
+        <p:nvSpPr>
+          <p:cNvPr id="33" name="직사각형 32"/>
+          <p:cNvSpPr/>
+          <p:nvPr/>
+        </p:nvSpPr>
+        <p:spPr>
+          <a:xfrm>
+            <a:off x="7154560" y="4782070"/>
+            <a:ext cx="745525" cy="469555"/>
+          </a:xfrm>
+          <a:prstGeom prst="rect">
+            <a:avLst/>
+          </a:prstGeom>
+          <a:solidFill>
+            <a:srgbClr val="EA34A9"/>
+          </a:solidFill>
+          <a:ln>
+            <a:solidFill>
+              <a:srgbClr val="FF0000"/>
+            </a:solidFill>
+          </a:ln>
+        </p:spPr>
+        <p:style>
+          <a:lnRef idx="2">
+            <a:schemeClr val="accent2">
+              <a:shade val="50000"/>
+            </a:schemeClr>
+          </a:lnRef>
+          <a:fillRef idx="1">
+            <a:schemeClr val="accent2"/>
+          </a:fillRef>
+          <a:effectRef idx="0">
+            <a:schemeClr val="accent2"/>
+          </a:effectRef>
+          <a:fontRef idx="minor">
+            <a:schemeClr val="lt1"/>
+          </a:fontRef>
+        </p:style>
+        <p:txBody>
+          <a:bodyPr rtlCol="0" anchor="ctr"/>
+          <a:lstStyle/>
+          <a:p>
+            <a:pPr algn="ctr"/>
+            <a:r>
+              <a:rPr lang="ko-KR" altLang="en-US" dirty="0" smtClean="0"/>
+              <a:t>특성</a:t>
+            </a:r>
+            <a:endParaRPr lang="ko-KR" altLang="en-US" dirty="0"/>
+          </a:p>
+        </p:txBody>
+      </p:sp>
+      <p:sp>
+        <p:nvSpPr>
+          <p:cNvPr id="34" name="직사각형 33"/>
+          <p:cNvSpPr/>
+          <p:nvPr/>
+        </p:nvSpPr>
+        <p:spPr>
+          <a:xfrm>
+            <a:off x="9292278" y="4782070"/>
+            <a:ext cx="745525" cy="469555"/>
+          </a:xfrm>
+          <a:prstGeom prst="rect">
+            <a:avLst/>
+          </a:prstGeom>
+          <a:solidFill>
+            <a:srgbClr val="EA34A9"/>
+          </a:solidFill>
+          <a:ln>
+            <a:solidFill>
+              <a:srgbClr val="FF0000"/>
+            </a:solidFill>
+          </a:ln>
+        </p:spPr>
+        <p:style>
+          <a:lnRef idx="2">
+            <a:schemeClr val="accent2">
+              <a:shade val="50000"/>
+            </a:schemeClr>
+          </a:lnRef>
+          <a:fillRef idx="1">
+            <a:schemeClr val="accent2"/>
+          </a:fillRef>
+          <a:effectRef idx="0">
+            <a:schemeClr val="accent2"/>
+          </a:effectRef>
+          <a:fontRef idx="minor">
+            <a:schemeClr val="lt1"/>
+          </a:fontRef>
+        </p:style>
+        <p:txBody>
+          <a:bodyPr rtlCol="0" anchor="ctr"/>
+          <a:lstStyle/>
+          <a:p>
+            <a:pPr algn="ctr"/>
+            <a:r>
+              <a:rPr lang="ko-KR" altLang="en-US" dirty="0" smtClean="0"/>
+              <a:t>특성</a:t>
+            </a:r>
+            <a:endParaRPr lang="ko-KR" altLang="en-US" dirty="0"/>
+          </a:p>
+        </p:txBody>
+      </p:sp>
+      <p:sp>
+        <p:nvSpPr>
+          <p:cNvPr id="35" name="직사각형 34"/>
+          <p:cNvSpPr/>
+          <p:nvPr/>
+        </p:nvSpPr>
+        <p:spPr>
+          <a:xfrm>
+            <a:off x="2195383" y="3820297"/>
+            <a:ext cx="654909" cy="469555"/>
+          </a:xfrm>
+          <a:prstGeom prst="rect">
+            <a:avLst/>
+          </a:prstGeom>
+          <a:solidFill>
+            <a:srgbClr val="0066FF"/>
+          </a:solidFill>
+          <a:ln>
+            <a:solidFill>
+              <a:srgbClr val="7030A0"/>
+            </a:solidFill>
+          </a:ln>
+        </p:spPr>
+        <p:style>
+          <a:lnRef idx="2">
+            <a:schemeClr val="accent6">
+              <a:shade val="50000"/>
+            </a:schemeClr>
+          </a:lnRef>
+          <a:fillRef idx="1">
+            <a:schemeClr val="accent6"/>
+          </a:fillRef>
+          <a:effectRef idx="0">
+            <a:schemeClr val="accent6"/>
+          </a:effectRef>
+          <a:fontRef idx="minor">
+            <a:schemeClr val="lt1"/>
+          </a:fontRef>
+        </p:style>
+        <p:txBody>
+          <a:bodyPr rtlCol="0" anchor="ctr"/>
+          <a:lstStyle/>
+          <a:p>
+            <a:pPr algn="ctr"/>
+            <a:r>
+              <a:rPr lang="ko-KR" altLang="en-US" sz="1200" dirty="0" smtClean="0"/>
+              <a:t>텍스트</a:t>
+            </a:r>
+            <a:endParaRPr lang="ko-KR" altLang="en-US" dirty="0"/>
+          </a:p>
+        </p:txBody>
+      </p:sp>
+      <p:sp>
+        <p:nvSpPr>
+          <p:cNvPr id="36" name="직사각형 35"/>
+          <p:cNvSpPr/>
+          <p:nvPr/>
+        </p:nvSpPr>
+        <p:spPr>
+          <a:xfrm>
+            <a:off x="8248131" y="5523483"/>
+            <a:ext cx="654909" cy="469555"/>
+          </a:xfrm>
+          <a:prstGeom prst="rect">
+            <a:avLst/>
+          </a:prstGeom>
+          <a:solidFill>
+            <a:srgbClr val="0066FF"/>
+          </a:solidFill>
+          <a:ln>
+            <a:solidFill>
+              <a:srgbClr val="7030A0"/>
+            </a:solidFill>
+          </a:ln>
+        </p:spPr>
+        <p:style>
+          <a:lnRef idx="2">
+            <a:schemeClr val="accent6">
+              <a:shade val="50000"/>
+            </a:schemeClr>
+          </a:lnRef>
+          <a:fillRef idx="1">
+            <a:schemeClr val="accent6"/>
+          </a:fillRef>
+          <a:effectRef idx="0">
+            <a:schemeClr val="accent6"/>
+          </a:effectRef>
+          <a:fontRef idx="minor">
+            <a:schemeClr val="lt1"/>
+          </a:fontRef>
+        </p:style>
+        <p:txBody>
+          <a:bodyPr rtlCol="0" anchor="ctr"/>
+          <a:lstStyle/>
+          <a:p>
+            <a:pPr algn="ctr"/>
+            <a:r>
+              <a:rPr lang="ko-KR" altLang="en-US" sz="1200" dirty="0" smtClean="0"/>
+              <a:t>텍스트</a:t>
+            </a:r>
+            <a:endParaRPr lang="ko-KR" altLang="en-US" dirty="0"/>
+          </a:p>
+        </p:txBody>
+      </p:sp>
+      <p:sp>
+        <p:nvSpPr>
+          <p:cNvPr id="37" name="직사각형 36"/>
+          <p:cNvSpPr/>
+          <p:nvPr/>
+        </p:nvSpPr>
+        <p:spPr>
+          <a:xfrm>
+            <a:off x="6157782" y="5531721"/>
+            <a:ext cx="654909" cy="469555"/>
+          </a:xfrm>
+          <a:prstGeom prst="rect">
+            <a:avLst/>
+          </a:prstGeom>
+          <a:solidFill>
+            <a:srgbClr val="0066FF"/>
+          </a:solidFill>
+          <a:ln>
+            <a:solidFill>
+              <a:srgbClr val="7030A0"/>
+            </a:solidFill>
+          </a:ln>
+        </p:spPr>
+        <p:style>
+          <a:lnRef idx="2">
+            <a:schemeClr val="accent6">
+              <a:shade val="50000"/>
+            </a:schemeClr>
+          </a:lnRef>
+          <a:fillRef idx="1">
+            <a:schemeClr val="accent6"/>
+          </a:fillRef>
+          <a:effectRef idx="0">
+            <a:schemeClr val="accent6"/>
+          </a:effectRef>
+          <a:fontRef idx="minor">
+            <a:schemeClr val="lt1"/>
+          </a:fontRef>
+        </p:style>
+        <p:txBody>
+          <a:bodyPr rtlCol="0" anchor="ctr"/>
+          <a:lstStyle/>
+          <a:p>
+            <a:pPr algn="ctr"/>
+            <a:r>
+              <a:rPr lang="ko-KR" altLang="en-US" sz="1200" dirty="0" smtClean="0"/>
+              <a:t>텍스트</a:t>
+            </a:r>
+            <a:endParaRPr lang="ko-KR" altLang="en-US" dirty="0"/>
+          </a:p>
+        </p:txBody>
+      </p:sp>
+      <p:sp>
+        <p:nvSpPr>
+          <p:cNvPr id="38" name="직사각형 37"/>
+          <p:cNvSpPr/>
+          <p:nvPr/>
+        </p:nvSpPr>
+        <p:spPr>
+          <a:xfrm>
+            <a:off x="3425911" y="5539958"/>
+            <a:ext cx="654909" cy="469555"/>
+          </a:xfrm>
+          <a:prstGeom prst="rect">
+            <a:avLst/>
+          </a:prstGeom>
+          <a:solidFill>
+            <a:srgbClr val="0066FF"/>
+          </a:solidFill>
+          <a:ln>
+            <a:solidFill>
+              <a:srgbClr val="7030A0"/>
+            </a:solidFill>
+          </a:ln>
+        </p:spPr>
+        <p:style>
+          <a:lnRef idx="2">
+            <a:schemeClr val="accent6">
+              <a:shade val="50000"/>
+            </a:schemeClr>
+          </a:lnRef>
+          <a:fillRef idx="1">
+            <a:schemeClr val="accent6"/>
+          </a:fillRef>
+          <a:effectRef idx="0">
+            <a:schemeClr val="accent6"/>
+          </a:effectRef>
+          <a:fontRef idx="minor">
+            <a:schemeClr val="lt1"/>
+          </a:fontRef>
+        </p:style>
+        <p:txBody>
+          <a:bodyPr rtlCol="0" anchor="ctr"/>
+          <a:lstStyle/>
+          <a:p>
+            <a:pPr algn="ctr"/>
+            <a:r>
+              <a:rPr lang="ko-KR" altLang="en-US" sz="1200" dirty="0" smtClean="0"/>
+              <a:t>텍스트</a:t>
+            </a:r>
+            <a:endParaRPr lang="ko-KR" altLang="en-US" dirty="0"/>
+          </a:p>
+        </p:txBody>
+      </p:sp>
+      <p:sp>
+        <p:nvSpPr>
+          <p:cNvPr id="39" name="직사각형 38"/>
+          <p:cNvSpPr/>
+          <p:nvPr/>
+        </p:nvSpPr>
+        <p:spPr>
+          <a:xfrm>
+            <a:off x="4403122" y="3820298"/>
+            <a:ext cx="654909" cy="469555"/>
+          </a:xfrm>
+          <a:prstGeom prst="rect">
+            <a:avLst/>
+          </a:prstGeom>
+          <a:solidFill>
+            <a:srgbClr val="0066FF"/>
+          </a:solidFill>
+          <a:ln>
+            <a:solidFill>
+              <a:srgbClr val="7030A0"/>
+            </a:solidFill>
+          </a:ln>
+        </p:spPr>
+        <p:style>
+          <a:lnRef idx="2">
+            <a:schemeClr val="accent6">
+              <a:shade val="50000"/>
+            </a:schemeClr>
+          </a:lnRef>
+          <a:fillRef idx="1">
+            <a:schemeClr val="accent6"/>
+          </a:fillRef>
+          <a:effectRef idx="0">
+            <a:schemeClr val="accent6"/>
+          </a:effectRef>
+          <a:fontRef idx="minor">
+            <a:schemeClr val="lt1"/>
+          </a:fontRef>
+        </p:style>
+        <p:txBody>
+          <a:bodyPr rtlCol="0" anchor="ctr"/>
+          <a:lstStyle/>
+          <a:p>
+            <a:pPr algn="ctr"/>
+            <a:r>
+              <a:rPr lang="ko-KR" altLang="en-US" sz="1200" dirty="0" smtClean="0"/>
+              <a:t>텍스트</a:t>
+            </a:r>
+            <a:endParaRPr lang="ko-KR" altLang="en-US" dirty="0"/>
+          </a:p>
+        </p:txBody>
+      </p:sp>
+      <p:sp>
+        <p:nvSpPr>
+          <p:cNvPr id="40" name="직사각형 39"/>
+          <p:cNvSpPr/>
+          <p:nvPr/>
+        </p:nvSpPr>
+        <p:spPr>
+          <a:xfrm>
+            <a:off x="1468393" y="5539958"/>
+            <a:ext cx="654909" cy="469555"/>
+          </a:xfrm>
+          <a:prstGeom prst="rect">
+            <a:avLst/>
+          </a:prstGeom>
+          <a:solidFill>
+            <a:srgbClr val="0066FF"/>
+          </a:solidFill>
+          <a:ln>
+            <a:solidFill>
+              <a:srgbClr val="7030A0"/>
+            </a:solidFill>
+          </a:ln>
+        </p:spPr>
+        <p:style>
+          <a:lnRef idx="2">
+            <a:schemeClr val="accent6">
+              <a:shade val="50000"/>
+            </a:schemeClr>
+          </a:lnRef>
+          <a:fillRef idx="1">
+            <a:schemeClr val="accent6"/>
+          </a:fillRef>
+          <a:effectRef idx="0">
+            <a:schemeClr val="accent6"/>
+          </a:effectRef>
+          <a:fontRef idx="minor">
+            <a:schemeClr val="lt1"/>
+          </a:fontRef>
+        </p:style>
+        <p:txBody>
+          <a:bodyPr rtlCol="0" anchor="ctr"/>
+          <a:lstStyle/>
+          <a:p>
+            <a:pPr algn="ctr"/>
+            <a:r>
+              <a:rPr lang="ko-KR" altLang="en-US" sz="1200" dirty="0" smtClean="0"/>
+              <a:t>텍스트</a:t>
+            </a:r>
+            <a:endParaRPr lang="ko-KR" altLang="en-US" dirty="0"/>
+          </a:p>
+        </p:txBody>
+      </p:sp>
+      <p:sp>
+        <p:nvSpPr>
+          <p:cNvPr id="41" name="직사각형 40"/>
+          <p:cNvSpPr/>
+          <p:nvPr/>
+        </p:nvSpPr>
+        <p:spPr>
+          <a:xfrm>
+            <a:off x="652844" y="6198982"/>
+            <a:ext cx="654909" cy="469555"/>
+          </a:xfrm>
+          <a:prstGeom prst="rect">
+            <a:avLst/>
+          </a:prstGeom>
+          <a:solidFill>
+            <a:srgbClr val="0066FF"/>
+          </a:solidFill>
+          <a:ln>
+            <a:solidFill>
+              <a:srgbClr val="7030A0"/>
+            </a:solidFill>
+          </a:ln>
+        </p:spPr>
+        <p:style>
+          <a:lnRef idx="2">
+            <a:schemeClr val="accent6">
+              <a:shade val="50000"/>
+            </a:schemeClr>
+          </a:lnRef>
+          <a:fillRef idx="1">
+            <a:schemeClr val="accent6"/>
+          </a:fillRef>
+          <a:effectRef idx="0">
+            <a:schemeClr val="accent6"/>
+          </a:effectRef>
+          <a:fontRef idx="minor">
+            <a:schemeClr val="lt1"/>
+          </a:fontRef>
+        </p:style>
+        <p:txBody>
+          <a:bodyPr rtlCol="0" anchor="ctr"/>
+          <a:lstStyle/>
+          <a:p>
+            <a:pPr algn="ctr"/>
+            <a:r>
+              <a:rPr lang="ko-KR" altLang="en-US" sz="1200" dirty="0" smtClean="0"/>
+              <a:t>텍스트</a:t>
+            </a:r>
+            <a:endParaRPr lang="ko-KR" altLang="en-US" dirty="0"/>
+          </a:p>
+        </p:txBody>
+      </p:sp>
+      <p:cxnSp>
+        <p:nvCxnSpPr>
+          <p:cNvPr id="43" name="직선 연결선 42"/>
+          <p:cNvCxnSpPr>
+            <a:stCxn id="2" idx="2"/>
+            <a:endCxn id="16" idx="0"/>
+          </p:cNvCxnSpPr>
+          <p:nvPr/>
+        </p:nvCxnSpPr>
+        <p:spPr>
+          <a:xfrm>
+            <a:off x="5935362" y="749650"/>
+            <a:ext cx="0" cy="189469"/>
+          </a:xfrm>
+          <a:prstGeom prst="line">
+            <a:avLst/>
+          </a:prstGeom>
+          <a:ln w="38100">
+            <a:solidFill>
+              <a:schemeClr val="tx1">
+                <a:lumMod val="50000"/>
+                <a:lumOff val="50000"/>
+              </a:schemeClr>
+            </a:solidFill>
+          </a:ln>
+        </p:spPr>
+        <p:style>
+          <a:lnRef idx="1">
+            <a:schemeClr val="accent1"/>
+          </a:lnRef>
+          <a:fillRef idx="0">
+            <a:schemeClr val="accent1"/>
+          </a:fillRef>
+          <a:effectRef idx="0">
+            <a:schemeClr val="accent1"/>
+          </a:effectRef>
+          <a:fontRef idx="minor">
+            <a:schemeClr val="tx1"/>
+          </a:fontRef>
+        </p:style>
+      </p:cxnSp>
+      <p:cxnSp>
+        <p:nvCxnSpPr>
+          <p:cNvPr id="46" name="직선 연결선 45"/>
+          <p:cNvCxnSpPr>
+            <a:stCxn id="21" idx="2"/>
+            <a:endCxn id="37" idx="0"/>
+          </p:cNvCxnSpPr>
+          <p:nvPr/>
+        </p:nvCxnSpPr>
+        <p:spPr>
+          <a:xfrm>
+            <a:off x="6485237" y="5251625"/>
+            <a:ext cx="0" cy="280096"/>
+          </a:xfrm>
+          <a:prstGeom prst="line">
+            <a:avLst/>
+          </a:prstGeom>
+          <a:ln w="38100">
+            <a:solidFill>
+              <a:schemeClr val="tx1">
+                <a:lumMod val="50000"/>
+                <a:lumOff val="50000"/>
+              </a:schemeClr>
+            </a:solidFill>
+          </a:ln>
+        </p:spPr>
+        <p:style>
+          <a:lnRef idx="1">
+            <a:schemeClr val="accent1"/>
+          </a:lnRef>
+          <a:fillRef idx="0">
+            <a:schemeClr val="accent1"/>
+          </a:fillRef>
+          <a:effectRef idx="0">
+            <a:schemeClr val="accent1"/>
+          </a:effectRef>
+          <a:fontRef idx="minor">
+            <a:schemeClr val="tx1"/>
+          </a:fontRef>
+        </p:style>
+      </p:cxnSp>
+      <p:cxnSp>
+        <p:nvCxnSpPr>
+          <p:cNvPr id="47" name="직선 연결선 46"/>
+          <p:cNvCxnSpPr>
+            <a:stCxn id="17" idx="2"/>
+            <a:endCxn id="18" idx="0"/>
+          </p:cNvCxnSpPr>
+          <p:nvPr/>
+        </p:nvCxnSpPr>
+        <p:spPr>
+          <a:xfrm>
+            <a:off x="5935362" y="2084175"/>
+            <a:ext cx="0" cy="205946"/>
+          </a:xfrm>
+          <a:prstGeom prst="line">
+            <a:avLst/>
+          </a:prstGeom>
+          <a:ln w="38100">
+            <a:solidFill>
+              <a:schemeClr val="tx1">
+                <a:lumMod val="50000"/>
+                <a:lumOff val="50000"/>
+              </a:schemeClr>
+            </a:solidFill>
+          </a:ln>
+        </p:spPr>
+        <p:style>
+          <a:lnRef idx="1">
+            <a:schemeClr val="accent1"/>
+          </a:lnRef>
+          <a:fillRef idx="0">
+            <a:schemeClr val="accent1"/>
+          </a:fillRef>
+          <a:effectRef idx="0">
+            <a:schemeClr val="accent1"/>
+          </a:effectRef>
+          <a:fontRef idx="minor">
+            <a:schemeClr val="tx1"/>
+          </a:fontRef>
+        </p:style>
+      </p:cxnSp>
+      <p:cxnSp>
+        <p:nvCxnSpPr>
+          <p:cNvPr id="48" name="직선 연결선 47"/>
+          <p:cNvCxnSpPr>
+            <a:stCxn id="19" idx="3"/>
+            <a:endCxn id="32" idx="1"/>
+          </p:cNvCxnSpPr>
+          <p:nvPr/>
+        </p:nvCxnSpPr>
+        <p:spPr>
+          <a:xfrm flipV="1">
+            <a:off x="9020432" y="3389872"/>
+            <a:ext cx="278026" cy="1"/>
+          </a:xfrm>
+          <a:prstGeom prst="line">
+            <a:avLst/>
+          </a:prstGeom>
+          <a:ln w="38100">
+            <a:solidFill>
+              <a:schemeClr val="tx1">
+                <a:lumMod val="50000"/>
+                <a:lumOff val="50000"/>
+              </a:schemeClr>
+            </a:solidFill>
+          </a:ln>
+        </p:spPr>
+        <p:style>
+          <a:lnRef idx="1">
+            <a:schemeClr val="accent1"/>
+          </a:lnRef>
+          <a:fillRef idx="0">
+            <a:schemeClr val="accent1"/>
+          </a:fillRef>
+          <a:effectRef idx="0">
+            <a:schemeClr val="accent1"/>
+          </a:effectRef>
+          <a:fontRef idx="minor">
+            <a:schemeClr val="tx1"/>
+          </a:fontRef>
+        </p:style>
+      </p:cxnSp>
+      <p:cxnSp>
+        <p:nvCxnSpPr>
+          <p:cNvPr id="49" name="직선 연결선 48"/>
+          <p:cNvCxnSpPr>
+            <a:stCxn id="16" idx="2"/>
+            <a:endCxn id="17" idx="0"/>
+          </p:cNvCxnSpPr>
+          <p:nvPr/>
+        </p:nvCxnSpPr>
+        <p:spPr>
+          <a:xfrm>
+            <a:off x="5935362" y="1408674"/>
+            <a:ext cx="0" cy="205946"/>
+          </a:xfrm>
+          <a:prstGeom prst="line">
+            <a:avLst/>
+          </a:prstGeom>
+          <a:ln w="38100">
+            <a:solidFill>
+              <a:schemeClr val="tx1">
+                <a:lumMod val="50000"/>
+                <a:lumOff val="50000"/>
+              </a:schemeClr>
+            </a:solidFill>
+          </a:ln>
+        </p:spPr>
+        <p:style>
+          <a:lnRef idx="1">
+            <a:schemeClr val="accent1"/>
+          </a:lnRef>
+          <a:fillRef idx="0">
+            <a:schemeClr val="accent1"/>
+          </a:fillRef>
+          <a:effectRef idx="0">
+            <a:schemeClr val="accent1"/>
+          </a:effectRef>
+          <a:fontRef idx="minor">
+            <a:schemeClr val="tx1"/>
+          </a:fontRef>
+        </p:style>
+      </p:cxnSp>
+      <p:cxnSp>
+        <p:nvCxnSpPr>
+          <p:cNvPr id="50" name="직선 연결선 49"/>
+          <p:cNvCxnSpPr>
+            <a:stCxn id="28" idx="1"/>
+            <a:endCxn id="18" idx="3"/>
+          </p:cNvCxnSpPr>
+          <p:nvPr/>
+        </p:nvCxnSpPr>
+        <p:spPr>
+          <a:xfrm flipH="1">
+            <a:off x="6812692" y="2524899"/>
+            <a:ext cx="589005" cy="0"/>
+          </a:xfrm>
+          <a:prstGeom prst="line">
+            <a:avLst/>
+          </a:prstGeom>
+          <a:ln w="38100">
+            <a:solidFill>
+              <a:schemeClr val="tx1">
+                <a:lumMod val="50000"/>
+                <a:lumOff val="50000"/>
+              </a:schemeClr>
+            </a:solidFill>
+          </a:ln>
+        </p:spPr>
+        <p:style>
+          <a:lnRef idx="1">
+            <a:schemeClr val="accent1"/>
+          </a:lnRef>
+          <a:fillRef idx="0">
+            <a:schemeClr val="accent1"/>
+          </a:fillRef>
+          <a:effectRef idx="0">
+            <a:schemeClr val="accent1"/>
+          </a:effectRef>
+          <a:fontRef idx="minor">
+            <a:schemeClr val="tx1"/>
+          </a:fontRef>
+        </p:style>
+      </p:cxnSp>
+      <p:cxnSp>
+        <p:nvCxnSpPr>
+          <p:cNvPr id="51" name="직선 연결선 50"/>
+          <p:cNvCxnSpPr>
+            <a:stCxn id="26" idx="2"/>
+            <a:endCxn id="39" idx="0"/>
+          </p:cNvCxnSpPr>
+          <p:nvPr/>
+        </p:nvCxnSpPr>
+        <p:spPr>
+          <a:xfrm flipH="1">
+            <a:off x="4730577" y="3624647"/>
+            <a:ext cx="1" cy="195651"/>
+          </a:xfrm>
+          <a:prstGeom prst="line">
+            <a:avLst/>
+          </a:prstGeom>
+          <a:ln w="38100">
+            <a:solidFill>
+              <a:schemeClr val="tx1">
+                <a:lumMod val="50000"/>
+                <a:lumOff val="50000"/>
+              </a:schemeClr>
+            </a:solidFill>
+          </a:ln>
+        </p:spPr>
+        <p:style>
+          <a:lnRef idx="1">
+            <a:schemeClr val="accent1"/>
+          </a:lnRef>
+          <a:fillRef idx="0">
+            <a:schemeClr val="accent1"/>
+          </a:fillRef>
+          <a:effectRef idx="0">
+            <a:schemeClr val="accent1"/>
+          </a:effectRef>
+          <a:fontRef idx="minor">
+            <a:schemeClr val="tx1"/>
+          </a:fontRef>
+        </p:style>
+      </p:cxnSp>
+      <p:cxnSp>
+        <p:nvCxnSpPr>
+          <p:cNvPr id="52" name="직선 연결선 51"/>
+          <p:cNvCxnSpPr>
+            <a:stCxn id="24" idx="3"/>
+            <a:endCxn id="34" idx="1"/>
+          </p:cNvCxnSpPr>
+          <p:nvPr/>
+        </p:nvCxnSpPr>
+        <p:spPr>
+          <a:xfrm flipV="1">
+            <a:off x="8896862" y="5016848"/>
+            <a:ext cx="395416" cy="1"/>
+          </a:xfrm>
+          <a:prstGeom prst="line">
+            <a:avLst/>
+          </a:prstGeom>
+          <a:ln w="38100">
+            <a:solidFill>
+              <a:schemeClr val="tx1">
+                <a:lumMod val="50000"/>
+                <a:lumOff val="50000"/>
+              </a:schemeClr>
+            </a:solidFill>
+          </a:ln>
+        </p:spPr>
+        <p:style>
+          <a:lnRef idx="1">
+            <a:schemeClr val="accent1"/>
+          </a:lnRef>
+          <a:fillRef idx="0">
+            <a:schemeClr val="accent1"/>
+          </a:fillRef>
+          <a:effectRef idx="0">
+            <a:schemeClr val="accent1"/>
+          </a:effectRef>
+          <a:fontRef idx="minor">
+            <a:schemeClr val="tx1"/>
+          </a:fontRef>
+        </p:style>
+      </p:cxnSp>
+      <p:cxnSp>
+        <p:nvCxnSpPr>
+          <p:cNvPr id="61" name="직선 연결선 60"/>
+          <p:cNvCxnSpPr>
+            <a:stCxn id="20" idx="3"/>
+            <a:endCxn id="31" idx="1"/>
+          </p:cNvCxnSpPr>
+          <p:nvPr/>
+        </p:nvCxnSpPr>
+        <p:spPr>
+          <a:xfrm flipV="1">
+            <a:off x="2850292" y="3389870"/>
+            <a:ext cx="263607" cy="1"/>
+          </a:xfrm>
+          <a:prstGeom prst="line">
+            <a:avLst/>
+          </a:prstGeom>
+          <a:ln w="38100">
+            <a:solidFill>
+              <a:schemeClr val="tx1">
+                <a:lumMod val="50000"/>
+                <a:lumOff val="50000"/>
+              </a:schemeClr>
+            </a:solidFill>
+          </a:ln>
+        </p:spPr>
+        <p:style>
+          <a:lnRef idx="1">
+            <a:schemeClr val="accent1"/>
+          </a:lnRef>
+          <a:fillRef idx="0">
+            <a:schemeClr val="accent1"/>
+          </a:fillRef>
+          <a:effectRef idx="0">
+            <a:schemeClr val="accent1"/>
+          </a:effectRef>
+          <a:fontRef idx="minor">
+            <a:schemeClr val="tx1"/>
+          </a:fontRef>
+        </p:style>
+      </p:cxnSp>
+      <p:cxnSp>
+        <p:nvCxnSpPr>
+          <p:cNvPr id="62" name="직선 연결선 61"/>
+          <p:cNvCxnSpPr>
+            <a:stCxn id="20" idx="2"/>
+            <a:endCxn id="35" idx="0"/>
+          </p:cNvCxnSpPr>
+          <p:nvPr/>
+        </p:nvCxnSpPr>
+        <p:spPr>
+          <a:xfrm>
+            <a:off x="2522838" y="3624648"/>
+            <a:ext cx="0" cy="195649"/>
+          </a:xfrm>
+          <a:prstGeom prst="line">
+            <a:avLst/>
+          </a:prstGeom>
+          <a:ln w="38100">
+            <a:solidFill>
+              <a:schemeClr val="tx1">
+                <a:lumMod val="50000"/>
+                <a:lumOff val="50000"/>
+              </a:schemeClr>
+            </a:solidFill>
+          </a:ln>
+        </p:spPr>
+        <p:style>
+          <a:lnRef idx="1">
+            <a:schemeClr val="accent1"/>
+          </a:lnRef>
+          <a:fillRef idx="0">
+            <a:schemeClr val="accent1"/>
+          </a:fillRef>
+          <a:effectRef idx="0">
+            <a:schemeClr val="accent1"/>
+          </a:effectRef>
+          <a:fontRef idx="minor">
+            <a:schemeClr val="tx1"/>
+          </a:fontRef>
+        </p:style>
+      </p:cxnSp>
+      <p:cxnSp>
+        <p:nvCxnSpPr>
+          <p:cNvPr id="63" name="직선 연결선 62"/>
+          <p:cNvCxnSpPr>
+            <a:stCxn id="21" idx="3"/>
+            <a:endCxn id="33" idx="1"/>
+          </p:cNvCxnSpPr>
+          <p:nvPr/>
+        </p:nvCxnSpPr>
+        <p:spPr>
+          <a:xfrm>
+            <a:off x="6812691" y="5016848"/>
+            <a:ext cx="341869" cy="0"/>
+          </a:xfrm>
+          <a:prstGeom prst="line">
+            <a:avLst/>
+          </a:prstGeom>
+          <a:ln w="38100">
+            <a:solidFill>
+              <a:schemeClr val="tx1">
+                <a:lumMod val="50000"/>
+                <a:lumOff val="50000"/>
+              </a:schemeClr>
+            </a:solidFill>
+          </a:ln>
+        </p:spPr>
+        <p:style>
+          <a:lnRef idx="1">
+            <a:schemeClr val="accent1"/>
+          </a:lnRef>
+          <a:fillRef idx="0">
+            <a:schemeClr val="accent1"/>
+          </a:fillRef>
+          <a:effectRef idx="0">
+            <a:schemeClr val="accent1"/>
+          </a:effectRef>
+          <a:fontRef idx="minor">
+            <a:schemeClr val="tx1"/>
+          </a:fontRef>
+        </p:style>
+      </p:cxnSp>
+      <p:cxnSp>
+        <p:nvCxnSpPr>
+          <p:cNvPr id="72" name="직선 연결선 71"/>
+          <p:cNvCxnSpPr/>
+          <p:nvPr/>
+        </p:nvCxnSpPr>
+        <p:spPr>
+          <a:xfrm flipV="1">
+            <a:off x="4066399" y="5025083"/>
+            <a:ext cx="395416" cy="1"/>
+          </a:xfrm>
+          <a:prstGeom prst="line">
+            <a:avLst/>
+          </a:prstGeom>
+          <a:ln w="38100">
+            <a:solidFill>
+              <a:schemeClr val="tx1">
+                <a:lumMod val="50000"/>
+                <a:lumOff val="50000"/>
+              </a:schemeClr>
+            </a:solidFill>
+          </a:ln>
+        </p:spPr>
+        <p:style>
+          <a:lnRef idx="1">
+            <a:schemeClr val="accent1"/>
+          </a:lnRef>
+          <a:fillRef idx="0">
+            <a:schemeClr val="accent1"/>
+          </a:fillRef>
+          <a:effectRef idx="0">
+            <a:schemeClr val="accent1"/>
+          </a:effectRef>
+          <a:fontRef idx="minor">
+            <a:schemeClr val="tx1"/>
+          </a:fontRef>
+        </p:style>
+      </p:cxnSp>
+      <p:cxnSp>
+        <p:nvCxnSpPr>
+          <p:cNvPr id="73" name="직선 연결선 72"/>
+          <p:cNvCxnSpPr>
+            <a:stCxn id="27" idx="3"/>
+            <a:endCxn id="30" idx="1"/>
+          </p:cNvCxnSpPr>
+          <p:nvPr/>
+        </p:nvCxnSpPr>
+        <p:spPr>
+          <a:xfrm flipV="1">
+            <a:off x="1726859" y="5025084"/>
+            <a:ext cx="423215" cy="4"/>
+          </a:xfrm>
+          <a:prstGeom prst="line">
+            <a:avLst/>
+          </a:prstGeom>
+          <a:ln w="38100">
+            <a:solidFill>
+              <a:schemeClr val="tx1">
+                <a:lumMod val="50000"/>
+                <a:lumOff val="50000"/>
+              </a:schemeClr>
+            </a:solidFill>
+          </a:ln>
+        </p:spPr>
+        <p:style>
+          <a:lnRef idx="1">
+            <a:schemeClr val="accent1"/>
+          </a:lnRef>
+          <a:fillRef idx="0">
+            <a:schemeClr val="accent1"/>
+          </a:fillRef>
+          <a:effectRef idx="0">
+            <a:schemeClr val="accent1"/>
+          </a:effectRef>
+          <a:fontRef idx="minor">
+            <a:schemeClr val="tx1"/>
+          </a:fontRef>
+        </p:style>
+      </p:cxnSp>
+      <p:cxnSp>
+        <p:nvCxnSpPr>
+          <p:cNvPr id="84" name="직선 연결선 83"/>
+          <p:cNvCxnSpPr>
+            <a:stCxn id="22" idx="2"/>
+            <a:endCxn id="38" idx="0"/>
+          </p:cNvCxnSpPr>
+          <p:nvPr/>
+        </p:nvCxnSpPr>
+        <p:spPr>
+          <a:xfrm flipH="1">
+            <a:off x="3753366" y="5259865"/>
+            <a:ext cx="1" cy="280093"/>
+          </a:xfrm>
+          <a:prstGeom prst="line">
+            <a:avLst/>
+          </a:prstGeom>
+          <a:ln w="38100">
+            <a:solidFill>
+              <a:schemeClr val="tx1">
+                <a:lumMod val="50000"/>
+                <a:lumOff val="50000"/>
+              </a:schemeClr>
+            </a:solidFill>
+          </a:ln>
+        </p:spPr>
+        <p:style>
+          <a:lnRef idx="1">
+            <a:schemeClr val="accent1"/>
+          </a:lnRef>
+          <a:fillRef idx="0">
+            <a:schemeClr val="accent1"/>
+          </a:fillRef>
+          <a:effectRef idx="0">
+            <a:schemeClr val="accent1"/>
+          </a:effectRef>
+          <a:fontRef idx="minor">
+            <a:schemeClr val="tx1"/>
+          </a:fontRef>
+        </p:style>
+      </p:cxnSp>
+      <p:cxnSp>
+        <p:nvCxnSpPr>
+          <p:cNvPr id="85" name="직선 연결선 84"/>
+          <p:cNvCxnSpPr>
+            <a:stCxn id="24" idx="2"/>
+            <a:endCxn id="36" idx="0"/>
+          </p:cNvCxnSpPr>
+          <p:nvPr/>
+        </p:nvCxnSpPr>
+        <p:spPr>
+          <a:xfrm>
+            <a:off x="8569408" y="5251626"/>
+            <a:ext cx="6178" cy="271857"/>
+          </a:xfrm>
+          <a:prstGeom prst="line">
+            <a:avLst/>
+          </a:prstGeom>
+          <a:ln w="38100">
+            <a:solidFill>
+              <a:schemeClr val="tx1">
+                <a:lumMod val="50000"/>
+                <a:lumOff val="50000"/>
+              </a:schemeClr>
+            </a:solidFill>
+          </a:ln>
+        </p:spPr>
+        <p:style>
+          <a:lnRef idx="1">
+            <a:schemeClr val="accent1"/>
+          </a:lnRef>
+          <a:fillRef idx="0">
+            <a:schemeClr val="accent1"/>
+          </a:fillRef>
+          <a:effectRef idx="0">
+            <a:schemeClr val="accent1"/>
+          </a:effectRef>
+          <a:fontRef idx="minor">
+            <a:schemeClr val="tx1"/>
+          </a:fontRef>
+        </p:style>
+      </p:cxnSp>
+      <p:cxnSp>
+        <p:nvCxnSpPr>
+          <p:cNvPr id="90" name="직선 연결선 89"/>
+          <p:cNvCxnSpPr>
+            <a:stCxn id="41" idx="0"/>
+            <a:endCxn id="23" idx="2"/>
+          </p:cNvCxnSpPr>
+          <p:nvPr/>
+        </p:nvCxnSpPr>
+        <p:spPr>
+          <a:xfrm flipV="1">
+            <a:off x="980299" y="6017749"/>
+            <a:ext cx="1" cy="181233"/>
+          </a:xfrm>
+          <a:prstGeom prst="line">
+            <a:avLst/>
+          </a:prstGeom>
+          <a:ln w="38100">
+            <a:solidFill>
+              <a:schemeClr val="tx1">
+                <a:lumMod val="50000"/>
+                <a:lumOff val="50000"/>
+              </a:schemeClr>
+            </a:solidFill>
+          </a:ln>
+        </p:spPr>
+        <p:style>
+          <a:lnRef idx="1">
+            <a:schemeClr val="accent1"/>
+          </a:lnRef>
+          <a:fillRef idx="0">
+            <a:schemeClr val="accent1"/>
+          </a:fillRef>
+          <a:effectRef idx="0">
+            <a:schemeClr val="accent1"/>
+          </a:effectRef>
+          <a:fontRef idx="minor">
+            <a:schemeClr val="tx1"/>
+          </a:fontRef>
+        </p:style>
+      </p:cxnSp>
+      <p:cxnSp>
+        <p:nvCxnSpPr>
+          <p:cNvPr id="100" name="꺾인 연결선 99"/>
+          <p:cNvCxnSpPr>
+            <a:stCxn id="20" idx="0"/>
+            <a:endCxn id="18" idx="2"/>
+          </p:cNvCxnSpPr>
+          <p:nvPr/>
+        </p:nvCxnSpPr>
+        <p:spPr>
+          <a:xfrm rot="5400000" flipH="1" flipV="1">
+            <a:off x="4031392" y="1251123"/>
+            <a:ext cx="395417" cy="3412524"/>
+          </a:xfrm>
+          <a:prstGeom prst="bentConnector3">
+            <a:avLst/>
+          </a:prstGeom>
+          <a:ln w="38100">
+            <a:solidFill>
+              <a:schemeClr val="tx1">
+                <a:lumMod val="50000"/>
+                <a:lumOff val="50000"/>
+              </a:schemeClr>
+            </a:solidFill>
+          </a:ln>
+        </p:spPr>
+        <p:style>
+          <a:lnRef idx="1">
+            <a:schemeClr val="accent1"/>
+          </a:lnRef>
+          <a:fillRef idx="0">
+            <a:schemeClr val="accent1"/>
+          </a:fillRef>
+          <a:effectRef idx="0">
+            <a:schemeClr val="accent1"/>
+          </a:effectRef>
+          <a:fontRef idx="minor">
+            <a:schemeClr val="tx1"/>
+          </a:fontRef>
+        </p:style>
+      </p:cxnSp>
+      <p:cxnSp>
+        <p:nvCxnSpPr>
+          <p:cNvPr id="101" name="꺾인 연결선 100"/>
+          <p:cNvCxnSpPr>
+            <a:stCxn id="26" idx="0"/>
+            <a:endCxn id="18" idx="2"/>
+          </p:cNvCxnSpPr>
+          <p:nvPr/>
+        </p:nvCxnSpPr>
+        <p:spPr>
+          <a:xfrm rot="5400000" flipH="1" flipV="1">
+            <a:off x="5135262" y="2354992"/>
+            <a:ext cx="395416" cy="1204784"/>
+          </a:xfrm>
+          <a:prstGeom prst="bentConnector3">
+            <a:avLst>
+              <a:gd name="adj1" fmla="val 50000"/>
+            </a:avLst>
+          </a:prstGeom>
+          <a:ln w="38100">
+            <a:solidFill>
+              <a:schemeClr val="tx1">
+                <a:lumMod val="50000"/>
+                <a:lumOff val="50000"/>
+              </a:schemeClr>
+            </a:solidFill>
+          </a:ln>
+        </p:spPr>
+        <p:style>
+          <a:lnRef idx="1">
+            <a:schemeClr val="accent1"/>
+          </a:lnRef>
+          <a:fillRef idx="0">
+            <a:schemeClr val="accent1"/>
+          </a:fillRef>
+          <a:effectRef idx="0">
+            <a:schemeClr val="accent1"/>
+          </a:effectRef>
+          <a:fontRef idx="minor">
+            <a:schemeClr val="tx1"/>
+          </a:fontRef>
+        </p:style>
+      </p:cxnSp>
+      <p:cxnSp>
+        <p:nvCxnSpPr>
+          <p:cNvPr id="104" name="꺾인 연결선 103"/>
+          <p:cNvCxnSpPr>
+            <a:stCxn id="25" idx="0"/>
+            <a:endCxn id="18" idx="2"/>
+          </p:cNvCxnSpPr>
+          <p:nvPr/>
+        </p:nvCxnSpPr>
+        <p:spPr>
+          <a:xfrm rot="16200000" flipV="1">
+            <a:off x="6012592" y="2682447"/>
+            <a:ext cx="395417" cy="549876"/>
+          </a:xfrm>
+          <a:prstGeom prst="bentConnector3">
+            <a:avLst>
+              <a:gd name="adj1" fmla="val 50000"/>
+            </a:avLst>
+          </a:prstGeom>
+          <a:ln w="38100">
+            <a:solidFill>
+              <a:schemeClr val="tx1">
+                <a:lumMod val="50000"/>
+                <a:lumOff val="50000"/>
+              </a:schemeClr>
+            </a:solidFill>
+          </a:ln>
+        </p:spPr>
+        <p:style>
+          <a:lnRef idx="1">
+            <a:schemeClr val="accent1"/>
+          </a:lnRef>
+          <a:fillRef idx="0">
+            <a:schemeClr val="accent1"/>
+          </a:fillRef>
+          <a:effectRef idx="0">
+            <a:schemeClr val="accent1"/>
+          </a:effectRef>
+          <a:fontRef idx="minor">
+            <a:schemeClr val="tx1"/>
+          </a:fontRef>
+        </p:style>
+      </p:cxnSp>
+      <p:cxnSp>
+        <p:nvCxnSpPr>
+          <p:cNvPr id="107" name="꺾인 연결선 106"/>
+          <p:cNvCxnSpPr>
+            <a:stCxn id="19" idx="0"/>
+            <a:endCxn id="18" idx="2"/>
+          </p:cNvCxnSpPr>
+          <p:nvPr/>
+        </p:nvCxnSpPr>
+        <p:spPr>
+          <a:xfrm rot="16200000" flipV="1">
+            <a:off x="6841523" y="1853516"/>
+            <a:ext cx="395419" cy="2207740"/>
+          </a:xfrm>
+          <a:prstGeom prst="bentConnector3">
+            <a:avLst>
+              <a:gd name="adj1" fmla="val 50000"/>
+            </a:avLst>
+          </a:prstGeom>
+          <a:ln w="38100">
+            <a:solidFill>
+              <a:schemeClr val="tx1">
+                <a:lumMod val="50000"/>
+                <a:lumOff val="50000"/>
+              </a:schemeClr>
+            </a:solidFill>
+          </a:ln>
+        </p:spPr>
+        <p:style>
+          <a:lnRef idx="1">
+            <a:schemeClr val="accent1"/>
+          </a:lnRef>
+          <a:fillRef idx="0">
+            <a:schemeClr val="accent1"/>
+          </a:fillRef>
+          <a:effectRef idx="0">
+            <a:schemeClr val="accent1"/>
+          </a:effectRef>
+          <a:fontRef idx="minor">
+            <a:schemeClr val="tx1"/>
+          </a:fontRef>
+        </p:style>
+      </p:cxnSp>
+      <p:cxnSp>
+        <p:nvCxnSpPr>
+          <p:cNvPr id="110" name="꺾인 연결선 109"/>
+          <p:cNvCxnSpPr>
+            <a:stCxn id="24" idx="0"/>
+            <a:endCxn id="25" idx="2"/>
+          </p:cNvCxnSpPr>
+          <p:nvPr/>
+        </p:nvCxnSpPr>
+        <p:spPr>
+          <a:xfrm rot="16200000" flipV="1">
+            <a:off x="6948612" y="3161275"/>
+            <a:ext cx="1157423" cy="2084170"/>
+          </a:xfrm>
+          <a:prstGeom prst="bentConnector3">
+            <a:avLst>
+              <a:gd name="adj1" fmla="val 32206"/>
+            </a:avLst>
+          </a:prstGeom>
+          <a:ln w="38100">
+            <a:solidFill>
+              <a:schemeClr val="tx1">
+                <a:lumMod val="50000"/>
+                <a:lumOff val="50000"/>
+              </a:schemeClr>
+            </a:solidFill>
+          </a:ln>
+        </p:spPr>
+        <p:style>
+          <a:lnRef idx="1">
+            <a:schemeClr val="accent1"/>
+          </a:lnRef>
+          <a:fillRef idx="0">
+            <a:schemeClr val="accent1"/>
+          </a:fillRef>
+          <a:effectRef idx="0">
+            <a:schemeClr val="accent1"/>
+          </a:effectRef>
+          <a:fontRef idx="minor">
+            <a:schemeClr val="tx1"/>
+          </a:fontRef>
+        </p:style>
+      </p:cxnSp>
+      <p:cxnSp>
+        <p:nvCxnSpPr>
+          <p:cNvPr id="113" name="꺾인 연결선 112"/>
+          <p:cNvCxnSpPr>
+            <a:stCxn id="21" idx="0"/>
+            <a:endCxn id="25" idx="2"/>
+          </p:cNvCxnSpPr>
+          <p:nvPr/>
+        </p:nvCxnSpPr>
+        <p:spPr>
+          <a:xfrm rot="5400000" flipH="1" flipV="1">
+            <a:off x="5906526" y="4203359"/>
+            <a:ext cx="1157422" cy="1"/>
+          </a:xfrm>
+          <a:prstGeom prst="bentConnector3">
+            <a:avLst>
+              <a:gd name="adj1" fmla="val 50000"/>
+            </a:avLst>
+          </a:prstGeom>
+          <a:ln w="38100">
+            <a:solidFill>
+              <a:schemeClr val="tx1">
+                <a:lumMod val="50000"/>
+                <a:lumOff val="50000"/>
+              </a:schemeClr>
+            </a:solidFill>
+          </a:ln>
+        </p:spPr>
+        <p:style>
+          <a:lnRef idx="1">
+            <a:schemeClr val="accent1"/>
+          </a:lnRef>
+          <a:fillRef idx="0">
+            <a:schemeClr val="accent1"/>
+          </a:fillRef>
+          <a:effectRef idx="0">
+            <a:schemeClr val="accent1"/>
+          </a:effectRef>
+          <a:fontRef idx="minor">
+            <a:schemeClr val="tx1"/>
+          </a:fontRef>
+        </p:style>
+      </p:cxnSp>
+      <p:cxnSp>
+        <p:nvCxnSpPr>
+          <p:cNvPr id="116" name="꺾인 연결선 115"/>
+          <p:cNvCxnSpPr>
+            <a:stCxn id="22" idx="0"/>
+            <a:endCxn id="25" idx="2"/>
+          </p:cNvCxnSpPr>
+          <p:nvPr/>
+        </p:nvCxnSpPr>
+        <p:spPr>
+          <a:xfrm rot="5400000" flipH="1" flipV="1">
+            <a:off x="4536471" y="2841544"/>
+            <a:ext cx="1165662" cy="2731871"/>
+          </a:xfrm>
+          <a:prstGeom prst="bentConnector3">
+            <a:avLst>
+              <a:gd name="adj1" fmla="val 33039"/>
+            </a:avLst>
+          </a:prstGeom>
+          <a:ln w="38100">
+            <a:solidFill>
+              <a:schemeClr val="tx1">
+                <a:lumMod val="50000"/>
+                <a:lumOff val="50000"/>
+              </a:schemeClr>
+            </a:solidFill>
+          </a:ln>
+        </p:spPr>
+        <p:style>
+          <a:lnRef idx="1">
+            <a:schemeClr val="accent1"/>
+          </a:lnRef>
+          <a:fillRef idx="0">
+            <a:schemeClr val="accent1"/>
+          </a:fillRef>
+          <a:effectRef idx="0">
+            <a:schemeClr val="accent1"/>
+          </a:effectRef>
+          <a:fontRef idx="minor">
+            <a:schemeClr val="tx1"/>
+          </a:fontRef>
+        </p:style>
+      </p:cxnSp>
+      <p:cxnSp>
+        <p:nvCxnSpPr>
+          <p:cNvPr id="122" name="꺾인 연결선 121"/>
+          <p:cNvCxnSpPr>
+            <a:stCxn id="27" idx="0"/>
+            <a:endCxn id="25" idx="2"/>
+          </p:cNvCxnSpPr>
+          <p:nvPr/>
+        </p:nvCxnSpPr>
+        <p:spPr>
+          <a:xfrm rot="5400000" flipH="1" flipV="1">
+            <a:off x="3359490" y="1664563"/>
+            <a:ext cx="1165662" cy="5085833"/>
+          </a:xfrm>
+          <a:prstGeom prst="bentConnector3">
+            <a:avLst>
+              <a:gd name="adj1" fmla="val 33039"/>
+            </a:avLst>
+          </a:prstGeom>
+          <a:ln w="38100">
+            <a:solidFill>
+              <a:schemeClr val="tx1">
+                <a:lumMod val="50000"/>
+                <a:lumOff val="50000"/>
+              </a:schemeClr>
+            </a:solidFill>
+          </a:ln>
+        </p:spPr>
+        <p:style>
+          <a:lnRef idx="1">
+            <a:schemeClr val="accent1"/>
+          </a:lnRef>
+          <a:fillRef idx="0">
+            <a:schemeClr val="accent1"/>
+          </a:fillRef>
+          <a:effectRef idx="0">
+            <a:schemeClr val="accent1"/>
+          </a:effectRef>
+          <a:fontRef idx="minor">
+            <a:schemeClr val="tx1"/>
+          </a:fontRef>
+        </p:style>
+      </p:cxnSp>
+      <p:cxnSp>
+        <p:nvCxnSpPr>
+          <p:cNvPr id="129" name="꺾인 연결선 128"/>
+          <p:cNvCxnSpPr>
+            <a:stCxn id="23" idx="0"/>
+            <a:endCxn id="27" idx="2"/>
+          </p:cNvCxnSpPr>
+          <p:nvPr/>
+        </p:nvCxnSpPr>
+        <p:spPr>
+          <a:xfrm rot="5400000" flipH="1" flipV="1">
+            <a:off x="1045688" y="5194478"/>
+            <a:ext cx="288329" cy="419105"/>
+          </a:xfrm>
+          <a:prstGeom prst="bentConnector3">
+            <a:avLst>
+              <a:gd name="adj1" fmla="val 50000"/>
+            </a:avLst>
+          </a:prstGeom>
+          <a:ln w="38100">
+            <a:solidFill>
+              <a:schemeClr val="tx1">
+                <a:lumMod val="50000"/>
+                <a:lumOff val="50000"/>
+              </a:schemeClr>
+            </a:solidFill>
+          </a:ln>
+        </p:spPr>
+        <p:style>
+          <a:lnRef idx="1">
+            <a:schemeClr val="accent1"/>
+          </a:lnRef>
+          <a:fillRef idx="0">
+            <a:schemeClr val="accent1"/>
+          </a:fillRef>
+          <a:effectRef idx="0">
+            <a:schemeClr val="accent1"/>
+          </a:effectRef>
+          <a:fontRef idx="minor">
+            <a:schemeClr val="tx1"/>
+          </a:fontRef>
+        </p:style>
+      </p:cxnSp>
+      <p:cxnSp>
+        <p:nvCxnSpPr>
+          <p:cNvPr id="132" name="꺾인 연결선 131"/>
+          <p:cNvCxnSpPr>
+            <a:stCxn id="40" idx="0"/>
+            <a:endCxn id="27" idx="2"/>
+          </p:cNvCxnSpPr>
+          <p:nvPr/>
+        </p:nvCxnSpPr>
+        <p:spPr>
+          <a:xfrm rot="16200000" flipV="1">
+            <a:off x="1457581" y="5201690"/>
+            <a:ext cx="280093" cy="396443"/>
+          </a:xfrm>
+          <a:prstGeom prst="bentConnector3">
+            <a:avLst>
+              <a:gd name="adj1" fmla="val 50000"/>
+            </a:avLst>
+          </a:prstGeom>
+          <a:ln w="38100">
+            <a:solidFill>
+              <a:schemeClr val="tx1">
+                <a:lumMod val="50000"/>
+                <a:lumOff val="50000"/>
+              </a:schemeClr>
+            </a:solidFill>
+          </a:ln>
+        </p:spPr>
+        <p:style>
+          <a:lnRef idx="1">
+            <a:schemeClr val="accent1"/>
+          </a:lnRef>
+          <a:fillRef idx="0">
+            <a:schemeClr val="accent1"/>
+          </a:fillRef>
+          <a:effectRef idx="0">
+            <a:schemeClr val="accent1"/>
+          </a:effectRef>
+          <a:fontRef idx="minor">
+            <a:schemeClr val="tx1"/>
+          </a:fontRef>
+        </p:style>
+      </p:cxnSp>
+    </p:spTree>
+    <p:extLst>
+      <p:ext uri="{BB962C8B-B14F-4D97-AF65-F5344CB8AC3E}">
+        <p14:creationId xmlns:p14="http://schemas.microsoft.com/office/powerpoint/2010/main" val="3577900608"/>
+      </p:ext>
+    </p:extLst>
+  </p:cSld>
+  <p:clrMapOvr>
+    <a:masterClrMapping/>
+  </p:clrMapOvr>
+</p:sld>
+</file>
+
+<file path=ppt/slides/slide16.xml><?xml version="1.0" encoding="utf-8"?>
+<p:sld xmlns:a="http://schemas.openxmlformats.org/drawingml/2006/main" xmlns:r="http://schemas.openxmlformats.org/officeDocument/2006/relationships" xmlns:p="http://schemas.openxmlformats.org/presentationml/2006/main">
+  <p:cSld>
+    <p:spTree>
+      <p:nvGrpSpPr>
+        <p:cNvPr id="1" name=""/>
+        <p:cNvGrpSpPr/>
+        <p:nvPr/>
+      </p:nvGrpSpPr>
+      <p:grpSpPr>
+        <a:xfrm>
+          <a:off x="0" y="0"/>
+          <a:ext cx="0" cy="0"/>
+          <a:chOff x="0" y="0"/>
+          <a:chExt cx="0" cy="0"/>
+        </a:xfrm>
+      </p:grpSpPr>
+      <p:sp>
+        <p:nvSpPr>
+          <p:cNvPr id="4" name="직사각형 3"/>
+          <p:cNvSpPr/>
+          <p:nvPr/>
+        </p:nvSpPr>
+        <p:spPr>
+          <a:xfrm>
+            <a:off x="4938583" y="2677296"/>
+            <a:ext cx="2010032" cy="527222"/>
+          </a:xfrm>
+          <a:prstGeom prst="rect">
+            <a:avLst/>
+          </a:prstGeom>
+          <a:solidFill>
+            <a:schemeClr val="bg2">
+              <a:lumMod val="75000"/>
+            </a:schemeClr>
+          </a:solidFill>
+          <a:ln>
+            <a:solidFill>
+              <a:schemeClr val="bg2">
+                <a:lumMod val="75000"/>
+              </a:schemeClr>
+            </a:solidFill>
+          </a:ln>
+        </p:spPr>
+        <p:style>
+          <a:lnRef idx="2">
+            <a:schemeClr val="accent1">
+              <a:shade val="50000"/>
+            </a:schemeClr>
+          </a:lnRef>
+          <a:fillRef idx="1">
+            <a:schemeClr val="accent1"/>
+          </a:fillRef>
+          <a:effectRef idx="0">
+            <a:schemeClr val="accent1"/>
+          </a:effectRef>
+          <a:fontRef idx="minor">
+            <a:schemeClr val="lt1"/>
+          </a:fontRef>
+        </p:style>
+        <p:txBody>
+          <a:bodyPr rtlCol="0" anchor="ctr"/>
+          <a:lstStyle/>
+          <a:p>
+            <a:pPr algn="ctr"/>
+            <a:r>
+              <a:rPr lang="en-US" altLang="ko-KR" dirty="0" smtClean="0"/>
+              <a:t>body</a:t>
+            </a:r>
+            <a:endParaRPr lang="ko-KR" altLang="en-US" dirty="0"/>
+          </a:p>
+        </p:txBody>
+      </p:sp>
+      <p:sp>
+        <p:nvSpPr>
+          <p:cNvPr id="5" name="직사각형 4"/>
+          <p:cNvSpPr/>
+          <p:nvPr/>
+        </p:nvSpPr>
+        <p:spPr>
+          <a:xfrm>
+            <a:off x="4938583" y="3406345"/>
+            <a:ext cx="2010032" cy="527222"/>
+          </a:xfrm>
+          <a:prstGeom prst="rect">
+            <a:avLst/>
+          </a:prstGeom>
+          <a:solidFill>
+            <a:schemeClr val="bg2">
+              <a:lumMod val="75000"/>
+            </a:schemeClr>
+          </a:solidFill>
+          <a:ln>
+            <a:solidFill>
+              <a:schemeClr val="bg2">
+                <a:lumMod val="75000"/>
+              </a:schemeClr>
+            </a:solidFill>
+          </a:ln>
+        </p:spPr>
+        <p:style>
+          <a:lnRef idx="2">
+            <a:schemeClr val="accent1">
+              <a:shade val="50000"/>
+            </a:schemeClr>
+          </a:lnRef>
+          <a:fillRef idx="1">
+            <a:schemeClr val="accent1"/>
+          </a:fillRef>
+          <a:effectRef idx="0">
+            <a:schemeClr val="accent1"/>
+          </a:effectRef>
+          <a:fontRef idx="minor">
+            <a:schemeClr val="lt1"/>
+          </a:fontRef>
+        </p:style>
+        <p:txBody>
+          <a:bodyPr rtlCol="0" anchor="ctr"/>
+          <a:lstStyle/>
+          <a:p>
+            <a:pPr algn="ctr"/>
+            <a:r>
+              <a:rPr lang="en-US" altLang="ko-KR" dirty="0" smtClean="0"/>
+              <a:t>div</a:t>
+            </a:r>
+            <a:endParaRPr lang="ko-KR" altLang="en-US" dirty="0"/>
+          </a:p>
+        </p:txBody>
+      </p:sp>
+      <p:sp>
+        <p:nvSpPr>
+          <p:cNvPr id="6" name="직사각형 5"/>
+          <p:cNvSpPr/>
+          <p:nvPr/>
+        </p:nvSpPr>
+        <p:spPr>
+          <a:xfrm>
+            <a:off x="9106930" y="4687329"/>
+            <a:ext cx="2010032" cy="527222"/>
+          </a:xfrm>
+          <a:prstGeom prst="rect">
+            <a:avLst/>
+          </a:prstGeom>
+          <a:solidFill>
+            <a:schemeClr val="bg2">
+              <a:lumMod val="75000"/>
+            </a:schemeClr>
+          </a:solidFill>
+          <a:ln>
+            <a:solidFill>
+              <a:schemeClr val="bg2">
+                <a:lumMod val="75000"/>
+              </a:schemeClr>
+            </a:solidFill>
+          </a:ln>
+        </p:spPr>
+        <p:style>
+          <a:lnRef idx="2">
+            <a:schemeClr val="accent1">
+              <a:shade val="50000"/>
+            </a:schemeClr>
+          </a:lnRef>
+          <a:fillRef idx="1">
+            <a:schemeClr val="accent1"/>
+          </a:fillRef>
+          <a:effectRef idx="0">
+            <a:schemeClr val="accent1"/>
+          </a:effectRef>
+          <a:fontRef idx="minor">
+            <a:schemeClr val="lt1"/>
+          </a:fontRef>
+        </p:style>
+        <p:txBody>
+          <a:bodyPr rtlCol="0" anchor="ctr"/>
+          <a:lstStyle/>
+          <a:p>
+            <a:pPr algn="ctr"/>
+            <a:r>
+              <a:rPr lang="en-US" altLang="ko-KR" dirty="0" smtClean="0"/>
+              <a:t>script</a:t>
+            </a:r>
+            <a:endParaRPr lang="ko-KR" altLang="en-US" dirty="0"/>
+          </a:p>
+        </p:txBody>
+      </p:sp>
+      <p:sp>
+        <p:nvSpPr>
+          <p:cNvPr id="7" name="직사각형 6"/>
+          <p:cNvSpPr/>
+          <p:nvPr/>
+        </p:nvSpPr>
+        <p:spPr>
+          <a:xfrm>
+            <a:off x="9106930" y="5704702"/>
+            <a:ext cx="2010032" cy="527222"/>
+          </a:xfrm>
+          <a:prstGeom prst="rect">
+            <a:avLst/>
+          </a:prstGeom>
+          <a:solidFill>
+            <a:schemeClr val="bg2">
+              <a:lumMod val="75000"/>
+            </a:schemeClr>
+          </a:solidFill>
+          <a:ln>
+            <a:solidFill>
+              <a:schemeClr val="bg2">
+                <a:lumMod val="75000"/>
+              </a:schemeClr>
+            </a:solidFill>
+          </a:ln>
+        </p:spPr>
+        <p:style>
+          <a:lnRef idx="2">
+            <a:schemeClr val="accent1">
+              <a:shade val="50000"/>
+            </a:schemeClr>
+          </a:lnRef>
+          <a:fillRef idx="1">
+            <a:schemeClr val="accent1"/>
+          </a:fillRef>
+          <a:effectRef idx="0">
+            <a:schemeClr val="accent1"/>
+          </a:effectRef>
+          <a:fontRef idx="minor">
+            <a:schemeClr val="lt1"/>
+          </a:fontRef>
+        </p:style>
+        <p:txBody>
+          <a:bodyPr rtlCol="0" anchor="ctr"/>
+          <a:lstStyle/>
+          <a:p>
+            <a:pPr algn="ctr"/>
+            <a:r>
+              <a:rPr lang="en-US" altLang="ko-KR"/>
+              <a:t>li</a:t>
+            </a:r>
+            <a:endParaRPr lang="ko-KR" altLang="en-US"/>
+          </a:p>
+        </p:txBody>
+      </p:sp>
+      <p:sp>
+        <p:nvSpPr>
+          <p:cNvPr id="8" name="직사각형 7"/>
+          <p:cNvSpPr/>
+          <p:nvPr/>
+        </p:nvSpPr>
+        <p:spPr>
+          <a:xfrm>
+            <a:off x="6384324" y="4687329"/>
+            <a:ext cx="2010032" cy="527222"/>
+          </a:xfrm>
+          <a:prstGeom prst="rect">
+            <a:avLst/>
+          </a:prstGeom>
+          <a:solidFill>
+            <a:schemeClr val="bg2">
+              <a:lumMod val="75000"/>
+            </a:schemeClr>
+          </a:solidFill>
+          <a:ln>
+            <a:solidFill>
+              <a:schemeClr val="bg2">
+                <a:lumMod val="75000"/>
+              </a:schemeClr>
+            </a:solidFill>
+          </a:ln>
+        </p:spPr>
+        <p:style>
+          <a:lnRef idx="2">
+            <a:schemeClr val="accent1">
+              <a:shade val="50000"/>
+            </a:schemeClr>
+          </a:lnRef>
+          <a:fillRef idx="1">
+            <a:schemeClr val="accent1"/>
+          </a:fillRef>
+          <a:effectRef idx="0">
+            <a:schemeClr val="accent1"/>
+          </a:effectRef>
+          <a:fontRef idx="minor">
+            <a:schemeClr val="lt1"/>
+          </a:fontRef>
+        </p:style>
+        <p:txBody>
+          <a:bodyPr rtlCol="0" anchor="ctr"/>
+          <a:lstStyle/>
+          <a:p>
+            <a:pPr algn="ctr"/>
+            <a:r>
+              <a:rPr lang="en-US" altLang="ko-KR" dirty="0" err="1" smtClean="0"/>
+              <a:t>ul</a:t>
+            </a:r>
+            <a:endParaRPr lang="ko-KR" altLang="en-US" dirty="0"/>
+          </a:p>
+        </p:txBody>
+      </p:sp>
+      <p:sp>
+        <p:nvSpPr>
+          <p:cNvPr id="9" name="직사각형 8"/>
+          <p:cNvSpPr/>
+          <p:nvPr/>
+        </p:nvSpPr>
+        <p:spPr>
+          <a:xfrm>
+            <a:off x="6384324" y="5704702"/>
+            <a:ext cx="2010032" cy="527222"/>
+          </a:xfrm>
+          <a:prstGeom prst="rect">
+            <a:avLst/>
+          </a:prstGeom>
+          <a:solidFill>
+            <a:schemeClr val="bg2">
+              <a:lumMod val="75000"/>
+            </a:schemeClr>
+          </a:solidFill>
+          <a:ln>
+            <a:solidFill>
+              <a:schemeClr val="bg2">
+                <a:lumMod val="75000"/>
+              </a:schemeClr>
+            </a:solidFill>
+          </a:ln>
+        </p:spPr>
+        <p:style>
+          <a:lnRef idx="2">
+            <a:schemeClr val="accent1">
+              <a:shade val="50000"/>
+            </a:schemeClr>
+          </a:lnRef>
+          <a:fillRef idx="1">
+            <a:schemeClr val="accent1"/>
+          </a:fillRef>
+          <a:effectRef idx="0">
+            <a:schemeClr val="accent1"/>
+          </a:effectRef>
+          <a:fontRef idx="minor">
+            <a:schemeClr val="lt1"/>
+          </a:fontRef>
+        </p:style>
+        <p:txBody>
+          <a:bodyPr rtlCol="0" anchor="ctr"/>
+          <a:lstStyle/>
+          <a:p>
+            <a:pPr algn="ctr"/>
+            <a:r>
+              <a:rPr lang="en-US" altLang="ko-KR"/>
+              <a:t>li</a:t>
+            </a:r>
+            <a:endParaRPr lang="ko-KR" altLang="en-US"/>
+          </a:p>
+        </p:txBody>
+      </p:sp>
+      <p:sp>
+        <p:nvSpPr>
+          <p:cNvPr id="10" name="직사각형 9"/>
+          <p:cNvSpPr/>
+          <p:nvPr/>
+        </p:nvSpPr>
+        <p:spPr>
+          <a:xfrm>
+            <a:off x="3661718" y="4687329"/>
+            <a:ext cx="2010032" cy="527222"/>
+          </a:xfrm>
+          <a:prstGeom prst="rect">
+            <a:avLst/>
+          </a:prstGeom>
+          <a:solidFill>
+            <a:schemeClr val="bg2">
+              <a:lumMod val="75000"/>
+            </a:schemeClr>
+          </a:solidFill>
+          <a:ln>
+            <a:solidFill>
+              <a:schemeClr val="bg2">
+                <a:lumMod val="75000"/>
+              </a:schemeClr>
+            </a:solidFill>
+          </a:ln>
+        </p:spPr>
+        <p:style>
+          <a:lnRef idx="2">
+            <a:schemeClr val="accent1">
+              <a:shade val="50000"/>
+            </a:schemeClr>
+          </a:lnRef>
+          <a:fillRef idx="1">
+            <a:schemeClr val="accent1"/>
+          </a:fillRef>
+          <a:effectRef idx="0">
+            <a:schemeClr val="accent1"/>
+          </a:effectRef>
+          <a:fontRef idx="minor">
+            <a:schemeClr val="lt1"/>
+          </a:fontRef>
+        </p:style>
+        <p:txBody>
+          <a:bodyPr rtlCol="0" anchor="ctr"/>
+          <a:lstStyle/>
+          <a:p>
+            <a:pPr algn="ctr"/>
+            <a:r>
+              <a:rPr lang="en-US" altLang="ko-KR" dirty="0" smtClean="0"/>
+              <a:t>h2</a:t>
+            </a:r>
+            <a:endParaRPr lang="ko-KR" altLang="en-US" dirty="0"/>
+          </a:p>
+        </p:txBody>
+      </p:sp>
+      <p:sp>
+        <p:nvSpPr>
+          <p:cNvPr id="11" name="직사각형 10"/>
+          <p:cNvSpPr/>
+          <p:nvPr/>
+        </p:nvSpPr>
+        <p:spPr>
+          <a:xfrm>
+            <a:off x="3661718" y="5704702"/>
+            <a:ext cx="2010032" cy="527222"/>
+          </a:xfrm>
+          <a:prstGeom prst="rect">
+            <a:avLst/>
+          </a:prstGeom>
+          <a:solidFill>
+            <a:schemeClr val="bg2">
+              <a:lumMod val="75000"/>
+            </a:schemeClr>
+          </a:solidFill>
+          <a:ln>
+            <a:solidFill>
+              <a:schemeClr val="bg2">
+                <a:lumMod val="75000"/>
+              </a:schemeClr>
+            </a:solidFill>
+          </a:ln>
+        </p:spPr>
+        <p:style>
+          <a:lnRef idx="2">
+            <a:schemeClr val="accent1">
+              <a:shade val="50000"/>
+            </a:schemeClr>
+          </a:lnRef>
+          <a:fillRef idx="1">
+            <a:schemeClr val="accent1"/>
+          </a:fillRef>
+          <a:effectRef idx="0">
+            <a:schemeClr val="accent1"/>
+          </a:effectRef>
+          <a:fontRef idx="minor">
+            <a:schemeClr val="lt1"/>
+          </a:fontRef>
+        </p:style>
+        <p:txBody>
+          <a:bodyPr rtlCol="0" anchor="ctr"/>
+          <a:lstStyle/>
+          <a:p>
+            <a:pPr algn="ctr"/>
+            <a:r>
+              <a:rPr lang="en-US" altLang="ko-KR" dirty="0" smtClean="0"/>
+              <a:t>li</a:t>
+            </a:r>
+            <a:endParaRPr lang="ko-KR" altLang="en-US" dirty="0"/>
+          </a:p>
+        </p:txBody>
+      </p:sp>
+      <p:sp>
+        <p:nvSpPr>
+          <p:cNvPr id="12" name="직사각형 11"/>
+          <p:cNvSpPr/>
+          <p:nvPr/>
+        </p:nvSpPr>
+        <p:spPr>
+          <a:xfrm>
+            <a:off x="939112" y="4687329"/>
+            <a:ext cx="2010032" cy="527222"/>
+          </a:xfrm>
+          <a:prstGeom prst="rect">
+            <a:avLst/>
+          </a:prstGeom>
+          <a:solidFill>
+            <a:schemeClr val="bg2">
+              <a:lumMod val="75000"/>
+            </a:schemeClr>
+          </a:solidFill>
+          <a:ln>
+            <a:solidFill>
+              <a:schemeClr val="bg2">
+                <a:lumMod val="75000"/>
+              </a:schemeClr>
+            </a:solidFill>
+          </a:ln>
+        </p:spPr>
+        <p:style>
+          <a:lnRef idx="2">
+            <a:schemeClr val="accent1">
+              <a:shade val="50000"/>
+            </a:schemeClr>
+          </a:lnRef>
+          <a:fillRef idx="1">
+            <a:schemeClr val="accent1"/>
+          </a:fillRef>
+          <a:effectRef idx="0">
+            <a:schemeClr val="accent1"/>
+          </a:effectRef>
+          <a:fontRef idx="minor">
+            <a:schemeClr val="lt1"/>
+          </a:fontRef>
+        </p:style>
+        <p:txBody>
+          <a:bodyPr rtlCol="0" anchor="ctr"/>
+          <a:lstStyle/>
+          <a:p>
+            <a:pPr algn="ctr"/>
+            <a:r>
+              <a:rPr lang="en-US" altLang="ko-KR" dirty="0" smtClean="0"/>
+              <a:t>h1</a:t>
+            </a:r>
+            <a:endParaRPr lang="ko-KR" altLang="en-US" dirty="0"/>
+          </a:p>
+        </p:txBody>
+      </p:sp>
+      <p:sp>
+        <p:nvSpPr>
+          <p:cNvPr id="13" name="직사각형 12"/>
+          <p:cNvSpPr/>
+          <p:nvPr/>
+        </p:nvSpPr>
+        <p:spPr>
+          <a:xfrm>
+            <a:off x="939112" y="5704702"/>
+            <a:ext cx="2010032" cy="527222"/>
+          </a:xfrm>
+          <a:prstGeom prst="rect">
+            <a:avLst/>
+          </a:prstGeom>
+          <a:solidFill>
+            <a:srgbClr val="0BE9BF"/>
+          </a:solidFill>
+          <a:ln>
+            <a:solidFill>
+              <a:srgbClr val="0BE9BF"/>
+            </a:solidFill>
+          </a:ln>
+        </p:spPr>
+        <p:style>
+          <a:lnRef idx="2">
+            <a:schemeClr val="accent1">
+              <a:shade val="50000"/>
+            </a:schemeClr>
+          </a:lnRef>
+          <a:fillRef idx="1">
+            <a:schemeClr val="accent1"/>
+          </a:fillRef>
+          <a:effectRef idx="0">
+            <a:schemeClr val="accent1"/>
+          </a:effectRef>
+          <a:fontRef idx="minor">
+            <a:schemeClr val="lt1"/>
+          </a:fontRef>
+        </p:style>
+        <p:txBody>
+          <a:bodyPr rtlCol="0" anchor="ctr"/>
+          <a:lstStyle/>
+          <a:p>
+            <a:pPr algn="ctr"/>
+            <a:r>
+              <a:rPr lang="en-US" altLang="ko-KR" dirty="0" smtClean="0"/>
+              <a:t>li</a:t>
+            </a:r>
+            <a:endParaRPr lang="ko-KR" altLang="en-US" dirty="0"/>
+          </a:p>
+        </p:txBody>
+      </p:sp>
+      <p:cxnSp>
+        <p:nvCxnSpPr>
+          <p:cNvPr id="14" name="꺾인 연결선 13"/>
+          <p:cNvCxnSpPr>
+            <a:stCxn id="12" idx="0"/>
+            <a:endCxn id="5" idx="2"/>
+          </p:cNvCxnSpPr>
+          <p:nvPr/>
+        </p:nvCxnSpPr>
+        <p:spPr>
+          <a:xfrm rot="5400000" flipH="1" flipV="1">
+            <a:off x="3566982" y="2310713"/>
+            <a:ext cx="753762" cy="3999471"/>
+          </a:xfrm>
+          <a:prstGeom prst="bentConnector3">
+            <a:avLst>
+              <a:gd name="adj1" fmla="val 50000"/>
+            </a:avLst>
+          </a:prstGeom>
+          <a:ln w="38100">
+            <a:solidFill>
+              <a:schemeClr val="tx1">
+                <a:lumMod val="50000"/>
+                <a:lumOff val="50000"/>
+              </a:schemeClr>
+            </a:solidFill>
+          </a:ln>
+        </p:spPr>
+        <p:style>
+          <a:lnRef idx="1">
+            <a:schemeClr val="accent1"/>
+          </a:lnRef>
+          <a:fillRef idx="0">
+            <a:schemeClr val="accent1"/>
+          </a:fillRef>
+          <a:effectRef idx="0">
+            <a:schemeClr val="accent1"/>
+          </a:effectRef>
+          <a:fontRef idx="minor">
+            <a:schemeClr val="tx1"/>
+          </a:fontRef>
+        </p:style>
+      </p:cxnSp>
+      <p:cxnSp>
+        <p:nvCxnSpPr>
+          <p:cNvPr id="15" name="꺾인 연결선 14"/>
+          <p:cNvCxnSpPr>
+            <a:stCxn id="10" idx="0"/>
+            <a:endCxn id="5" idx="2"/>
+          </p:cNvCxnSpPr>
+          <p:nvPr/>
+        </p:nvCxnSpPr>
+        <p:spPr>
+          <a:xfrm rot="5400000" flipH="1" flipV="1">
+            <a:off x="4928285" y="3672016"/>
+            <a:ext cx="753762" cy="1276865"/>
+          </a:xfrm>
+          <a:prstGeom prst="bentConnector3">
+            <a:avLst>
+              <a:gd name="adj1" fmla="val 50000"/>
+            </a:avLst>
+          </a:prstGeom>
+          <a:ln w="38100">
+            <a:solidFill>
+              <a:schemeClr val="tx1">
+                <a:lumMod val="50000"/>
+                <a:lumOff val="50000"/>
+              </a:schemeClr>
+            </a:solidFill>
+          </a:ln>
+        </p:spPr>
+        <p:style>
+          <a:lnRef idx="1">
+            <a:schemeClr val="accent1"/>
+          </a:lnRef>
+          <a:fillRef idx="0">
+            <a:schemeClr val="accent1"/>
+          </a:fillRef>
+          <a:effectRef idx="0">
+            <a:schemeClr val="accent1"/>
+          </a:effectRef>
+          <a:fontRef idx="minor">
+            <a:schemeClr val="tx1"/>
+          </a:fontRef>
+        </p:style>
+      </p:cxnSp>
+      <p:cxnSp>
+        <p:nvCxnSpPr>
+          <p:cNvPr id="16" name="꺾인 연결선 15"/>
+          <p:cNvCxnSpPr>
+            <a:stCxn id="8" idx="0"/>
+            <a:endCxn id="5" idx="2"/>
+          </p:cNvCxnSpPr>
+          <p:nvPr/>
+        </p:nvCxnSpPr>
+        <p:spPr>
+          <a:xfrm rot="16200000" flipV="1">
+            <a:off x="6289589" y="3587577"/>
+            <a:ext cx="753762" cy="1445741"/>
+          </a:xfrm>
+          <a:prstGeom prst="bentConnector3">
+            <a:avLst>
+              <a:gd name="adj1" fmla="val 50000"/>
+            </a:avLst>
+          </a:prstGeom>
+          <a:ln w="38100">
+            <a:solidFill>
+              <a:schemeClr val="tx1">
+                <a:lumMod val="50000"/>
+                <a:lumOff val="50000"/>
+              </a:schemeClr>
+            </a:solidFill>
+          </a:ln>
+        </p:spPr>
+        <p:style>
+          <a:lnRef idx="1">
+            <a:schemeClr val="accent1"/>
+          </a:lnRef>
+          <a:fillRef idx="0">
+            <a:schemeClr val="accent1"/>
+          </a:fillRef>
+          <a:effectRef idx="0">
+            <a:schemeClr val="accent1"/>
+          </a:effectRef>
+          <a:fontRef idx="minor">
+            <a:schemeClr val="tx1"/>
+          </a:fontRef>
+        </p:style>
+      </p:cxnSp>
+      <p:cxnSp>
+        <p:nvCxnSpPr>
+          <p:cNvPr id="17" name="꺾인 연결선 16"/>
+          <p:cNvCxnSpPr>
+            <a:stCxn id="6" idx="0"/>
+            <a:endCxn id="5" idx="2"/>
+          </p:cNvCxnSpPr>
+          <p:nvPr/>
+        </p:nvCxnSpPr>
+        <p:spPr>
+          <a:xfrm rot="16200000" flipV="1">
+            <a:off x="7650892" y="2226274"/>
+            <a:ext cx="753762" cy="4168347"/>
+          </a:xfrm>
+          <a:prstGeom prst="bentConnector3">
+            <a:avLst>
+              <a:gd name="adj1" fmla="val 50000"/>
+            </a:avLst>
+          </a:prstGeom>
+          <a:ln w="38100">
+            <a:solidFill>
+              <a:schemeClr val="tx1">
+                <a:lumMod val="50000"/>
+                <a:lumOff val="50000"/>
+              </a:schemeClr>
+            </a:solidFill>
+          </a:ln>
+        </p:spPr>
+        <p:style>
+          <a:lnRef idx="1">
+            <a:schemeClr val="accent1"/>
+          </a:lnRef>
+          <a:fillRef idx="0">
+            <a:schemeClr val="accent1"/>
+          </a:fillRef>
+          <a:effectRef idx="0">
+            <a:schemeClr val="accent1"/>
+          </a:effectRef>
+          <a:fontRef idx="minor">
+            <a:schemeClr val="tx1"/>
+          </a:fontRef>
+        </p:style>
+      </p:cxnSp>
+      <p:cxnSp>
+        <p:nvCxnSpPr>
+          <p:cNvPr id="18" name="꺾인 연결선 17"/>
+          <p:cNvCxnSpPr>
+            <a:stCxn id="13" idx="0"/>
+            <a:endCxn id="8" idx="2"/>
+          </p:cNvCxnSpPr>
+          <p:nvPr/>
+        </p:nvCxnSpPr>
+        <p:spPr>
+          <a:xfrm rot="5400000" flipH="1" flipV="1">
+            <a:off x="4421659" y="2737021"/>
+            <a:ext cx="490151" cy="5445212"/>
+          </a:xfrm>
+          <a:prstGeom prst="bentConnector3">
+            <a:avLst>
+              <a:gd name="adj1" fmla="val 50000"/>
+            </a:avLst>
+          </a:prstGeom>
+          <a:ln w="38100">
+            <a:solidFill>
+              <a:schemeClr val="tx1">
+                <a:lumMod val="50000"/>
+                <a:lumOff val="50000"/>
+              </a:schemeClr>
+            </a:solidFill>
+          </a:ln>
+        </p:spPr>
+        <p:style>
+          <a:lnRef idx="1">
+            <a:schemeClr val="accent1"/>
+          </a:lnRef>
+          <a:fillRef idx="0">
+            <a:schemeClr val="accent1"/>
+          </a:fillRef>
+          <a:effectRef idx="0">
+            <a:schemeClr val="accent1"/>
+          </a:effectRef>
+          <a:fontRef idx="minor">
+            <a:schemeClr val="tx1"/>
+          </a:fontRef>
+        </p:style>
+      </p:cxnSp>
+      <p:cxnSp>
+        <p:nvCxnSpPr>
+          <p:cNvPr id="19" name="꺾인 연결선 18"/>
+          <p:cNvCxnSpPr>
+            <a:stCxn id="11" idx="0"/>
+            <a:endCxn id="8" idx="2"/>
+          </p:cNvCxnSpPr>
+          <p:nvPr/>
+        </p:nvCxnSpPr>
+        <p:spPr>
+          <a:xfrm rot="5400000" flipH="1" flipV="1">
+            <a:off x="5782962" y="4098324"/>
+            <a:ext cx="490151" cy="2722606"/>
+          </a:xfrm>
+          <a:prstGeom prst="bentConnector3">
+            <a:avLst>
+              <a:gd name="adj1" fmla="val 50000"/>
+            </a:avLst>
+          </a:prstGeom>
+          <a:ln w="38100">
+            <a:solidFill>
+              <a:schemeClr val="tx1">
+                <a:lumMod val="50000"/>
+                <a:lumOff val="50000"/>
+              </a:schemeClr>
+            </a:solidFill>
+          </a:ln>
+        </p:spPr>
+        <p:style>
+          <a:lnRef idx="1">
+            <a:schemeClr val="accent1"/>
+          </a:lnRef>
+          <a:fillRef idx="0">
+            <a:schemeClr val="accent1"/>
+          </a:fillRef>
+          <a:effectRef idx="0">
+            <a:schemeClr val="accent1"/>
+          </a:effectRef>
+          <a:fontRef idx="minor">
+            <a:schemeClr val="tx1"/>
+          </a:fontRef>
+        </p:style>
+      </p:cxnSp>
+      <p:cxnSp>
+        <p:nvCxnSpPr>
+          <p:cNvPr id="20" name="꺾인 연결선 19"/>
+          <p:cNvCxnSpPr>
+            <a:stCxn id="9" idx="0"/>
+            <a:endCxn id="8" idx="2"/>
+          </p:cNvCxnSpPr>
+          <p:nvPr/>
+        </p:nvCxnSpPr>
+        <p:spPr>
+          <a:xfrm rot="5400000" flipH="1" flipV="1">
+            <a:off x="7144265" y="5459627"/>
+            <a:ext cx="490151" cy="12700"/>
+          </a:xfrm>
+          <a:prstGeom prst="bentConnector3">
+            <a:avLst>
+              <a:gd name="adj1" fmla="val 50000"/>
+            </a:avLst>
+          </a:prstGeom>
+          <a:ln w="38100">
+            <a:solidFill>
+              <a:schemeClr val="tx1">
+                <a:lumMod val="50000"/>
+                <a:lumOff val="50000"/>
+              </a:schemeClr>
+            </a:solidFill>
+          </a:ln>
+        </p:spPr>
+        <p:style>
+          <a:lnRef idx="1">
+            <a:schemeClr val="accent1"/>
+          </a:lnRef>
+          <a:fillRef idx="0">
+            <a:schemeClr val="accent1"/>
+          </a:fillRef>
+          <a:effectRef idx="0">
+            <a:schemeClr val="accent1"/>
+          </a:effectRef>
+          <a:fontRef idx="minor">
+            <a:schemeClr val="tx1"/>
+          </a:fontRef>
+        </p:style>
+      </p:cxnSp>
+      <p:cxnSp>
+        <p:nvCxnSpPr>
+          <p:cNvPr id="21" name="꺾인 연결선 20"/>
+          <p:cNvCxnSpPr>
+            <a:stCxn id="7" idx="0"/>
+            <a:endCxn id="8" idx="2"/>
+          </p:cNvCxnSpPr>
+          <p:nvPr/>
+        </p:nvCxnSpPr>
+        <p:spPr>
+          <a:xfrm rot="16200000" flipV="1">
+            <a:off x="8505568" y="4098324"/>
+            <a:ext cx="490151" cy="2722606"/>
+          </a:xfrm>
+          <a:prstGeom prst="bentConnector3">
+            <a:avLst>
+              <a:gd name="adj1" fmla="val 50000"/>
+            </a:avLst>
+          </a:prstGeom>
+          <a:ln w="38100">
+            <a:solidFill>
+              <a:schemeClr val="tx1">
+                <a:lumMod val="50000"/>
+                <a:lumOff val="50000"/>
+              </a:schemeClr>
+            </a:solidFill>
+          </a:ln>
+        </p:spPr>
+        <p:style>
+          <a:lnRef idx="1">
+            <a:schemeClr val="accent1"/>
+          </a:lnRef>
+          <a:fillRef idx="0">
+            <a:schemeClr val="accent1"/>
+          </a:fillRef>
+          <a:effectRef idx="0">
+            <a:schemeClr val="accent1"/>
+          </a:effectRef>
+          <a:fontRef idx="minor">
+            <a:schemeClr val="tx1"/>
+          </a:fontRef>
+        </p:style>
+      </p:cxnSp>
+      <p:cxnSp>
+        <p:nvCxnSpPr>
+          <p:cNvPr id="41" name="직선 연결선 40"/>
+          <p:cNvCxnSpPr>
+            <a:stCxn id="4" idx="2"/>
+            <a:endCxn id="5" idx="0"/>
+          </p:cNvCxnSpPr>
+          <p:nvPr/>
+        </p:nvCxnSpPr>
+        <p:spPr>
+          <a:xfrm>
+            <a:off x="5943599" y="3204518"/>
+            <a:ext cx="0" cy="201827"/>
+          </a:xfrm>
+          <a:prstGeom prst="line">
+            <a:avLst/>
+          </a:prstGeom>
+          <a:ln w="38100">
+            <a:solidFill>
+              <a:schemeClr val="tx1">
+                <a:lumMod val="50000"/>
+                <a:lumOff val="50000"/>
+              </a:schemeClr>
+            </a:solidFill>
+          </a:ln>
+        </p:spPr>
+        <p:style>
+          <a:lnRef idx="1">
+            <a:schemeClr val="accent1"/>
+          </a:lnRef>
+          <a:fillRef idx="0">
+            <a:schemeClr val="accent1"/>
+          </a:fillRef>
+          <a:effectRef idx="0">
+            <a:schemeClr val="accent1"/>
+          </a:effectRef>
+          <a:fontRef idx="minor">
+            <a:schemeClr val="tx1"/>
+          </a:fontRef>
+        </p:style>
+      </p:cxnSp>
+      <p:sp>
+        <p:nvSpPr>
+          <p:cNvPr id="44" name="TextBox 43"/>
+          <p:cNvSpPr txBox="1"/>
+          <p:nvPr/>
+        </p:nvSpPr>
+        <p:spPr>
+          <a:xfrm>
+            <a:off x="939112" y="551935"/>
+            <a:ext cx="10305537" cy="1754326"/>
+          </a:xfrm>
+          <a:prstGeom prst="rect">
+            <a:avLst/>
+          </a:prstGeom>
+          <a:noFill/>
+        </p:spPr>
+        <p:txBody>
+          <a:bodyPr wrap="square" rtlCol="0">
+            <a:spAutoFit/>
+          </a:bodyPr>
+          <a:lstStyle/>
+          <a:p>
+            <a:r>
+              <a:rPr lang="en-US" altLang="ko-KR" dirty="0" err="1" smtClean="0"/>
+              <a:t>getElementById</a:t>
+            </a:r>
+            <a:r>
+              <a:rPr lang="en-US" altLang="ko-KR" dirty="0" smtClean="0"/>
+              <a:t>(‘id’) : id </a:t>
+            </a:r>
+            <a:r>
+              <a:rPr lang="ko-KR" altLang="en-US" dirty="0" err="1" smtClean="0"/>
+              <a:t>선택값이</a:t>
+            </a:r>
+            <a:r>
+              <a:rPr lang="ko-KR" altLang="en-US" dirty="0" smtClean="0"/>
+              <a:t> 일치하는 하나의 개별 요소를 선택한다</a:t>
+            </a:r>
+            <a:r>
+              <a:rPr lang="en-US" altLang="ko-KR" dirty="0" smtClean="0"/>
+              <a:t>. </a:t>
+            </a:r>
+          </a:p>
+          <a:p>
+            <a:r>
+              <a:rPr lang="en-US" altLang="ko-KR" dirty="0"/>
+              <a:t>	</a:t>
+            </a:r>
+            <a:r>
+              <a:rPr lang="en-US" altLang="ko-KR" dirty="0" smtClean="0"/>
+              <a:t>ex) </a:t>
+            </a:r>
+            <a:r>
+              <a:rPr lang="en-US" altLang="ko-KR" dirty="0" err="1" smtClean="0"/>
+              <a:t>getElementById</a:t>
+            </a:r>
+            <a:r>
+              <a:rPr lang="en-US" altLang="ko-KR" dirty="0" smtClean="0"/>
+              <a:t>(‘one’)</a:t>
+            </a:r>
+          </a:p>
+          <a:p>
+            <a:endParaRPr lang="en-US" altLang="ko-KR" dirty="0"/>
+          </a:p>
+          <a:p>
+            <a:r>
+              <a:rPr lang="en-US" altLang="ko-KR" dirty="0" err="1" smtClean="0"/>
+              <a:t>querySelector</a:t>
+            </a:r>
+            <a:r>
+              <a:rPr lang="en-US" altLang="ko-KR" dirty="0" smtClean="0"/>
+              <a:t>(‘</a:t>
+            </a:r>
+            <a:r>
+              <a:rPr lang="en-US" altLang="ko-KR" dirty="0" err="1" smtClean="0"/>
+              <a:t>css</a:t>
+            </a:r>
+            <a:r>
+              <a:rPr lang="en-US" altLang="ko-KR" dirty="0" smtClean="0"/>
+              <a:t> </a:t>
+            </a:r>
+            <a:r>
+              <a:rPr lang="ko-KR" altLang="en-US" dirty="0" err="1" smtClean="0"/>
+              <a:t>선택자</a:t>
+            </a:r>
+            <a:r>
+              <a:rPr lang="en-US" altLang="ko-KR" dirty="0" smtClean="0"/>
+              <a:t>’) : </a:t>
+            </a:r>
+            <a:r>
+              <a:rPr lang="en-US" altLang="ko-KR" dirty="0" err="1" smtClean="0"/>
+              <a:t>css</a:t>
+            </a:r>
+            <a:r>
+              <a:rPr lang="ko-KR" altLang="en-US" dirty="0" err="1" smtClean="0"/>
+              <a:t>선택자</a:t>
+            </a:r>
+            <a:r>
+              <a:rPr lang="ko-KR" altLang="en-US" dirty="0" smtClean="0"/>
+              <a:t> 문법을 이용하여 하나 혹은 그 이상의 요소를 찾아 </a:t>
+            </a:r>
+            <a:r>
+              <a:rPr lang="ko-KR" altLang="en-US" dirty="0" err="1" smtClean="0"/>
+              <a:t>첫번째</a:t>
+            </a:r>
+            <a:r>
+              <a:rPr lang="ko-KR" altLang="en-US" dirty="0" smtClean="0"/>
+              <a:t> </a:t>
+            </a:r>
+            <a:r>
+              <a:rPr lang="en-US" altLang="ko-KR" dirty="0" smtClean="0"/>
+              <a:t>				  </a:t>
+            </a:r>
+            <a:r>
+              <a:rPr lang="ko-KR" altLang="en-US" dirty="0" smtClean="0"/>
+              <a:t>요소를 </a:t>
+            </a:r>
+            <a:r>
+              <a:rPr lang="ko-KR" altLang="en-US" dirty="0" err="1" smtClean="0"/>
+              <a:t>리턴한다</a:t>
+            </a:r>
+            <a:r>
+              <a:rPr lang="en-US" altLang="ko-KR" dirty="0" smtClean="0"/>
+              <a:t>. </a:t>
+            </a:r>
+          </a:p>
+          <a:p>
+            <a:r>
+              <a:rPr lang="en-US" altLang="ko-KR" dirty="0"/>
+              <a:t>	</a:t>
+            </a:r>
+            <a:r>
+              <a:rPr lang="en-US" altLang="ko-KR" dirty="0" smtClean="0"/>
+              <a:t>ex) </a:t>
+            </a:r>
+            <a:r>
+              <a:rPr lang="en-US" altLang="ko-KR" dirty="0" err="1" smtClean="0"/>
+              <a:t>querySelector</a:t>
+            </a:r>
+            <a:r>
+              <a:rPr lang="en-US" altLang="ko-KR" dirty="0" smtClean="0"/>
+              <a:t>(‘</a:t>
+            </a:r>
+            <a:r>
+              <a:rPr lang="en-US" altLang="ko-KR" dirty="0" err="1" smtClean="0"/>
+              <a:t>li.hto</a:t>
+            </a:r>
+            <a:r>
+              <a:rPr lang="en-US" altLang="ko-KR" dirty="0" smtClean="0"/>
+              <a:t>’)</a:t>
+            </a:r>
+            <a:endParaRPr lang="ko-KR" altLang="en-US" dirty="0"/>
+          </a:p>
+        </p:txBody>
+      </p:sp>
+    </p:spTree>
+    <p:extLst>
+      <p:ext uri="{BB962C8B-B14F-4D97-AF65-F5344CB8AC3E}">
+        <p14:creationId xmlns:p14="http://schemas.microsoft.com/office/powerpoint/2010/main" val="1822253304"/>
+      </p:ext>
+    </p:extLst>
+  </p:cSld>
+  <p:clrMapOvr>
+    <a:masterClrMapping/>
+  </p:clrMapOvr>
+</p:sld>
+</file>
+
+<file path=ppt/slides/slide17.xml><?xml version="1.0" encoding="utf-8"?>
+<p:sld xmlns:a="http://schemas.openxmlformats.org/drawingml/2006/main" xmlns:r="http://schemas.openxmlformats.org/officeDocument/2006/relationships" xmlns:p="http://schemas.openxmlformats.org/presentationml/2006/main">
+  <p:cSld>
+    <p:spTree>
+      <p:nvGrpSpPr>
+        <p:cNvPr id="1" name=""/>
+        <p:cNvGrpSpPr/>
+        <p:nvPr/>
+      </p:nvGrpSpPr>
+      <p:grpSpPr>
+        <a:xfrm>
+          <a:off x="0" y="0"/>
+          <a:ext cx="0" cy="0"/>
+          <a:chOff x="0" y="0"/>
+          <a:chExt cx="0" cy="0"/>
+        </a:xfrm>
+      </p:grpSpPr>
+      <p:sp>
+        <p:nvSpPr>
+          <p:cNvPr id="4" name="직사각형 3"/>
+          <p:cNvSpPr/>
+          <p:nvPr/>
+        </p:nvSpPr>
+        <p:spPr>
+          <a:xfrm>
+            <a:off x="4938583" y="2677296"/>
+            <a:ext cx="2010032" cy="527222"/>
+          </a:xfrm>
+          <a:prstGeom prst="rect">
+            <a:avLst/>
+          </a:prstGeom>
+          <a:solidFill>
+            <a:schemeClr val="bg2">
+              <a:lumMod val="75000"/>
+            </a:schemeClr>
+          </a:solidFill>
+          <a:ln>
+            <a:solidFill>
+              <a:schemeClr val="bg2">
+                <a:lumMod val="75000"/>
+              </a:schemeClr>
+            </a:solidFill>
+          </a:ln>
+        </p:spPr>
+        <p:style>
+          <a:lnRef idx="2">
+            <a:schemeClr val="accent1">
+              <a:shade val="50000"/>
+            </a:schemeClr>
+          </a:lnRef>
+          <a:fillRef idx="1">
+            <a:schemeClr val="accent1"/>
+          </a:fillRef>
+          <a:effectRef idx="0">
+            <a:schemeClr val="accent1"/>
+          </a:effectRef>
+          <a:fontRef idx="minor">
+            <a:schemeClr val="lt1"/>
+          </a:fontRef>
+        </p:style>
+        <p:txBody>
+          <a:bodyPr rtlCol="0" anchor="ctr"/>
+          <a:lstStyle/>
+          <a:p>
+            <a:pPr algn="ctr"/>
+            <a:r>
+              <a:rPr lang="en-US" altLang="ko-KR" dirty="0" smtClean="0"/>
+              <a:t>body</a:t>
+            </a:r>
+            <a:endParaRPr lang="ko-KR" altLang="en-US" dirty="0"/>
+          </a:p>
+        </p:txBody>
+      </p:sp>
+      <p:sp>
+        <p:nvSpPr>
+          <p:cNvPr id="5" name="직사각형 4"/>
+          <p:cNvSpPr/>
+          <p:nvPr/>
+        </p:nvSpPr>
+        <p:spPr>
+          <a:xfrm>
+            <a:off x="4938583" y="3406345"/>
+            <a:ext cx="2010032" cy="527222"/>
+          </a:xfrm>
+          <a:prstGeom prst="rect">
+            <a:avLst/>
+          </a:prstGeom>
+          <a:solidFill>
+            <a:schemeClr val="bg2">
+              <a:lumMod val="75000"/>
+            </a:schemeClr>
+          </a:solidFill>
+          <a:ln>
+            <a:solidFill>
+              <a:schemeClr val="bg2">
+                <a:lumMod val="75000"/>
+              </a:schemeClr>
+            </a:solidFill>
+          </a:ln>
+        </p:spPr>
+        <p:style>
+          <a:lnRef idx="2">
+            <a:schemeClr val="accent1">
+              <a:shade val="50000"/>
+            </a:schemeClr>
+          </a:lnRef>
+          <a:fillRef idx="1">
+            <a:schemeClr val="accent1"/>
+          </a:fillRef>
+          <a:effectRef idx="0">
+            <a:schemeClr val="accent1"/>
+          </a:effectRef>
+          <a:fontRef idx="minor">
+            <a:schemeClr val="lt1"/>
+          </a:fontRef>
+        </p:style>
+        <p:txBody>
+          <a:bodyPr rtlCol="0" anchor="ctr"/>
+          <a:lstStyle/>
+          <a:p>
+            <a:pPr algn="ctr"/>
+            <a:r>
+              <a:rPr lang="en-US" altLang="ko-KR" dirty="0" smtClean="0"/>
+              <a:t>div</a:t>
+            </a:r>
+            <a:endParaRPr lang="ko-KR" altLang="en-US" dirty="0"/>
+          </a:p>
+        </p:txBody>
+      </p:sp>
+      <p:sp>
+        <p:nvSpPr>
+          <p:cNvPr id="6" name="직사각형 5"/>
+          <p:cNvSpPr/>
+          <p:nvPr/>
+        </p:nvSpPr>
+        <p:spPr>
+          <a:xfrm>
+            <a:off x="9106930" y="4687329"/>
+            <a:ext cx="2010032" cy="527222"/>
+          </a:xfrm>
+          <a:prstGeom prst="rect">
+            <a:avLst/>
+          </a:prstGeom>
+          <a:solidFill>
+            <a:schemeClr val="bg2">
+              <a:lumMod val="75000"/>
+            </a:schemeClr>
+          </a:solidFill>
+          <a:ln>
+            <a:solidFill>
+              <a:schemeClr val="bg2">
+                <a:lumMod val="75000"/>
+              </a:schemeClr>
+            </a:solidFill>
+          </a:ln>
+        </p:spPr>
+        <p:style>
+          <a:lnRef idx="2">
+            <a:schemeClr val="accent1">
+              <a:shade val="50000"/>
+            </a:schemeClr>
+          </a:lnRef>
+          <a:fillRef idx="1">
+            <a:schemeClr val="accent1"/>
+          </a:fillRef>
+          <a:effectRef idx="0">
+            <a:schemeClr val="accent1"/>
+          </a:effectRef>
+          <a:fontRef idx="minor">
+            <a:schemeClr val="lt1"/>
+          </a:fontRef>
+        </p:style>
+        <p:txBody>
+          <a:bodyPr rtlCol="0" anchor="ctr"/>
+          <a:lstStyle/>
+          <a:p>
+            <a:pPr algn="ctr"/>
+            <a:r>
+              <a:rPr lang="en-US" altLang="ko-KR" dirty="0" smtClean="0"/>
+              <a:t>script</a:t>
+            </a:r>
+            <a:endParaRPr lang="ko-KR" altLang="en-US" dirty="0"/>
+          </a:p>
+        </p:txBody>
+      </p:sp>
+      <p:sp>
+        <p:nvSpPr>
+          <p:cNvPr id="7" name="직사각형 6"/>
+          <p:cNvSpPr/>
+          <p:nvPr/>
+        </p:nvSpPr>
+        <p:spPr>
+          <a:xfrm>
+            <a:off x="9106930" y="5704702"/>
+            <a:ext cx="2010032" cy="527222"/>
+          </a:xfrm>
+          <a:prstGeom prst="rect">
+            <a:avLst/>
+          </a:prstGeom>
+          <a:solidFill>
+            <a:schemeClr val="bg2">
+              <a:lumMod val="75000"/>
+            </a:schemeClr>
+          </a:solidFill>
+          <a:ln>
+            <a:solidFill>
+              <a:schemeClr val="bg2">
+                <a:lumMod val="75000"/>
+              </a:schemeClr>
+            </a:solidFill>
+          </a:ln>
+        </p:spPr>
+        <p:style>
+          <a:lnRef idx="2">
+            <a:schemeClr val="accent1">
+              <a:shade val="50000"/>
+            </a:schemeClr>
+          </a:lnRef>
+          <a:fillRef idx="1">
+            <a:schemeClr val="accent1"/>
+          </a:fillRef>
+          <a:effectRef idx="0">
+            <a:schemeClr val="accent1"/>
+          </a:effectRef>
+          <a:fontRef idx="minor">
+            <a:schemeClr val="lt1"/>
+          </a:fontRef>
+        </p:style>
+        <p:txBody>
+          <a:bodyPr rtlCol="0" anchor="ctr"/>
+          <a:lstStyle/>
+          <a:p>
+            <a:pPr algn="ctr"/>
+            <a:r>
+              <a:rPr lang="en-US" altLang="ko-KR"/>
+              <a:t>li</a:t>
+            </a:r>
+            <a:endParaRPr lang="ko-KR" altLang="en-US"/>
+          </a:p>
+        </p:txBody>
+      </p:sp>
+      <p:sp>
+        <p:nvSpPr>
+          <p:cNvPr id="8" name="직사각형 7"/>
+          <p:cNvSpPr/>
+          <p:nvPr/>
+        </p:nvSpPr>
+        <p:spPr>
+          <a:xfrm>
+            <a:off x="6384324" y="4687329"/>
+            <a:ext cx="2010032" cy="527222"/>
+          </a:xfrm>
+          <a:prstGeom prst="rect">
+            <a:avLst/>
+          </a:prstGeom>
+          <a:solidFill>
+            <a:schemeClr val="bg2">
+              <a:lumMod val="75000"/>
+            </a:schemeClr>
+          </a:solidFill>
+          <a:ln>
+            <a:solidFill>
+              <a:schemeClr val="bg2">
+                <a:lumMod val="75000"/>
+              </a:schemeClr>
+            </a:solidFill>
+          </a:ln>
+        </p:spPr>
+        <p:style>
+          <a:lnRef idx="2">
+            <a:schemeClr val="accent1">
+              <a:shade val="50000"/>
+            </a:schemeClr>
+          </a:lnRef>
+          <a:fillRef idx="1">
+            <a:schemeClr val="accent1"/>
+          </a:fillRef>
+          <a:effectRef idx="0">
+            <a:schemeClr val="accent1"/>
+          </a:effectRef>
+          <a:fontRef idx="minor">
+            <a:schemeClr val="lt1"/>
+          </a:fontRef>
+        </p:style>
+        <p:txBody>
+          <a:bodyPr rtlCol="0" anchor="ctr"/>
+          <a:lstStyle/>
+          <a:p>
+            <a:pPr algn="ctr"/>
+            <a:r>
+              <a:rPr lang="en-US" altLang="ko-KR" dirty="0" err="1" smtClean="0"/>
+              <a:t>ul</a:t>
+            </a:r>
+            <a:endParaRPr lang="ko-KR" altLang="en-US" dirty="0"/>
+          </a:p>
+        </p:txBody>
+      </p:sp>
+      <p:sp>
+        <p:nvSpPr>
+          <p:cNvPr id="9" name="직사각형 8"/>
+          <p:cNvSpPr/>
+          <p:nvPr/>
+        </p:nvSpPr>
+        <p:spPr>
+          <a:xfrm>
+            <a:off x="6384324" y="5704702"/>
+            <a:ext cx="2010032" cy="527222"/>
+          </a:xfrm>
+          <a:prstGeom prst="rect">
+            <a:avLst/>
+          </a:prstGeom>
+          <a:solidFill>
+            <a:srgbClr val="0BE9BF"/>
+          </a:solidFill>
+          <a:ln>
+            <a:solidFill>
+              <a:srgbClr val="0BE9BF"/>
+            </a:solidFill>
+          </a:ln>
+        </p:spPr>
+        <p:style>
+          <a:lnRef idx="2">
+            <a:schemeClr val="accent1">
+              <a:shade val="50000"/>
+            </a:schemeClr>
+          </a:lnRef>
+          <a:fillRef idx="1">
+            <a:schemeClr val="accent1"/>
+          </a:fillRef>
+          <a:effectRef idx="0">
+            <a:schemeClr val="accent1"/>
+          </a:effectRef>
+          <a:fontRef idx="minor">
+            <a:schemeClr val="lt1"/>
+          </a:fontRef>
+        </p:style>
+        <p:txBody>
+          <a:bodyPr rtlCol="0" anchor="ctr"/>
+          <a:lstStyle/>
+          <a:p>
+            <a:pPr algn="ctr"/>
+            <a:r>
+              <a:rPr lang="en-US" altLang="ko-KR"/>
+              <a:t>li</a:t>
+            </a:r>
+            <a:endParaRPr lang="ko-KR" altLang="en-US"/>
+          </a:p>
+        </p:txBody>
+      </p:sp>
+      <p:sp>
+        <p:nvSpPr>
+          <p:cNvPr id="10" name="직사각형 9"/>
+          <p:cNvSpPr/>
+          <p:nvPr/>
+        </p:nvSpPr>
+        <p:spPr>
+          <a:xfrm>
+            <a:off x="3661718" y="4687329"/>
+            <a:ext cx="2010032" cy="527222"/>
+          </a:xfrm>
+          <a:prstGeom prst="rect">
+            <a:avLst/>
+          </a:prstGeom>
+          <a:solidFill>
+            <a:schemeClr val="bg2">
+              <a:lumMod val="75000"/>
+            </a:schemeClr>
+          </a:solidFill>
+          <a:ln>
+            <a:solidFill>
+              <a:schemeClr val="bg2">
+                <a:lumMod val="75000"/>
+              </a:schemeClr>
+            </a:solidFill>
+          </a:ln>
+        </p:spPr>
+        <p:style>
+          <a:lnRef idx="2">
+            <a:schemeClr val="accent1">
+              <a:shade val="50000"/>
+            </a:schemeClr>
+          </a:lnRef>
+          <a:fillRef idx="1">
+            <a:schemeClr val="accent1"/>
+          </a:fillRef>
+          <a:effectRef idx="0">
+            <a:schemeClr val="accent1"/>
+          </a:effectRef>
+          <a:fontRef idx="minor">
+            <a:schemeClr val="lt1"/>
+          </a:fontRef>
+        </p:style>
+        <p:txBody>
+          <a:bodyPr rtlCol="0" anchor="ctr"/>
+          <a:lstStyle/>
+          <a:p>
+            <a:pPr algn="ctr"/>
+            <a:r>
+              <a:rPr lang="en-US" altLang="ko-KR" dirty="0" smtClean="0"/>
+              <a:t>h2</a:t>
+            </a:r>
+            <a:endParaRPr lang="ko-KR" altLang="en-US" dirty="0"/>
+          </a:p>
+        </p:txBody>
+      </p:sp>
+      <p:sp>
+        <p:nvSpPr>
+          <p:cNvPr id="11" name="직사각형 10"/>
+          <p:cNvSpPr/>
+          <p:nvPr/>
+        </p:nvSpPr>
+        <p:spPr>
+          <a:xfrm>
+            <a:off x="3661718" y="5704702"/>
+            <a:ext cx="2010032" cy="527222"/>
+          </a:xfrm>
+          <a:prstGeom prst="rect">
+            <a:avLst/>
+          </a:prstGeom>
+          <a:solidFill>
+            <a:srgbClr val="0BE9BF"/>
+          </a:solidFill>
+          <a:ln>
+            <a:solidFill>
+              <a:srgbClr val="0BE9BF"/>
+            </a:solidFill>
+          </a:ln>
+        </p:spPr>
+        <p:style>
+          <a:lnRef idx="2">
+            <a:schemeClr val="accent1">
+              <a:shade val="50000"/>
+            </a:schemeClr>
+          </a:lnRef>
+          <a:fillRef idx="1">
+            <a:schemeClr val="accent1"/>
+          </a:fillRef>
+          <a:effectRef idx="0">
+            <a:schemeClr val="accent1"/>
+          </a:effectRef>
+          <a:fontRef idx="minor">
+            <a:schemeClr val="lt1"/>
+          </a:fontRef>
+        </p:style>
+        <p:txBody>
+          <a:bodyPr rtlCol="0" anchor="ctr"/>
+          <a:lstStyle/>
+          <a:p>
+            <a:pPr algn="ctr"/>
+            <a:r>
+              <a:rPr lang="en-US" altLang="ko-KR" dirty="0" smtClean="0"/>
+              <a:t>li</a:t>
+            </a:r>
+            <a:endParaRPr lang="ko-KR" altLang="en-US" dirty="0"/>
+          </a:p>
+        </p:txBody>
+      </p:sp>
+      <p:sp>
+        <p:nvSpPr>
+          <p:cNvPr id="12" name="직사각형 11"/>
+          <p:cNvSpPr/>
+          <p:nvPr/>
+        </p:nvSpPr>
+        <p:spPr>
+          <a:xfrm>
+            <a:off x="939112" y="4687329"/>
+            <a:ext cx="2010032" cy="527222"/>
+          </a:xfrm>
+          <a:prstGeom prst="rect">
+            <a:avLst/>
+          </a:prstGeom>
+          <a:solidFill>
+            <a:schemeClr val="bg2">
+              <a:lumMod val="75000"/>
+            </a:schemeClr>
+          </a:solidFill>
+          <a:ln>
+            <a:solidFill>
+              <a:schemeClr val="bg2">
+                <a:lumMod val="75000"/>
+              </a:schemeClr>
+            </a:solidFill>
+          </a:ln>
+        </p:spPr>
+        <p:style>
+          <a:lnRef idx="2">
+            <a:schemeClr val="accent1">
+              <a:shade val="50000"/>
+            </a:schemeClr>
+          </a:lnRef>
+          <a:fillRef idx="1">
+            <a:schemeClr val="accent1"/>
+          </a:fillRef>
+          <a:effectRef idx="0">
+            <a:schemeClr val="accent1"/>
+          </a:effectRef>
+          <a:fontRef idx="minor">
+            <a:schemeClr val="lt1"/>
+          </a:fontRef>
+        </p:style>
+        <p:txBody>
+          <a:bodyPr rtlCol="0" anchor="ctr"/>
+          <a:lstStyle/>
+          <a:p>
+            <a:pPr algn="ctr"/>
+            <a:r>
+              <a:rPr lang="en-US" altLang="ko-KR" dirty="0" smtClean="0"/>
+              <a:t>h1</a:t>
+            </a:r>
+            <a:endParaRPr lang="ko-KR" altLang="en-US" dirty="0"/>
+          </a:p>
+        </p:txBody>
+      </p:sp>
+      <p:sp>
+        <p:nvSpPr>
+          <p:cNvPr id="13" name="직사각형 12"/>
+          <p:cNvSpPr/>
+          <p:nvPr/>
+        </p:nvSpPr>
+        <p:spPr>
+          <a:xfrm>
+            <a:off x="939112" y="5704702"/>
+            <a:ext cx="2010032" cy="527222"/>
+          </a:xfrm>
+          <a:prstGeom prst="rect">
+            <a:avLst/>
+          </a:prstGeom>
+          <a:solidFill>
+            <a:srgbClr val="0BE9BF"/>
+          </a:solidFill>
+          <a:ln>
+            <a:solidFill>
+              <a:srgbClr val="0BE9BF"/>
+            </a:solidFill>
+          </a:ln>
+        </p:spPr>
+        <p:style>
+          <a:lnRef idx="2">
+            <a:schemeClr val="accent1">
+              <a:shade val="50000"/>
+            </a:schemeClr>
+          </a:lnRef>
+          <a:fillRef idx="1">
+            <a:schemeClr val="accent1"/>
+          </a:fillRef>
+          <a:effectRef idx="0">
+            <a:schemeClr val="accent1"/>
+          </a:effectRef>
+          <a:fontRef idx="minor">
+            <a:schemeClr val="lt1"/>
+          </a:fontRef>
+        </p:style>
+        <p:txBody>
+          <a:bodyPr rtlCol="0" anchor="ctr"/>
+          <a:lstStyle/>
+          <a:p>
+            <a:pPr algn="ctr"/>
+            <a:r>
+              <a:rPr lang="en-US" altLang="ko-KR" dirty="0" smtClean="0"/>
+              <a:t>li</a:t>
+            </a:r>
+            <a:endParaRPr lang="ko-KR" altLang="en-US" dirty="0"/>
+          </a:p>
+        </p:txBody>
+      </p:sp>
+      <p:cxnSp>
+        <p:nvCxnSpPr>
+          <p:cNvPr id="14" name="꺾인 연결선 13"/>
+          <p:cNvCxnSpPr>
+            <a:stCxn id="12" idx="0"/>
+            <a:endCxn id="5" idx="2"/>
+          </p:cNvCxnSpPr>
+          <p:nvPr/>
+        </p:nvCxnSpPr>
+        <p:spPr>
+          <a:xfrm rot="5400000" flipH="1" flipV="1">
+            <a:off x="3566982" y="2310713"/>
+            <a:ext cx="753762" cy="3999471"/>
+          </a:xfrm>
+          <a:prstGeom prst="bentConnector3">
+            <a:avLst>
+              <a:gd name="adj1" fmla="val 50000"/>
+            </a:avLst>
+          </a:prstGeom>
+          <a:ln w="38100">
+            <a:solidFill>
+              <a:schemeClr val="tx1">
+                <a:lumMod val="50000"/>
+                <a:lumOff val="50000"/>
+              </a:schemeClr>
+            </a:solidFill>
+          </a:ln>
+        </p:spPr>
+        <p:style>
+          <a:lnRef idx="1">
+            <a:schemeClr val="accent1"/>
+          </a:lnRef>
+          <a:fillRef idx="0">
+            <a:schemeClr val="accent1"/>
+          </a:fillRef>
+          <a:effectRef idx="0">
+            <a:schemeClr val="accent1"/>
+          </a:effectRef>
+          <a:fontRef idx="minor">
+            <a:schemeClr val="tx1"/>
+          </a:fontRef>
+        </p:style>
+      </p:cxnSp>
+      <p:cxnSp>
+        <p:nvCxnSpPr>
+          <p:cNvPr id="15" name="꺾인 연결선 14"/>
+          <p:cNvCxnSpPr>
+            <a:stCxn id="10" idx="0"/>
+            <a:endCxn id="5" idx="2"/>
+          </p:cNvCxnSpPr>
+          <p:nvPr/>
+        </p:nvCxnSpPr>
+        <p:spPr>
+          <a:xfrm rot="5400000" flipH="1" flipV="1">
+            <a:off x="4928285" y="3672016"/>
+            <a:ext cx="753762" cy="1276865"/>
+          </a:xfrm>
+          <a:prstGeom prst="bentConnector3">
+            <a:avLst>
+              <a:gd name="adj1" fmla="val 50000"/>
+            </a:avLst>
+          </a:prstGeom>
+          <a:ln w="38100">
+            <a:solidFill>
+              <a:schemeClr val="tx1">
+                <a:lumMod val="50000"/>
+                <a:lumOff val="50000"/>
+              </a:schemeClr>
+            </a:solidFill>
+          </a:ln>
+        </p:spPr>
+        <p:style>
+          <a:lnRef idx="1">
+            <a:schemeClr val="accent1"/>
+          </a:lnRef>
+          <a:fillRef idx="0">
+            <a:schemeClr val="accent1"/>
+          </a:fillRef>
+          <a:effectRef idx="0">
+            <a:schemeClr val="accent1"/>
+          </a:effectRef>
+          <a:fontRef idx="minor">
+            <a:schemeClr val="tx1"/>
+          </a:fontRef>
+        </p:style>
+      </p:cxnSp>
+      <p:cxnSp>
+        <p:nvCxnSpPr>
+          <p:cNvPr id="16" name="꺾인 연결선 15"/>
+          <p:cNvCxnSpPr>
+            <a:stCxn id="8" idx="0"/>
+            <a:endCxn id="5" idx="2"/>
+          </p:cNvCxnSpPr>
+          <p:nvPr/>
+        </p:nvCxnSpPr>
+        <p:spPr>
+          <a:xfrm rot="16200000" flipV="1">
+            <a:off x="6289589" y="3587577"/>
+            <a:ext cx="753762" cy="1445741"/>
+          </a:xfrm>
+          <a:prstGeom prst="bentConnector3">
+            <a:avLst>
+              <a:gd name="adj1" fmla="val 50000"/>
+            </a:avLst>
+          </a:prstGeom>
+          <a:ln w="38100">
+            <a:solidFill>
+              <a:schemeClr val="tx1">
+                <a:lumMod val="50000"/>
+                <a:lumOff val="50000"/>
+              </a:schemeClr>
+            </a:solidFill>
+          </a:ln>
+        </p:spPr>
+        <p:style>
+          <a:lnRef idx="1">
+            <a:schemeClr val="accent1"/>
+          </a:lnRef>
+          <a:fillRef idx="0">
+            <a:schemeClr val="accent1"/>
+          </a:fillRef>
+          <a:effectRef idx="0">
+            <a:schemeClr val="accent1"/>
+          </a:effectRef>
+          <a:fontRef idx="minor">
+            <a:schemeClr val="tx1"/>
+          </a:fontRef>
+        </p:style>
+      </p:cxnSp>
+      <p:cxnSp>
+        <p:nvCxnSpPr>
+          <p:cNvPr id="17" name="꺾인 연결선 16"/>
+          <p:cNvCxnSpPr>
+            <a:stCxn id="6" idx="0"/>
+            <a:endCxn id="5" idx="2"/>
+          </p:cNvCxnSpPr>
+          <p:nvPr/>
+        </p:nvCxnSpPr>
+        <p:spPr>
+          <a:xfrm rot="16200000" flipV="1">
+            <a:off x="7650892" y="2226274"/>
+            <a:ext cx="753762" cy="4168347"/>
+          </a:xfrm>
+          <a:prstGeom prst="bentConnector3">
+            <a:avLst>
+              <a:gd name="adj1" fmla="val 50000"/>
+            </a:avLst>
+          </a:prstGeom>
+          <a:ln w="38100">
+            <a:solidFill>
+              <a:schemeClr val="tx1">
+                <a:lumMod val="50000"/>
+                <a:lumOff val="50000"/>
+              </a:schemeClr>
+            </a:solidFill>
+          </a:ln>
+        </p:spPr>
+        <p:style>
+          <a:lnRef idx="1">
+            <a:schemeClr val="accent1"/>
+          </a:lnRef>
+          <a:fillRef idx="0">
+            <a:schemeClr val="accent1"/>
+          </a:fillRef>
+          <a:effectRef idx="0">
+            <a:schemeClr val="accent1"/>
+          </a:effectRef>
+          <a:fontRef idx="minor">
+            <a:schemeClr val="tx1"/>
+          </a:fontRef>
+        </p:style>
+      </p:cxnSp>
+      <p:cxnSp>
+        <p:nvCxnSpPr>
+          <p:cNvPr id="18" name="꺾인 연결선 17"/>
+          <p:cNvCxnSpPr>
+            <a:stCxn id="13" idx="0"/>
+            <a:endCxn id="8" idx="2"/>
+          </p:cNvCxnSpPr>
+          <p:nvPr/>
+        </p:nvCxnSpPr>
+        <p:spPr>
+          <a:xfrm rot="5400000" flipH="1" flipV="1">
+            <a:off x="4421659" y="2737021"/>
+            <a:ext cx="490151" cy="5445212"/>
+          </a:xfrm>
+          <a:prstGeom prst="bentConnector3">
+            <a:avLst>
+              <a:gd name="adj1" fmla="val 50000"/>
+            </a:avLst>
+          </a:prstGeom>
+          <a:ln w="38100">
+            <a:solidFill>
+              <a:schemeClr val="tx1">
+                <a:lumMod val="50000"/>
+                <a:lumOff val="50000"/>
+              </a:schemeClr>
+            </a:solidFill>
+          </a:ln>
+        </p:spPr>
+        <p:style>
+          <a:lnRef idx="1">
+            <a:schemeClr val="accent1"/>
+          </a:lnRef>
+          <a:fillRef idx="0">
+            <a:schemeClr val="accent1"/>
+          </a:fillRef>
+          <a:effectRef idx="0">
+            <a:schemeClr val="accent1"/>
+          </a:effectRef>
+          <a:fontRef idx="minor">
+            <a:schemeClr val="tx1"/>
+          </a:fontRef>
+        </p:style>
+      </p:cxnSp>
+      <p:cxnSp>
+        <p:nvCxnSpPr>
+          <p:cNvPr id="19" name="꺾인 연결선 18"/>
+          <p:cNvCxnSpPr>
+            <a:stCxn id="11" idx="0"/>
+            <a:endCxn id="8" idx="2"/>
+          </p:cNvCxnSpPr>
+          <p:nvPr/>
+        </p:nvCxnSpPr>
+        <p:spPr>
+          <a:xfrm rot="5400000" flipH="1" flipV="1">
+            <a:off x="5782962" y="4098324"/>
+            <a:ext cx="490151" cy="2722606"/>
+          </a:xfrm>
+          <a:prstGeom prst="bentConnector3">
+            <a:avLst>
+              <a:gd name="adj1" fmla="val 50000"/>
+            </a:avLst>
+          </a:prstGeom>
+          <a:ln w="38100">
+            <a:solidFill>
+              <a:schemeClr val="tx1">
+                <a:lumMod val="50000"/>
+                <a:lumOff val="50000"/>
+              </a:schemeClr>
+            </a:solidFill>
+          </a:ln>
+        </p:spPr>
+        <p:style>
+          <a:lnRef idx="1">
+            <a:schemeClr val="accent1"/>
+          </a:lnRef>
+          <a:fillRef idx="0">
+            <a:schemeClr val="accent1"/>
+          </a:fillRef>
+          <a:effectRef idx="0">
+            <a:schemeClr val="accent1"/>
+          </a:effectRef>
+          <a:fontRef idx="minor">
+            <a:schemeClr val="tx1"/>
+          </a:fontRef>
+        </p:style>
+      </p:cxnSp>
+      <p:cxnSp>
+        <p:nvCxnSpPr>
+          <p:cNvPr id="20" name="꺾인 연결선 19"/>
+          <p:cNvCxnSpPr>
+            <a:stCxn id="9" idx="0"/>
+            <a:endCxn id="8" idx="2"/>
+          </p:cNvCxnSpPr>
+          <p:nvPr/>
+        </p:nvCxnSpPr>
+        <p:spPr>
+          <a:xfrm rot="5400000" flipH="1" flipV="1">
+            <a:off x="7144265" y="5459627"/>
+            <a:ext cx="490151" cy="12700"/>
+          </a:xfrm>
+          <a:prstGeom prst="bentConnector3">
+            <a:avLst>
+              <a:gd name="adj1" fmla="val 50000"/>
+            </a:avLst>
+          </a:prstGeom>
+          <a:ln w="38100">
+            <a:solidFill>
+              <a:schemeClr val="tx1">
+                <a:lumMod val="50000"/>
+                <a:lumOff val="50000"/>
+              </a:schemeClr>
+            </a:solidFill>
+          </a:ln>
+        </p:spPr>
+        <p:style>
+          <a:lnRef idx="1">
+            <a:schemeClr val="accent1"/>
+          </a:lnRef>
+          <a:fillRef idx="0">
+            <a:schemeClr val="accent1"/>
+          </a:fillRef>
+          <a:effectRef idx="0">
+            <a:schemeClr val="accent1"/>
+          </a:effectRef>
+          <a:fontRef idx="minor">
+            <a:schemeClr val="tx1"/>
+          </a:fontRef>
+        </p:style>
+      </p:cxnSp>
+      <p:cxnSp>
+        <p:nvCxnSpPr>
+          <p:cNvPr id="21" name="꺾인 연결선 20"/>
+          <p:cNvCxnSpPr>
+            <a:stCxn id="7" idx="0"/>
+            <a:endCxn id="8" idx="2"/>
+          </p:cNvCxnSpPr>
+          <p:nvPr/>
+        </p:nvCxnSpPr>
+        <p:spPr>
+          <a:xfrm rot="16200000" flipV="1">
+            <a:off x="8505568" y="4098324"/>
+            <a:ext cx="490151" cy="2722606"/>
+          </a:xfrm>
+          <a:prstGeom prst="bentConnector3">
+            <a:avLst>
+              <a:gd name="adj1" fmla="val 50000"/>
+            </a:avLst>
+          </a:prstGeom>
+          <a:ln w="38100">
+            <a:solidFill>
+              <a:schemeClr val="tx1">
+                <a:lumMod val="50000"/>
+                <a:lumOff val="50000"/>
+              </a:schemeClr>
+            </a:solidFill>
+          </a:ln>
+        </p:spPr>
+        <p:style>
+          <a:lnRef idx="1">
+            <a:schemeClr val="accent1"/>
+          </a:lnRef>
+          <a:fillRef idx="0">
+            <a:schemeClr val="accent1"/>
+          </a:fillRef>
+          <a:effectRef idx="0">
+            <a:schemeClr val="accent1"/>
+          </a:effectRef>
+          <a:fontRef idx="minor">
+            <a:schemeClr val="tx1"/>
+          </a:fontRef>
+        </p:style>
+      </p:cxnSp>
+      <p:cxnSp>
+        <p:nvCxnSpPr>
+          <p:cNvPr id="41" name="직선 연결선 40"/>
+          <p:cNvCxnSpPr>
+            <a:stCxn id="4" idx="2"/>
+            <a:endCxn id="5" idx="0"/>
+          </p:cNvCxnSpPr>
+          <p:nvPr/>
+        </p:nvCxnSpPr>
+        <p:spPr>
+          <a:xfrm>
+            <a:off x="5943599" y="3204518"/>
+            <a:ext cx="0" cy="201827"/>
+          </a:xfrm>
+          <a:prstGeom prst="line">
+            <a:avLst/>
+          </a:prstGeom>
+          <a:ln w="38100">
+            <a:solidFill>
+              <a:schemeClr val="tx1">
+                <a:lumMod val="50000"/>
+                <a:lumOff val="50000"/>
+              </a:schemeClr>
+            </a:solidFill>
+          </a:ln>
+        </p:spPr>
+        <p:style>
+          <a:lnRef idx="1">
+            <a:schemeClr val="accent1"/>
+          </a:lnRef>
+          <a:fillRef idx="0">
+            <a:schemeClr val="accent1"/>
+          </a:fillRef>
+          <a:effectRef idx="0">
+            <a:schemeClr val="accent1"/>
+          </a:effectRef>
+          <a:fontRef idx="minor">
+            <a:schemeClr val="tx1"/>
+          </a:fontRef>
+        </p:style>
+      </p:cxnSp>
+      <p:sp>
+        <p:nvSpPr>
+          <p:cNvPr id="44" name="TextBox 43"/>
+          <p:cNvSpPr txBox="1"/>
+          <p:nvPr/>
+        </p:nvSpPr>
+        <p:spPr>
+          <a:xfrm>
+            <a:off x="626074" y="631727"/>
+            <a:ext cx="11137558" cy="1477328"/>
+          </a:xfrm>
+          <a:prstGeom prst="rect">
+            <a:avLst/>
+          </a:prstGeom>
+          <a:noFill/>
+        </p:spPr>
+        <p:txBody>
+          <a:bodyPr wrap="square" rtlCol="0">
+            <a:spAutoFit/>
+          </a:bodyPr>
+          <a:lstStyle/>
+          <a:p>
+            <a:r>
+              <a:rPr lang="en-US" altLang="ko-KR" dirty="0" err="1" smtClean="0"/>
+              <a:t>getElementClassName</a:t>
+            </a:r>
+            <a:r>
+              <a:rPr lang="en-US" altLang="ko-KR" dirty="0" smtClean="0"/>
+              <a:t>(‘</a:t>
+            </a:r>
+            <a:r>
+              <a:rPr lang="ko-KR" altLang="en-US" dirty="0" smtClean="0"/>
+              <a:t>클래스 이름</a:t>
+            </a:r>
+            <a:r>
+              <a:rPr lang="en-US" altLang="ko-KR" dirty="0" smtClean="0"/>
+              <a:t>’) : class </a:t>
+            </a:r>
+            <a:r>
+              <a:rPr lang="ko-KR" altLang="en-US" dirty="0" smtClean="0"/>
+              <a:t>특성 값이 지정된 값과 일치하는 모든 요소 선택</a:t>
+            </a:r>
+            <a:endParaRPr lang="en-US" altLang="ko-KR" dirty="0" smtClean="0"/>
+          </a:p>
+          <a:p>
+            <a:r>
+              <a:rPr lang="en-US" altLang="ko-KR" dirty="0"/>
+              <a:t>	</a:t>
+            </a:r>
+            <a:r>
+              <a:rPr lang="en-US" altLang="ko-KR" dirty="0" smtClean="0"/>
+              <a:t>ex) </a:t>
+            </a:r>
+            <a:r>
+              <a:rPr lang="en-US" altLang="ko-KR" dirty="0" err="1" smtClean="0"/>
+              <a:t>getElementClassName</a:t>
+            </a:r>
+            <a:r>
+              <a:rPr lang="en-US" altLang="ko-KR" dirty="0" smtClean="0"/>
+              <a:t>(‘hot’) </a:t>
+            </a:r>
+          </a:p>
+          <a:p>
+            <a:endParaRPr lang="en-US" altLang="ko-KR" dirty="0"/>
+          </a:p>
+          <a:p>
+            <a:r>
+              <a:rPr lang="en-US" altLang="ko-KR" dirty="0" err="1" smtClean="0"/>
+              <a:t>querySelectorAll</a:t>
+            </a:r>
+            <a:r>
+              <a:rPr lang="en-US" altLang="ko-KR" dirty="0" smtClean="0"/>
+              <a:t>(‘</a:t>
+            </a:r>
+            <a:r>
+              <a:rPr lang="en-US" altLang="ko-KR" dirty="0" err="1" smtClean="0"/>
+              <a:t>css</a:t>
+            </a:r>
+            <a:r>
+              <a:rPr lang="en-US" altLang="ko-KR" dirty="0" smtClean="0"/>
+              <a:t> </a:t>
+            </a:r>
+            <a:r>
+              <a:rPr lang="ko-KR" altLang="en-US" dirty="0" err="1" smtClean="0"/>
+              <a:t>선택자</a:t>
+            </a:r>
+            <a:r>
+              <a:rPr lang="en-US" altLang="ko-KR" dirty="0" smtClean="0"/>
+              <a:t>’) : </a:t>
+            </a:r>
+            <a:r>
+              <a:rPr lang="en-US" altLang="ko-KR" dirty="0" err="1" smtClean="0"/>
+              <a:t>css</a:t>
+            </a:r>
+            <a:r>
+              <a:rPr lang="ko-KR" altLang="en-US" dirty="0" err="1" smtClean="0"/>
+              <a:t>선택자</a:t>
+            </a:r>
+            <a:r>
+              <a:rPr lang="ko-KR" altLang="en-US" dirty="0" smtClean="0"/>
+              <a:t> 문법을 이용하여 하나 혹은 그 이상의 요소를 찾아 모두 </a:t>
+            </a:r>
+            <a:r>
+              <a:rPr lang="ko-KR" altLang="en-US" dirty="0" err="1" smtClean="0"/>
+              <a:t>리턴한다</a:t>
+            </a:r>
+            <a:r>
+              <a:rPr lang="en-US" altLang="ko-KR" dirty="0" smtClean="0"/>
+              <a:t>.</a:t>
+            </a:r>
+          </a:p>
+          <a:p>
+            <a:r>
+              <a:rPr lang="en-US" altLang="ko-KR" dirty="0"/>
+              <a:t>	</a:t>
+            </a:r>
+            <a:r>
+              <a:rPr lang="en-US" altLang="ko-KR" dirty="0" smtClean="0"/>
+              <a:t>ex) </a:t>
+            </a:r>
+            <a:r>
+              <a:rPr lang="en-US" altLang="ko-KR" dirty="0" err="1" smtClean="0"/>
+              <a:t>querySelectorAll</a:t>
+            </a:r>
+            <a:r>
+              <a:rPr lang="en-US" altLang="ko-KR" dirty="0" smtClean="0"/>
+              <a:t>(‘</a:t>
+            </a:r>
+            <a:r>
+              <a:rPr lang="en-US" altLang="ko-KR" dirty="0" err="1" smtClean="0"/>
+              <a:t>li.hot</a:t>
+            </a:r>
+            <a:r>
+              <a:rPr lang="en-US" altLang="ko-KR" dirty="0" smtClean="0"/>
+              <a:t>’)</a:t>
+            </a:r>
+            <a:endParaRPr lang="ko-KR" altLang="en-US" dirty="0"/>
+          </a:p>
+        </p:txBody>
+      </p:sp>
+    </p:spTree>
+    <p:extLst>
+      <p:ext uri="{BB962C8B-B14F-4D97-AF65-F5344CB8AC3E}">
+        <p14:creationId xmlns:p14="http://schemas.microsoft.com/office/powerpoint/2010/main" val="4026003823"/>
+      </p:ext>
+    </p:extLst>
+  </p:cSld>
+  <p:clrMapOvr>
+    <a:masterClrMapping/>
+  </p:clrMapOvr>
+</p:sld>
+</file>
+
+<file path=ppt/slides/slide18.xml><?xml version="1.0" encoding="utf-8"?>
+<p:sld xmlns:a="http://schemas.openxmlformats.org/drawingml/2006/main" xmlns:r="http://schemas.openxmlformats.org/officeDocument/2006/relationships" xmlns:p="http://schemas.openxmlformats.org/presentationml/2006/main">
+  <p:cSld>
+    <p:spTree>
+      <p:nvGrpSpPr>
+        <p:cNvPr id="1" name=""/>
+        <p:cNvGrpSpPr/>
+        <p:nvPr/>
+      </p:nvGrpSpPr>
+      <p:grpSpPr>
+        <a:xfrm>
+          <a:off x="0" y="0"/>
+          <a:ext cx="0" cy="0"/>
+          <a:chOff x="0" y="0"/>
+          <a:chExt cx="0" cy="0"/>
+        </a:xfrm>
+      </p:grpSpPr>
+      <p:sp>
+        <p:nvSpPr>
+          <p:cNvPr id="4" name="직사각형 3"/>
+          <p:cNvSpPr/>
+          <p:nvPr/>
+        </p:nvSpPr>
+        <p:spPr>
+          <a:xfrm>
+            <a:off x="4938583" y="2677296"/>
+            <a:ext cx="2010032" cy="527222"/>
+          </a:xfrm>
+          <a:prstGeom prst="rect">
+            <a:avLst/>
+          </a:prstGeom>
+          <a:solidFill>
+            <a:schemeClr val="bg2">
+              <a:lumMod val="75000"/>
+            </a:schemeClr>
+          </a:solidFill>
+          <a:ln>
+            <a:solidFill>
+              <a:schemeClr val="bg2">
+                <a:lumMod val="75000"/>
+              </a:schemeClr>
+            </a:solidFill>
+          </a:ln>
+        </p:spPr>
+        <p:style>
+          <a:lnRef idx="2">
+            <a:schemeClr val="accent1">
+              <a:shade val="50000"/>
+            </a:schemeClr>
+          </a:lnRef>
+          <a:fillRef idx="1">
+            <a:schemeClr val="accent1"/>
+          </a:fillRef>
+          <a:effectRef idx="0">
+            <a:schemeClr val="accent1"/>
+          </a:effectRef>
+          <a:fontRef idx="minor">
+            <a:schemeClr val="lt1"/>
+          </a:fontRef>
+        </p:style>
+        <p:txBody>
+          <a:bodyPr rtlCol="0" anchor="ctr"/>
+          <a:lstStyle/>
+          <a:p>
+            <a:pPr algn="ctr"/>
+            <a:r>
+              <a:rPr lang="en-US" altLang="ko-KR" dirty="0" smtClean="0"/>
+              <a:t>body</a:t>
+            </a:r>
+            <a:endParaRPr lang="ko-KR" altLang="en-US" dirty="0"/>
+          </a:p>
+        </p:txBody>
+      </p:sp>
+      <p:sp>
+        <p:nvSpPr>
+          <p:cNvPr id="5" name="직사각형 4"/>
+          <p:cNvSpPr/>
+          <p:nvPr/>
+        </p:nvSpPr>
+        <p:spPr>
+          <a:xfrm>
+            <a:off x="4938583" y="3406345"/>
+            <a:ext cx="2010032" cy="527222"/>
+          </a:xfrm>
+          <a:prstGeom prst="rect">
+            <a:avLst/>
+          </a:prstGeom>
+          <a:solidFill>
+            <a:schemeClr val="bg2">
+              <a:lumMod val="75000"/>
+            </a:schemeClr>
+          </a:solidFill>
+          <a:ln>
+            <a:solidFill>
+              <a:schemeClr val="bg2">
+                <a:lumMod val="75000"/>
+              </a:schemeClr>
+            </a:solidFill>
+          </a:ln>
+        </p:spPr>
+        <p:style>
+          <a:lnRef idx="2">
+            <a:schemeClr val="accent1">
+              <a:shade val="50000"/>
+            </a:schemeClr>
+          </a:lnRef>
+          <a:fillRef idx="1">
+            <a:schemeClr val="accent1"/>
+          </a:fillRef>
+          <a:effectRef idx="0">
+            <a:schemeClr val="accent1"/>
+          </a:effectRef>
+          <a:fontRef idx="minor">
+            <a:schemeClr val="lt1"/>
+          </a:fontRef>
+        </p:style>
+        <p:txBody>
+          <a:bodyPr rtlCol="0" anchor="ctr"/>
+          <a:lstStyle/>
+          <a:p>
+            <a:pPr algn="ctr"/>
+            <a:r>
+              <a:rPr lang="en-US" altLang="ko-KR" dirty="0" smtClean="0"/>
+              <a:t>div</a:t>
+            </a:r>
+            <a:endParaRPr lang="ko-KR" altLang="en-US" dirty="0"/>
+          </a:p>
+        </p:txBody>
+      </p:sp>
+      <p:sp>
+        <p:nvSpPr>
+          <p:cNvPr id="6" name="직사각형 5"/>
+          <p:cNvSpPr/>
+          <p:nvPr/>
+        </p:nvSpPr>
+        <p:spPr>
+          <a:xfrm>
+            <a:off x="9106930" y="4687329"/>
+            <a:ext cx="2010032" cy="527222"/>
+          </a:xfrm>
+          <a:prstGeom prst="rect">
+            <a:avLst/>
+          </a:prstGeom>
+          <a:solidFill>
+            <a:schemeClr val="bg2">
+              <a:lumMod val="75000"/>
+            </a:schemeClr>
+          </a:solidFill>
+          <a:ln>
+            <a:solidFill>
+              <a:schemeClr val="bg2">
+                <a:lumMod val="75000"/>
+              </a:schemeClr>
+            </a:solidFill>
+          </a:ln>
+        </p:spPr>
+        <p:style>
+          <a:lnRef idx="2">
+            <a:schemeClr val="accent1">
+              <a:shade val="50000"/>
+            </a:schemeClr>
+          </a:lnRef>
+          <a:fillRef idx="1">
+            <a:schemeClr val="accent1"/>
+          </a:fillRef>
+          <a:effectRef idx="0">
+            <a:schemeClr val="accent1"/>
+          </a:effectRef>
+          <a:fontRef idx="minor">
+            <a:schemeClr val="lt1"/>
+          </a:fontRef>
+        </p:style>
+        <p:txBody>
+          <a:bodyPr rtlCol="0" anchor="ctr"/>
+          <a:lstStyle/>
+          <a:p>
+            <a:pPr algn="ctr"/>
+            <a:r>
+              <a:rPr lang="en-US" altLang="ko-KR" dirty="0" smtClean="0"/>
+              <a:t>script</a:t>
+            </a:r>
+            <a:endParaRPr lang="ko-KR" altLang="en-US" dirty="0"/>
+          </a:p>
+        </p:txBody>
+      </p:sp>
+      <p:sp>
+        <p:nvSpPr>
+          <p:cNvPr id="7" name="직사각형 6"/>
+          <p:cNvSpPr/>
+          <p:nvPr/>
+        </p:nvSpPr>
+        <p:spPr>
+          <a:xfrm>
+            <a:off x="9106930" y="5704702"/>
+            <a:ext cx="2010032" cy="527222"/>
+          </a:xfrm>
+          <a:prstGeom prst="rect">
+            <a:avLst/>
+          </a:prstGeom>
+          <a:solidFill>
+            <a:srgbClr val="0BE9BF"/>
+          </a:solidFill>
+          <a:ln>
+            <a:solidFill>
+              <a:srgbClr val="0BE9BF"/>
+            </a:solidFill>
+          </a:ln>
+        </p:spPr>
+        <p:style>
+          <a:lnRef idx="2">
+            <a:schemeClr val="accent1">
+              <a:shade val="50000"/>
+            </a:schemeClr>
+          </a:lnRef>
+          <a:fillRef idx="1">
+            <a:schemeClr val="accent1"/>
+          </a:fillRef>
+          <a:effectRef idx="0">
+            <a:schemeClr val="accent1"/>
+          </a:effectRef>
+          <a:fontRef idx="minor">
+            <a:schemeClr val="lt1"/>
+          </a:fontRef>
+        </p:style>
+        <p:txBody>
+          <a:bodyPr rtlCol="0" anchor="ctr"/>
+          <a:lstStyle/>
+          <a:p>
+            <a:pPr algn="ctr"/>
+            <a:r>
+              <a:rPr lang="en-US" altLang="ko-KR"/>
+              <a:t>li</a:t>
+            </a:r>
+            <a:endParaRPr lang="ko-KR" altLang="en-US"/>
+          </a:p>
+        </p:txBody>
+      </p:sp>
+      <p:sp>
+        <p:nvSpPr>
+          <p:cNvPr id="8" name="직사각형 7"/>
+          <p:cNvSpPr/>
+          <p:nvPr/>
+        </p:nvSpPr>
+        <p:spPr>
+          <a:xfrm>
+            <a:off x="6384324" y="4687329"/>
+            <a:ext cx="2010032" cy="527222"/>
+          </a:xfrm>
+          <a:prstGeom prst="rect">
+            <a:avLst/>
+          </a:prstGeom>
+          <a:solidFill>
+            <a:schemeClr val="bg2">
+              <a:lumMod val="75000"/>
+            </a:schemeClr>
+          </a:solidFill>
+          <a:ln>
+            <a:solidFill>
+              <a:schemeClr val="bg2">
+                <a:lumMod val="75000"/>
+              </a:schemeClr>
+            </a:solidFill>
+          </a:ln>
+        </p:spPr>
+        <p:style>
+          <a:lnRef idx="2">
+            <a:schemeClr val="accent1">
+              <a:shade val="50000"/>
+            </a:schemeClr>
+          </a:lnRef>
+          <a:fillRef idx="1">
+            <a:schemeClr val="accent1"/>
+          </a:fillRef>
+          <a:effectRef idx="0">
+            <a:schemeClr val="accent1"/>
+          </a:effectRef>
+          <a:fontRef idx="minor">
+            <a:schemeClr val="lt1"/>
+          </a:fontRef>
+        </p:style>
+        <p:txBody>
+          <a:bodyPr rtlCol="0" anchor="ctr"/>
+          <a:lstStyle/>
+          <a:p>
+            <a:pPr algn="ctr"/>
+            <a:r>
+              <a:rPr lang="en-US" altLang="ko-KR" dirty="0" err="1" smtClean="0"/>
+              <a:t>ul</a:t>
+            </a:r>
+            <a:endParaRPr lang="ko-KR" altLang="en-US" dirty="0"/>
+          </a:p>
+        </p:txBody>
+      </p:sp>
+      <p:sp>
+        <p:nvSpPr>
+          <p:cNvPr id="9" name="직사각형 8"/>
+          <p:cNvSpPr/>
+          <p:nvPr/>
+        </p:nvSpPr>
+        <p:spPr>
+          <a:xfrm>
+            <a:off x="6384324" y="5704702"/>
+            <a:ext cx="2010032" cy="527222"/>
+          </a:xfrm>
+          <a:prstGeom prst="rect">
+            <a:avLst/>
+          </a:prstGeom>
+          <a:solidFill>
+            <a:srgbClr val="0BE9BF"/>
+          </a:solidFill>
+          <a:ln>
+            <a:solidFill>
+              <a:srgbClr val="0BE9BF"/>
+            </a:solidFill>
+          </a:ln>
+        </p:spPr>
+        <p:style>
+          <a:lnRef idx="2">
+            <a:schemeClr val="accent1">
+              <a:shade val="50000"/>
+            </a:schemeClr>
+          </a:lnRef>
+          <a:fillRef idx="1">
+            <a:schemeClr val="accent1"/>
+          </a:fillRef>
+          <a:effectRef idx="0">
+            <a:schemeClr val="accent1"/>
+          </a:effectRef>
+          <a:fontRef idx="minor">
+            <a:schemeClr val="lt1"/>
+          </a:fontRef>
+        </p:style>
+        <p:txBody>
+          <a:bodyPr rtlCol="0" anchor="ctr"/>
+          <a:lstStyle/>
+          <a:p>
+            <a:pPr algn="ctr"/>
+            <a:r>
+              <a:rPr lang="en-US" altLang="ko-KR"/>
+              <a:t>li</a:t>
+            </a:r>
+            <a:endParaRPr lang="ko-KR" altLang="en-US"/>
+          </a:p>
+        </p:txBody>
+      </p:sp>
+      <p:sp>
+        <p:nvSpPr>
+          <p:cNvPr id="10" name="직사각형 9"/>
+          <p:cNvSpPr/>
+          <p:nvPr/>
+        </p:nvSpPr>
+        <p:spPr>
+          <a:xfrm>
+            <a:off x="3661718" y="4687329"/>
+            <a:ext cx="2010032" cy="527222"/>
+          </a:xfrm>
+          <a:prstGeom prst="rect">
+            <a:avLst/>
+          </a:prstGeom>
+          <a:solidFill>
+            <a:schemeClr val="bg2">
+              <a:lumMod val="75000"/>
+            </a:schemeClr>
+          </a:solidFill>
+          <a:ln>
+            <a:solidFill>
+              <a:schemeClr val="bg2">
+                <a:lumMod val="75000"/>
+              </a:schemeClr>
+            </a:solidFill>
+          </a:ln>
+        </p:spPr>
+        <p:style>
+          <a:lnRef idx="2">
+            <a:schemeClr val="accent1">
+              <a:shade val="50000"/>
+            </a:schemeClr>
+          </a:lnRef>
+          <a:fillRef idx="1">
+            <a:schemeClr val="accent1"/>
+          </a:fillRef>
+          <a:effectRef idx="0">
+            <a:schemeClr val="accent1"/>
+          </a:effectRef>
+          <a:fontRef idx="minor">
+            <a:schemeClr val="lt1"/>
+          </a:fontRef>
+        </p:style>
+        <p:txBody>
+          <a:bodyPr rtlCol="0" anchor="ctr"/>
+          <a:lstStyle/>
+          <a:p>
+            <a:pPr algn="ctr"/>
+            <a:r>
+              <a:rPr lang="en-US" altLang="ko-KR" dirty="0" smtClean="0"/>
+              <a:t>h2</a:t>
+            </a:r>
+            <a:endParaRPr lang="ko-KR" altLang="en-US" dirty="0"/>
+          </a:p>
+        </p:txBody>
+      </p:sp>
+      <p:sp>
+        <p:nvSpPr>
+          <p:cNvPr id="11" name="직사각형 10"/>
+          <p:cNvSpPr/>
+          <p:nvPr/>
+        </p:nvSpPr>
+        <p:spPr>
+          <a:xfrm>
+            <a:off x="3661718" y="5704702"/>
+            <a:ext cx="2010032" cy="527222"/>
+          </a:xfrm>
+          <a:prstGeom prst="rect">
+            <a:avLst/>
+          </a:prstGeom>
+          <a:solidFill>
+            <a:srgbClr val="0BE9BF"/>
+          </a:solidFill>
+          <a:ln>
+            <a:solidFill>
+              <a:srgbClr val="0BE9BF"/>
+            </a:solidFill>
+          </a:ln>
+        </p:spPr>
+        <p:style>
+          <a:lnRef idx="2">
+            <a:schemeClr val="accent1">
+              <a:shade val="50000"/>
+            </a:schemeClr>
+          </a:lnRef>
+          <a:fillRef idx="1">
+            <a:schemeClr val="accent1"/>
+          </a:fillRef>
+          <a:effectRef idx="0">
+            <a:schemeClr val="accent1"/>
+          </a:effectRef>
+          <a:fontRef idx="minor">
+            <a:schemeClr val="lt1"/>
+          </a:fontRef>
+        </p:style>
+        <p:txBody>
+          <a:bodyPr rtlCol="0" anchor="ctr"/>
+          <a:lstStyle/>
+          <a:p>
+            <a:pPr algn="ctr"/>
+            <a:r>
+              <a:rPr lang="en-US" altLang="ko-KR" dirty="0" smtClean="0"/>
+              <a:t>li</a:t>
+            </a:r>
+            <a:endParaRPr lang="ko-KR" altLang="en-US" dirty="0"/>
+          </a:p>
+        </p:txBody>
+      </p:sp>
+      <p:sp>
+        <p:nvSpPr>
+          <p:cNvPr id="12" name="직사각형 11"/>
+          <p:cNvSpPr/>
+          <p:nvPr/>
+        </p:nvSpPr>
+        <p:spPr>
+          <a:xfrm>
+            <a:off x="939112" y="4687329"/>
+            <a:ext cx="2010032" cy="527222"/>
+          </a:xfrm>
+          <a:prstGeom prst="rect">
+            <a:avLst/>
+          </a:prstGeom>
+          <a:solidFill>
+            <a:schemeClr val="bg2">
+              <a:lumMod val="75000"/>
+            </a:schemeClr>
+          </a:solidFill>
+          <a:ln>
+            <a:solidFill>
+              <a:schemeClr val="bg2">
+                <a:lumMod val="75000"/>
+              </a:schemeClr>
+            </a:solidFill>
+          </a:ln>
+        </p:spPr>
+        <p:style>
+          <a:lnRef idx="2">
+            <a:schemeClr val="accent1">
+              <a:shade val="50000"/>
+            </a:schemeClr>
+          </a:lnRef>
+          <a:fillRef idx="1">
+            <a:schemeClr val="accent1"/>
+          </a:fillRef>
+          <a:effectRef idx="0">
+            <a:schemeClr val="accent1"/>
+          </a:effectRef>
+          <a:fontRef idx="minor">
+            <a:schemeClr val="lt1"/>
+          </a:fontRef>
+        </p:style>
+        <p:txBody>
+          <a:bodyPr rtlCol="0" anchor="ctr"/>
+          <a:lstStyle/>
+          <a:p>
+            <a:pPr algn="ctr"/>
+            <a:r>
+              <a:rPr lang="en-US" altLang="ko-KR" dirty="0" smtClean="0"/>
+              <a:t>h1</a:t>
+            </a:r>
+            <a:endParaRPr lang="ko-KR" altLang="en-US" dirty="0"/>
+          </a:p>
+        </p:txBody>
+      </p:sp>
+      <p:sp>
+        <p:nvSpPr>
+          <p:cNvPr id="13" name="직사각형 12"/>
+          <p:cNvSpPr/>
+          <p:nvPr/>
+        </p:nvSpPr>
+        <p:spPr>
+          <a:xfrm>
+            <a:off x="939112" y="5704702"/>
+            <a:ext cx="2010032" cy="527222"/>
+          </a:xfrm>
+          <a:prstGeom prst="rect">
+            <a:avLst/>
+          </a:prstGeom>
+          <a:solidFill>
+            <a:srgbClr val="0BE9BF"/>
+          </a:solidFill>
+          <a:ln>
+            <a:solidFill>
+              <a:srgbClr val="0BE9BF"/>
+            </a:solidFill>
+          </a:ln>
+        </p:spPr>
+        <p:style>
+          <a:lnRef idx="2">
+            <a:schemeClr val="accent1">
+              <a:shade val="50000"/>
+            </a:schemeClr>
+          </a:lnRef>
+          <a:fillRef idx="1">
+            <a:schemeClr val="accent1"/>
+          </a:fillRef>
+          <a:effectRef idx="0">
+            <a:schemeClr val="accent1"/>
+          </a:effectRef>
+          <a:fontRef idx="minor">
+            <a:schemeClr val="lt1"/>
+          </a:fontRef>
+        </p:style>
+        <p:txBody>
+          <a:bodyPr rtlCol="0" anchor="ctr"/>
+          <a:lstStyle/>
+          <a:p>
+            <a:pPr algn="ctr"/>
+            <a:r>
+              <a:rPr lang="en-US" altLang="ko-KR" dirty="0" smtClean="0"/>
+              <a:t>li</a:t>
+            </a:r>
+            <a:endParaRPr lang="ko-KR" altLang="en-US" dirty="0"/>
+          </a:p>
+        </p:txBody>
+      </p:sp>
+      <p:cxnSp>
+        <p:nvCxnSpPr>
+          <p:cNvPr id="14" name="꺾인 연결선 13"/>
+          <p:cNvCxnSpPr>
+            <a:stCxn id="12" idx="0"/>
+            <a:endCxn id="5" idx="2"/>
+          </p:cNvCxnSpPr>
+          <p:nvPr/>
+        </p:nvCxnSpPr>
+        <p:spPr>
+          <a:xfrm rot="5400000" flipH="1" flipV="1">
+            <a:off x="3566982" y="2310713"/>
+            <a:ext cx="753762" cy="3999471"/>
+          </a:xfrm>
+          <a:prstGeom prst="bentConnector3">
+            <a:avLst>
+              <a:gd name="adj1" fmla="val 50000"/>
+            </a:avLst>
+          </a:prstGeom>
+          <a:ln w="38100">
+            <a:solidFill>
+              <a:schemeClr val="tx1">
+                <a:lumMod val="50000"/>
+                <a:lumOff val="50000"/>
+              </a:schemeClr>
+            </a:solidFill>
+          </a:ln>
+        </p:spPr>
+        <p:style>
+          <a:lnRef idx="1">
+            <a:schemeClr val="accent1"/>
+          </a:lnRef>
+          <a:fillRef idx="0">
+            <a:schemeClr val="accent1"/>
+          </a:fillRef>
+          <a:effectRef idx="0">
+            <a:schemeClr val="accent1"/>
+          </a:effectRef>
+          <a:fontRef idx="minor">
+            <a:schemeClr val="tx1"/>
+          </a:fontRef>
+        </p:style>
+      </p:cxnSp>
+      <p:cxnSp>
+        <p:nvCxnSpPr>
+          <p:cNvPr id="15" name="꺾인 연결선 14"/>
+          <p:cNvCxnSpPr>
+            <a:stCxn id="10" idx="0"/>
+            <a:endCxn id="5" idx="2"/>
+          </p:cNvCxnSpPr>
+          <p:nvPr/>
+        </p:nvCxnSpPr>
+        <p:spPr>
+          <a:xfrm rot="5400000" flipH="1" flipV="1">
+            <a:off x="4928285" y="3672016"/>
+            <a:ext cx="753762" cy="1276865"/>
+          </a:xfrm>
+          <a:prstGeom prst="bentConnector3">
+            <a:avLst>
+              <a:gd name="adj1" fmla="val 50000"/>
+            </a:avLst>
+          </a:prstGeom>
+          <a:ln w="38100">
+            <a:solidFill>
+              <a:schemeClr val="tx1">
+                <a:lumMod val="50000"/>
+                <a:lumOff val="50000"/>
+              </a:schemeClr>
+            </a:solidFill>
+          </a:ln>
+        </p:spPr>
+        <p:style>
+          <a:lnRef idx="1">
+            <a:schemeClr val="accent1"/>
+          </a:lnRef>
+          <a:fillRef idx="0">
+            <a:schemeClr val="accent1"/>
+          </a:fillRef>
+          <a:effectRef idx="0">
+            <a:schemeClr val="accent1"/>
+          </a:effectRef>
+          <a:fontRef idx="minor">
+            <a:schemeClr val="tx1"/>
+          </a:fontRef>
+        </p:style>
+      </p:cxnSp>
+      <p:cxnSp>
+        <p:nvCxnSpPr>
+          <p:cNvPr id="16" name="꺾인 연결선 15"/>
+          <p:cNvCxnSpPr>
+            <a:stCxn id="8" idx="0"/>
+            <a:endCxn id="5" idx="2"/>
+          </p:cNvCxnSpPr>
+          <p:nvPr/>
+        </p:nvCxnSpPr>
+        <p:spPr>
+          <a:xfrm rot="16200000" flipV="1">
+            <a:off x="6289589" y="3587577"/>
+            <a:ext cx="753762" cy="1445741"/>
+          </a:xfrm>
+          <a:prstGeom prst="bentConnector3">
+            <a:avLst>
+              <a:gd name="adj1" fmla="val 50000"/>
+            </a:avLst>
+          </a:prstGeom>
+          <a:ln w="38100">
+            <a:solidFill>
+              <a:schemeClr val="tx1">
+                <a:lumMod val="50000"/>
+                <a:lumOff val="50000"/>
+              </a:schemeClr>
+            </a:solidFill>
+          </a:ln>
+        </p:spPr>
+        <p:style>
+          <a:lnRef idx="1">
+            <a:schemeClr val="accent1"/>
+          </a:lnRef>
+          <a:fillRef idx="0">
+            <a:schemeClr val="accent1"/>
+          </a:fillRef>
+          <a:effectRef idx="0">
+            <a:schemeClr val="accent1"/>
+          </a:effectRef>
+          <a:fontRef idx="minor">
+            <a:schemeClr val="tx1"/>
+          </a:fontRef>
+        </p:style>
+      </p:cxnSp>
+      <p:cxnSp>
+        <p:nvCxnSpPr>
+          <p:cNvPr id="17" name="꺾인 연결선 16"/>
+          <p:cNvCxnSpPr>
+            <a:stCxn id="6" idx="0"/>
+            <a:endCxn id="5" idx="2"/>
+          </p:cNvCxnSpPr>
+          <p:nvPr/>
+        </p:nvCxnSpPr>
+        <p:spPr>
+          <a:xfrm rot="16200000" flipV="1">
+            <a:off x="7650892" y="2226274"/>
+            <a:ext cx="753762" cy="4168347"/>
+          </a:xfrm>
+          <a:prstGeom prst="bentConnector3">
+            <a:avLst>
+              <a:gd name="adj1" fmla="val 50000"/>
+            </a:avLst>
+          </a:prstGeom>
+          <a:ln w="38100">
+            <a:solidFill>
+              <a:schemeClr val="tx1">
+                <a:lumMod val="50000"/>
+                <a:lumOff val="50000"/>
+              </a:schemeClr>
+            </a:solidFill>
+          </a:ln>
+        </p:spPr>
+        <p:style>
+          <a:lnRef idx="1">
+            <a:schemeClr val="accent1"/>
+          </a:lnRef>
+          <a:fillRef idx="0">
+            <a:schemeClr val="accent1"/>
+          </a:fillRef>
+          <a:effectRef idx="0">
+            <a:schemeClr val="accent1"/>
+          </a:effectRef>
+          <a:fontRef idx="minor">
+            <a:schemeClr val="tx1"/>
+          </a:fontRef>
+        </p:style>
+      </p:cxnSp>
+      <p:cxnSp>
+        <p:nvCxnSpPr>
+          <p:cNvPr id="18" name="꺾인 연결선 17"/>
+          <p:cNvCxnSpPr>
+            <a:stCxn id="13" idx="0"/>
+            <a:endCxn id="8" idx="2"/>
+          </p:cNvCxnSpPr>
+          <p:nvPr/>
+        </p:nvCxnSpPr>
+        <p:spPr>
+          <a:xfrm rot="5400000" flipH="1" flipV="1">
+            <a:off x="4421659" y="2737021"/>
+            <a:ext cx="490151" cy="5445212"/>
+          </a:xfrm>
+          <a:prstGeom prst="bentConnector3">
+            <a:avLst>
+              <a:gd name="adj1" fmla="val 50000"/>
+            </a:avLst>
+          </a:prstGeom>
+          <a:ln w="38100">
+            <a:solidFill>
+              <a:schemeClr val="tx1">
+                <a:lumMod val="50000"/>
+                <a:lumOff val="50000"/>
+              </a:schemeClr>
+            </a:solidFill>
+          </a:ln>
+        </p:spPr>
+        <p:style>
+          <a:lnRef idx="1">
+            <a:schemeClr val="accent1"/>
+          </a:lnRef>
+          <a:fillRef idx="0">
+            <a:schemeClr val="accent1"/>
+          </a:fillRef>
+          <a:effectRef idx="0">
+            <a:schemeClr val="accent1"/>
+          </a:effectRef>
+          <a:fontRef idx="minor">
+            <a:schemeClr val="tx1"/>
+          </a:fontRef>
+        </p:style>
+      </p:cxnSp>
+      <p:cxnSp>
+        <p:nvCxnSpPr>
+          <p:cNvPr id="19" name="꺾인 연결선 18"/>
+          <p:cNvCxnSpPr>
+            <a:stCxn id="11" idx="0"/>
+            <a:endCxn id="8" idx="2"/>
+          </p:cNvCxnSpPr>
+          <p:nvPr/>
+        </p:nvCxnSpPr>
+        <p:spPr>
+          <a:xfrm rot="5400000" flipH="1" flipV="1">
+            <a:off x="5782962" y="4098324"/>
+            <a:ext cx="490151" cy="2722606"/>
+          </a:xfrm>
+          <a:prstGeom prst="bentConnector3">
+            <a:avLst>
+              <a:gd name="adj1" fmla="val 50000"/>
+            </a:avLst>
+          </a:prstGeom>
+          <a:ln w="38100">
+            <a:solidFill>
+              <a:schemeClr val="tx1">
+                <a:lumMod val="50000"/>
+                <a:lumOff val="50000"/>
+              </a:schemeClr>
+            </a:solidFill>
+          </a:ln>
+        </p:spPr>
+        <p:style>
+          <a:lnRef idx="1">
+            <a:schemeClr val="accent1"/>
+          </a:lnRef>
+          <a:fillRef idx="0">
+            <a:schemeClr val="accent1"/>
+          </a:fillRef>
+          <a:effectRef idx="0">
+            <a:schemeClr val="accent1"/>
+          </a:effectRef>
+          <a:fontRef idx="minor">
+            <a:schemeClr val="tx1"/>
+          </a:fontRef>
+        </p:style>
+      </p:cxnSp>
+      <p:cxnSp>
+        <p:nvCxnSpPr>
+          <p:cNvPr id="20" name="꺾인 연결선 19"/>
+          <p:cNvCxnSpPr>
+            <a:stCxn id="9" idx="0"/>
+            <a:endCxn id="8" idx="2"/>
+          </p:cNvCxnSpPr>
+          <p:nvPr/>
+        </p:nvCxnSpPr>
+        <p:spPr>
+          <a:xfrm rot="5400000" flipH="1" flipV="1">
+            <a:off x="7144265" y="5459627"/>
+            <a:ext cx="490151" cy="12700"/>
+          </a:xfrm>
+          <a:prstGeom prst="bentConnector3">
+            <a:avLst>
+              <a:gd name="adj1" fmla="val 50000"/>
+            </a:avLst>
+          </a:prstGeom>
+          <a:ln w="38100">
+            <a:solidFill>
+              <a:schemeClr val="tx1">
+                <a:lumMod val="50000"/>
+                <a:lumOff val="50000"/>
+              </a:schemeClr>
+            </a:solidFill>
+          </a:ln>
+        </p:spPr>
+        <p:style>
+          <a:lnRef idx="1">
+            <a:schemeClr val="accent1"/>
+          </a:lnRef>
+          <a:fillRef idx="0">
+            <a:schemeClr val="accent1"/>
+          </a:fillRef>
+          <a:effectRef idx="0">
+            <a:schemeClr val="accent1"/>
+          </a:effectRef>
+          <a:fontRef idx="minor">
+            <a:schemeClr val="tx1"/>
+          </a:fontRef>
+        </p:style>
+      </p:cxnSp>
+      <p:cxnSp>
+        <p:nvCxnSpPr>
+          <p:cNvPr id="21" name="꺾인 연결선 20"/>
+          <p:cNvCxnSpPr>
+            <a:stCxn id="7" idx="0"/>
+            <a:endCxn id="8" idx="2"/>
+          </p:cNvCxnSpPr>
+          <p:nvPr/>
+        </p:nvCxnSpPr>
+        <p:spPr>
+          <a:xfrm rot="16200000" flipV="1">
+            <a:off x="8505568" y="4098324"/>
+            <a:ext cx="490151" cy="2722606"/>
+          </a:xfrm>
+          <a:prstGeom prst="bentConnector3">
+            <a:avLst>
+              <a:gd name="adj1" fmla="val 50000"/>
+            </a:avLst>
+          </a:prstGeom>
+          <a:ln w="38100">
+            <a:solidFill>
+              <a:schemeClr val="tx1">
+                <a:lumMod val="50000"/>
+                <a:lumOff val="50000"/>
+              </a:schemeClr>
+            </a:solidFill>
+          </a:ln>
+        </p:spPr>
+        <p:style>
+          <a:lnRef idx="1">
+            <a:schemeClr val="accent1"/>
+          </a:lnRef>
+          <a:fillRef idx="0">
+            <a:schemeClr val="accent1"/>
+          </a:fillRef>
+          <a:effectRef idx="0">
+            <a:schemeClr val="accent1"/>
+          </a:effectRef>
+          <a:fontRef idx="minor">
+            <a:schemeClr val="tx1"/>
+          </a:fontRef>
+        </p:style>
+      </p:cxnSp>
+      <p:cxnSp>
+        <p:nvCxnSpPr>
+          <p:cNvPr id="41" name="직선 연결선 40"/>
+          <p:cNvCxnSpPr>
+            <a:stCxn id="4" idx="2"/>
+            <a:endCxn id="5" idx="0"/>
+          </p:cNvCxnSpPr>
+          <p:nvPr/>
+        </p:nvCxnSpPr>
+        <p:spPr>
+          <a:xfrm>
+            <a:off x="5943599" y="3204518"/>
+            <a:ext cx="0" cy="201827"/>
+          </a:xfrm>
+          <a:prstGeom prst="line">
+            <a:avLst/>
+          </a:prstGeom>
+          <a:ln w="38100">
+            <a:solidFill>
+              <a:schemeClr val="tx1">
+                <a:lumMod val="50000"/>
+                <a:lumOff val="50000"/>
+              </a:schemeClr>
+            </a:solidFill>
+          </a:ln>
+        </p:spPr>
+        <p:style>
+          <a:lnRef idx="1">
+            <a:schemeClr val="accent1"/>
+          </a:lnRef>
+          <a:fillRef idx="0">
+            <a:schemeClr val="accent1"/>
+          </a:fillRef>
+          <a:effectRef idx="0">
+            <a:schemeClr val="accent1"/>
+          </a:effectRef>
+          <a:fontRef idx="minor">
+            <a:schemeClr val="tx1"/>
+          </a:fontRef>
+        </p:style>
+      </p:cxnSp>
+      <p:sp>
+        <p:nvSpPr>
+          <p:cNvPr id="44" name="TextBox 43"/>
+          <p:cNvSpPr txBox="1"/>
+          <p:nvPr/>
+        </p:nvSpPr>
+        <p:spPr>
+          <a:xfrm>
+            <a:off x="626074" y="631727"/>
+            <a:ext cx="11137558" cy="646331"/>
+          </a:xfrm>
+          <a:prstGeom prst="rect">
+            <a:avLst/>
+          </a:prstGeom>
+          <a:noFill/>
+        </p:spPr>
+        <p:txBody>
+          <a:bodyPr wrap="square" rtlCol="0">
+            <a:spAutoFit/>
+          </a:bodyPr>
+          <a:lstStyle/>
+          <a:p>
+            <a:r>
+              <a:rPr lang="en-US" altLang="ko-KR" dirty="0" err="1" smtClean="0"/>
+              <a:t>getElementTagName</a:t>
+            </a:r>
+            <a:r>
+              <a:rPr lang="en-US" altLang="ko-KR" dirty="0" smtClean="0"/>
+              <a:t>(‘</a:t>
+            </a:r>
+            <a:r>
+              <a:rPr lang="ko-KR" altLang="en-US" dirty="0" smtClean="0"/>
+              <a:t>태그 이름</a:t>
+            </a:r>
+            <a:r>
+              <a:rPr lang="en-US" altLang="ko-KR" dirty="0" smtClean="0"/>
+              <a:t>’) : </a:t>
+            </a:r>
+            <a:r>
+              <a:rPr lang="ko-KR" altLang="en-US" dirty="0" smtClean="0"/>
+              <a:t>지정된 이름의 태그를 사용하는 모든 요소를 선택</a:t>
+            </a:r>
+            <a:endParaRPr lang="en-US" altLang="ko-KR" dirty="0" smtClean="0"/>
+          </a:p>
+          <a:p>
+            <a:r>
+              <a:rPr lang="en-US" altLang="ko-KR" dirty="0"/>
+              <a:t>	</a:t>
+            </a:r>
+            <a:r>
+              <a:rPr lang="en-US" altLang="ko-KR" dirty="0" smtClean="0"/>
+              <a:t>ex) </a:t>
+            </a:r>
+            <a:r>
+              <a:rPr lang="en-US" altLang="ko-KR" dirty="0" err="1" smtClean="0"/>
+              <a:t>getElementTagName</a:t>
+            </a:r>
+            <a:r>
+              <a:rPr lang="en-US" altLang="ko-KR" dirty="0" smtClean="0"/>
+              <a:t>(‘li’)</a:t>
+            </a:r>
+            <a:endParaRPr lang="ko-KR" altLang="en-US" dirty="0"/>
+          </a:p>
+        </p:txBody>
+      </p:sp>
+    </p:spTree>
+    <p:extLst>
+      <p:ext uri="{BB962C8B-B14F-4D97-AF65-F5344CB8AC3E}">
+        <p14:creationId xmlns:p14="http://schemas.microsoft.com/office/powerpoint/2010/main" val="124363580"/>
       </p:ext>
     </p:extLst>
   </p:cSld>
@@ -15365,14 +21481,14 @@
           <a:p>
             <a:r>
               <a:rPr lang="en-US" altLang="ko-KR" sz="4000" dirty="0" smtClean="0">
-                <a:latin typeface="경기천년제목 Medium" panose="02020603020101020101" pitchFamily="18" charset="-127"/>
-                <a:ea typeface="경기천년제목 Medium" panose="02020603020101020101" pitchFamily="18" charset="-127"/>
+                <a:latin typeface="+mj-ea"/>
+                <a:ea typeface="+mj-ea"/>
               </a:rPr>
               <a:t>Object Model</a:t>
             </a:r>
             <a:endParaRPr lang="ko-KR" altLang="en-US" sz="4000" dirty="0">
-              <a:latin typeface="경기천년제목 Medium" panose="02020603020101020101" pitchFamily="18" charset="-127"/>
-              <a:ea typeface="경기천년제목 Medium" panose="02020603020101020101" pitchFamily="18" charset="-127"/>
+              <a:latin typeface="+mj-ea"/>
+              <a:ea typeface="+mj-ea"/>
             </a:endParaRPr>
           </a:p>
         </p:txBody>
@@ -15461,13 +21577,11 @@
           <a:p>
             <a:r>
               <a:rPr lang="en-US" altLang="ko-KR" sz="4000" dirty="0" smtClean="0">
-                <a:latin typeface="경기천년제목 Medium" panose="02020603020101020101" pitchFamily="18" charset="-127"/>
                 <a:ea typeface="경기천년제목 Medium" panose="02020603020101020101" pitchFamily="18" charset="-127"/>
               </a:rPr>
               <a:t>Object Model</a:t>
             </a:r>
             <a:endParaRPr lang="ko-KR" altLang="en-US" sz="4000" dirty="0">
-              <a:latin typeface="경기천년제목 Medium" panose="02020603020101020101" pitchFamily="18" charset="-127"/>
               <a:ea typeface="경기천년제목 Medium" panose="02020603020101020101" pitchFamily="18" charset="-127"/>
             </a:endParaRPr>
           </a:p>
@@ -15557,14 +21671,12 @@
           <a:p>
             <a:r>
               <a:rPr lang="en-US" altLang="ko-KR" sz="4000" dirty="0" smtClean="0">
-                <a:latin typeface="경기천년제목 Medium" panose="02020603020101020101" pitchFamily="18" charset="-127"/>
-                <a:ea typeface="경기천년제목 Medium" panose="02020603020101020101" pitchFamily="18" charset="-127"/>
+                <a:latin typeface="+mn-ea"/>
               </a:rPr>
               <a:t>Object Model</a:t>
             </a:r>
             <a:endParaRPr lang="ko-KR" altLang="en-US" sz="4000" dirty="0">
-              <a:latin typeface="경기천년제목 Medium" panose="02020603020101020101" pitchFamily="18" charset="-127"/>
-              <a:ea typeface="경기천년제목 Medium" panose="02020603020101020101" pitchFamily="18" charset="-127"/>
+              <a:latin typeface="+mn-ea"/>
             </a:endParaRPr>
           </a:p>
         </p:txBody>
@@ -15699,14 +21811,14 @@
           <a:p>
             <a:r>
               <a:rPr lang="en-US" altLang="ko-KR" sz="4000" dirty="0" smtClean="0">
-                <a:latin typeface="경기천년제목 Medium" panose="02020603020101020101" pitchFamily="18" charset="-127"/>
-                <a:ea typeface="경기천년제목 Medium" panose="02020603020101020101" pitchFamily="18" charset="-127"/>
+                <a:latin typeface="+mj-ea"/>
+                <a:ea typeface="+mj-ea"/>
               </a:rPr>
               <a:t>Object Model</a:t>
             </a:r>
             <a:endParaRPr lang="ko-KR" altLang="en-US" sz="4000" dirty="0">
-              <a:latin typeface="경기천년제목 Medium" panose="02020603020101020101" pitchFamily="18" charset="-127"/>
-              <a:ea typeface="경기천년제목 Medium" panose="02020603020101020101" pitchFamily="18" charset="-127"/>
+              <a:latin typeface="+mj-ea"/>
+              <a:ea typeface="+mj-ea"/>
             </a:endParaRPr>
           </a:p>
         </p:txBody>
@@ -15885,13 +21997,11 @@
           <a:p>
             <a:r>
               <a:rPr lang="en-US" altLang="ko-KR" sz="4000" dirty="0" smtClean="0">
-                <a:latin typeface="경기천년제목 Medium" panose="02020603020101020101" pitchFamily="18" charset="-127"/>
                 <a:ea typeface="경기천년제목 Medium" panose="02020603020101020101" pitchFamily="18" charset="-127"/>
               </a:rPr>
               <a:t>Object Model</a:t>
             </a:r>
             <a:endParaRPr lang="ko-KR" altLang="en-US" sz="4000" dirty="0">
-              <a:latin typeface="경기천년제목 Medium" panose="02020603020101020101" pitchFamily="18" charset="-127"/>
               <a:ea typeface="경기천년제목 Medium" panose="02020603020101020101" pitchFamily="18" charset="-127"/>
             </a:endParaRPr>
           </a:p>
@@ -16078,14 +22188,12 @@
           <a:lstStyle/>
           <a:p>
             <a:r>
-              <a:rPr lang="en-US" altLang="ko-KR" sz="4000" dirty="0" smtClean="0">
-                <a:latin typeface="경기천년제목 Medium" panose="02020603020101020101" pitchFamily="18" charset="-127"/>
+              <a:rPr lang="en-US" altLang="ko-KR" sz="4000" dirty="0">
                 <a:ea typeface="경기천년제목 Medium" panose="02020603020101020101" pitchFamily="18" charset="-127"/>
               </a:rPr>
               <a:t>Browser Object Model</a:t>
             </a:r>
             <a:endParaRPr lang="ko-KR" altLang="en-US" sz="4000" dirty="0">
-              <a:latin typeface="경기천년제목 Medium" panose="02020603020101020101" pitchFamily="18" charset="-127"/>
               <a:ea typeface="경기천년제목 Medium" panose="02020603020101020101" pitchFamily="18" charset="-127"/>
             </a:endParaRPr>
           </a:p>
@@ -16350,14 +22458,12 @@
           <a:lstStyle/>
           <a:p>
             <a:r>
-              <a:rPr lang="en-US" altLang="ko-KR" sz="4000" dirty="0" smtClean="0">
-                <a:latin typeface="경기천년제목 Medium" panose="02020603020101020101" pitchFamily="18" charset="-127"/>
+              <a:rPr lang="en-US" altLang="ko-KR" sz="4000" dirty="0">
                 <a:ea typeface="경기천년제목 Medium" panose="02020603020101020101" pitchFamily="18" charset="-127"/>
               </a:rPr>
               <a:t>Document Object Model</a:t>
             </a:r>
             <a:endParaRPr lang="ko-KR" altLang="en-US" sz="4000" dirty="0">
-              <a:latin typeface="경기천년제목 Medium" panose="02020603020101020101" pitchFamily="18" charset="-127"/>
               <a:ea typeface="경기천년제목 Medium" panose="02020603020101020101" pitchFamily="18" charset="-127"/>
             </a:endParaRPr>
           </a:p>
@@ -16438,14 +22544,12 @@
           <a:lstStyle/>
           <a:p>
             <a:r>
-              <a:rPr lang="en-US" altLang="ko-KR" sz="4000" dirty="0" smtClean="0">
-                <a:latin typeface="경기천년제목 Medium" panose="02020603020101020101" pitchFamily="18" charset="-127"/>
+              <a:rPr lang="en-US" altLang="ko-KR" sz="4000" dirty="0">
                 <a:ea typeface="경기천년제목 Medium" panose="02020603020101020101" pitchFamily="18" charset="-127"/>
               </a:rPr>
               <a:t>JavaScript Object</a:t>
             </a:r>
             <a:endParaRPr lang="ko-KR" altLang="en-US" sz="4000" dirty="0">
-              <a:latin typeface="경기천년제목 Medium" panose="02020603020101020101" pitchFamily="18" charset="-127"/>
               <a:ea typeface="경기천년제목 Medium" panose="02020603020101020101" pitchFamily="18" charset="-127"/>
             </a:endParaRPr>
           </a:p>
